--- a/fig/overview.pptx
+++ b/fig/overview.pptx
@@ -7,6 +7,7 @@
   <p:sldIdLst>
     <p:sldId id="256" r:id="rId2"/>
     <p:sldId id="257" r:id="rId3"/>
+    <p:sldId id="258" r:id="rId4"/>
   </p:sldIdLst>
   <p:sldSz cx="16513175" cy="6858000"/>
   <p:notesSz cx="6858000" cy="9144000"/>
@@ -244,7 +245,7 @@
           <a:p>
             <a:fld id="{AE461D9D-3ED4-1345-AA6A-FA522C09250F}" type="datetimeFigureOut">
               <a:rPr lang="en-US" smtClean="0"/>
-              <a:t>12/29/2021</a:t>
+              <a:t>1/3/22</a:t>
             </a:fld>
             <a:endParaRPr lang="en-US"/>
           </a:p>
@@ -414,7 +415,7 @@
           <a:p>
             <a:fld id="{AE461D9D-3ED4-1345-AA6A-FA522C09250F}" type="datetimeFigureOut">
               <a:rPr lang="en-US" smtClean="0"/>
-              <a:t>12/29/2021</a:t>
+              <a:t>1/3/22</a:t>
             </a:fld>
             <a:endParaRPr lang="en-US"/>
           </a:p>
@@ -594,7 +595,7 @@
           <a:p>
             <a:fld id="{AE461D9D-3ED4-1345-AA6A-FA522C09250F}" type="datetimeFigureOut">
               <a:rPr lang="en-US" smtClean="0"/>
-              <a:t>12/29/2021</a:t>
+              <a:t>1/3/22</a:t>
             </a:fld>
             <a:endParaRPr lang="en-US"/>
           </a:p>
@@ -764,7 +765,7 @@
           <a:p>
             <a:fld id="{AE461D9D-3ED4-1345-AA6A-FA522C09250F}" type="datetimeFigureOut">
               <a:rPr lang="en-US" smtClean="0"/>
-              <a:t>12/29/2021</a:t>
+              <a:t>1/3/22</a:t>
             </a:fld>
             <a:endParaRPr lang="en-US"/>
           </a:p>
@@ -1010,7 +1011,7 @@
           <a:p>
             <a:fld id="{AE461D9D-3ED4-1345-AA6A-FA522C09250F}" type="datetimeFigureOut">
               <a:rPr lang="en-US" smtClean="0"/>
-              <a:t>12/29/2021</a:t>
+              <a:t>1/3/22</a:t>
             </a:fld>
             <a:endParaRPr lang="en-US"/>
           </a:p>
@@ -1242,7 +1243,7 @@
           <a:p>
             <a:fld id="{AE461D9D-3ED4-1345-AA6A-FA522C09250F}" type="datetimeFigureOut">
               <a:rPr lang="en-US" smtClean="0"/>
-              <a:t>12/29/2021</a:t>
+              <a:t>1/3/22</a:t>
             </a:fld>
             <a:endParaRPr lang="en-US"/>
           </a:p>
@@ -1609,7 +1610,7 @@
           <a:p>
             <a:fld id="{AE461D9D-3ED4-1345-AA6A-FA522C09250F}" type="datetimeFigureOut">
               <a:rPr lang="en-US" smtClean="0"/>
-              <a:t>12/29/2021</a:t>
+              <a:t>1/3/22</a:t>
             </a:fld>
             <a:endParaRPr lang="en-US"/>
           </a:p>
@@ -1727,7 +1728,7 @@
           <a:p>
             <a:fld id="{AE461D9D-3ED4-1345-AA6A-FA522C09250F}" type="datetimeFigureOut">
               <a:rPr lang="en-US" smtClean="0"/>
-              <a:t>12/29/2021</a:t>
+              <a:t>1/3/22</a:t>
             </a:fld>
             <a:endParaRPr lang="en-US"/>
           </a:p>
@@ -1822,7 +1823,7 @@
           <a:p>
             <a:fld id="{AE461D9D-3ED4-1345-AA6A-FA522C09250F}" type="datetimeFigureOut">
               <a:rPr lang="en-US" smtClean="0"/>
-              <a:t>12/29/2021</a:t>
+              <a:t>1/3/22</a:t>
             </a:fld>
             <a:endParaRPr lang="en-US"/>
           </a:p>
@@ -2099,7 +2100,7 @@
           <a:p>
             <a:fld id="{AE461D9D-3ED4-1345-AA6A-FA522C09250F}" type="datetimeFigureOut">
               <a:rPr lang="en-US" smtClean="0"/>
-              <a:t>12/29/2021</a:t>
+              <a:t>1/3/22</a:t>
             </a:fld>
             <a:endParaRPr lang="en-US"/>
           </a:p>
@@ -2356,7 +2357,7 @@
           <a:p>
             <a:fld id="{AE461D9D-3ED4-1345-AA6A-FA522C09250F}" type="datetimeFigureOut">
               <a:rPr lang="en-US" smtClean="0"/>
-              <a:t>12/29/2021</a:t>
+              <a:t>1/3/22</a:t>
             </a:fld>
             <a:endParaRPr lang="en-US"/>
           </a:p>
@@ -2569,7 +2570,7 @@
           <a:p>
             <a:fld id="{AE461D9D-3ED4-1345-AA6A-FA522C09250F}" type="datetimeFigureOut">
               <a:rPr lang="en-US" smtClean="0"/>
-              <a:t>12/29/2021</a:t>
+              <a:t>1/3/22</a:t>
             </a:fld>
             <a:endParaRPr lang="en-US"/>
           </a:p>
@@ -5322,6 +5323,1251 @@
 </p:sld>
 </file>
 
+<file path=ppt/slides/slide3.xml><?xml version="1.0" encoding="utf-8"?>
+<p:sld xmlns:a="http://schemas.openxmlformats.org/drawingml/2006/main" xmlns:r="http://schemas.openxmlformats.org/officeDocument/2006/relationships" xmlns:p="http://schemas.openxmlformats.org/presentationml/2006/main">
+  <p:cSld>
+    <p:spTree>
+      <p:nvGrpSpPr>
+        <p:cNvPr id="1" name=""/>
+        <p:cNvGrpSpPr/>
+        <p:nvPr/>
+      </p:nvGrpSpPr>
+      <p:grpSpPr>
+        <a:xfrm>
+          <a:off x="0" y="0"/>
+          <a:ext cx="0" cy="0"/>
+          <a:chOff x="0" y="0"/>
+          <a:chExt cx="0" cy="0"/>
+        </a:xfrm>
+      </p:grpSpPr>
+      <p:sp>
+        <p:nvSpPr>
+          <p:cNvPr id="43" name="Rounded Rectangle 42">
+            <a:extLst>
+              <a:ext uri="{FF2B5EF4-FFF2-40B4-BE49-F238E27FC236}">
+                <a16:creationId xmlns:a16="http://schemas.microsoft.com/office/drawing/2014/main" id="{5A488113-AECA-EF46-904A-56F78EF44FD2}"/>
+              </a:ext>
+            </a:extLst>
+          </p:cNvPr>
+          <p:cNvSpPr/>
+          <p:nvPr/>
+        </p:nvSpPr>
+        <p:spPr>
+          <a:xfrm>
+            <a:off x="4554578" y="1716011"/>
+            <a:ext cx="1962349" cy="3548774"/>
+          </a:xfrm>
+          <a:prstGeom prst="roundRect">
+            <a:avLst>
+              <a:gd name="adj" fmla="val 7028"/>
+            </a:avLst>
+          </a:prstGeom>
+          <a:noFill/>
+          <a:ln w="12700">
+            <a:solidFill>
+              <a:schemeClr val="tx1"/>
+            </a:solidFill>
+            <a:prstDash val="dash"/>
+          </a:ln>
+        </p:spPr>
+        <p:style>
+          <a:lnRef idx="2">
+            <a:schemeClr val="accent1">
+              <a:shade val="50000"/>
+            </a:schemeClr>
+          </a:lnRef>
+          <a:fillRef idx="1">
+            <a:schemeClr val="accent1"/>
+          </a:fillRef>
+          <a:effectRef idx="0">
+            <a:schemeClr val="accent1"/>
+          </a:effectRef>
+          <a:fontRef idx="minor">
+            <a:schemeClr val="lt1"/>
+          </a:fontRef>
+        </p:style>
+        <p:txBody>
+          <a:bodyPr rtlCol="0" anchor="ctr"/>
+          <a:lstStyle/>
+          <a:p>
+            <a:pPr algn="ctr"/>
+            <a:endParaRPr lang="en-US"/>
+          </a:p>
+        </p:txBody>
+      </p:sp>
+      <p:sp>
+        <p:nvSpPr>
+          <p:cNvPr id="4" name="Round Diagonal Corner Rectangle 3">
+            <a:extLst>
+              <a:ext uri="{FF2B5EF4-FFF2-40B4-BE49-F238E27FC236}">
+                <a16:creationId xmlns:a16="http://schemas.microsoft.com/office/drawing/2014/main" id="{209C59D9-01A5-5E48-8DA4-D4D352B7B490}"/>
+              </a:ext>
+            </a:extLst>
+          </p:cNvPr>
+          <p:cNvSpPr/>
+          <p:nvPr/>
+        </p:nvSpPr>
+        <p:spPr>
+          <a:xfrm>
+            <a:off x="2971904" y="3036725"/>
+            <a:ext cx="1062516" cy="543481"/>
+          </a:xfrm>
+          <a:prstGeom prst="round2DiagRect">
+            <a:avLst/>
+          </a:prstGeom>
+          <a:noFill/>
+          <a:ln w="12700">
+            <a:solidFill>
+              <a:schemeClr val="tx1"/>
+            </a:solidFill>
+          </a:ln>
+        </p:spPr>
+        <p:style>
+          <a:lnRef idx="2">
+            <a:schemeClr val="accent1">
+              <a:shade val="50000"/>
+            </a:schemeClr>
+          </a:lnRef>
+          <a:fillRef idx="1">
+            <a:schemeClr val="accent1"/>
+          </a:fillRef>
+          <a:effectRef idx="0">
+            <a:schemeClr val="accent1"/>
+          </a:effectRef>
+          <a:fontRef idx="minor">
+            <a:schemeClr val="lt1"/>
+          </a:fontRef>
+        </p:style>
+        <p:txBody>
+          <a:bodyPr rot="0" spcFirstLastPara="0" vertOverflow="overflow" horzOverflow="overflow" vert="horz" wrap="square" lIns="91440" tIns="45720" rIns="91440" bIns="45720" numCol="1" spcCol="0" rtlCol="0" fromWordArt="0" anchor="ctr" anchorCtr="0" forceAA="0" compatLnSpc="1">
+            <a:prstTxWarp prst="textNoShape">
+              <a:avLst/>
+            </a:prstTxWarp>
+            <a:noAutofit/>
+          </a:bodyPr>
+          <a:lstStyle/>
+          <a:p>
+            <a:pPr algn="ctr"/>
+            <a:r>
+              <a:rPr lang="en-US" dirty="0">
+                <a:solidFill>
+                  <a:schemeClr val="tx1"/>
+                </a:solidFill>
+              </a:rPr>
+              <a:t>CVE ID</a:t>
+            </a:r>
+          </a:p>
+        </p:txBody>
+      </p:sp>
+      <p:sp>
+        <p:nvSpPr>
+          <p:cNvPr id="5" name="Round Diagonal Corner Rectangle 4">
+            <a:extLst>
+              <a:ext uri="{FF2B5EF4-FFF2-40B4-BE49-F238E27FC236}">
+                <a16:creationId xmlns:a16="http://schemas.microsoft.com/office/drawing/2014/main" id="{2DC2A51B-B557-2F43-B9CC-223406FB27CE}"/>
+              </a:ext>
+            </a:extLst>
+          </p:cNvPr>
+          <p:cNvSpPr/>
+          <p:nvPr/>
+        </p:nvSpPr>
+        <p:spPr>
+          <a:xfrm>
+            <a:off x="11502383" y="3036729"/>
+            <a:ext cx="1151678" cy="543481"/>
+          </a:xfrm>
+          <a:prstGeom prst="round2DiagRect">
+            <a:avLst/>
+          </a:prstGeom>
+          <a:noFill/>
+          <a:ln w="12700">
+            <a:solidFill>
+              <a:schemeClr val="tx1"/>
+            </a:solidFill>
+          </a:ln>
+        </p:spPr>
+        <p:style>
+          <a:lnRef idx="2">
+            <a:schemeClr val="accent1">
+              <a:shade val="50000"/>
+            </a:schemeClr>
+          </a:lnRef>
+          <a:fillRef idx="1">
+            <a:schemeClr val="accent1"/>
+          </a:fillRef>
+          <a:effectRef idx="0">
+            <a:schemeClr val="accent1"/>
+          </a:effectRef>
+          <a:fontRef idx="minor">
+            <a:schemeClr val="lt1"/>
+          </a:fontRef>
+        </p:style>
+        <p:txBody>
+          <a:bodyPr rot="0" spcFirstLastPara="0" vertOverflow="overflow" horzOverflow="overflow" vert="horz" wrap="square" lIns="91440" tIns="45720" rIns="91440" bIns="45720" numCol="1" spcCol="0" rtlCol="0" fromWordArt="0" anchor="ctr" anchorCtr="0" forceAA="0" compatLnSpc="1">
+            <a:prstTxWarp prst="textNoShape">
+              <a:avLst/>
+            </a:prstTxWarp>
+            <a:noAutofit/>
+          </a:bodyPr>
+          <a:lstStyle/>
+          <a:p>
+            <a:pPr algn="ctr"/>
+            <a:r>
+              <a:rPr lang="zh-CN" altLang="en-US" dirty="0">
+                <a:solidFill>
+                  <a:schemeClr val="tx1"/>
+                </a:solidFill>
+              </a:rPr>
+              <a:t>补丁列表</a:t>
+            </a:r>
+            <a:endParaRPr lang="en-US" dirty="0">
+              <a:solidFill>
+                <a:schemeClr val="tx1"/>
+              </a:solidFill>
+            </a:endParaRPr>
+          </a:p>
+        </p:txBody>
+      </p:sp>
+      <p:sp>
+        <p:nvSpPr>
+          <p:cNvPr id="6" name="Rounded Rectangle 5">
+            <a:extLst>
+              <a:ext uri="{FF2B5EF4-FFF2-40B4-BE49-F238E27FC236}">
+                <a16:creationId xmlns:a16="http://schemas.microsoft.com/office/drawing/2014/main" id="{6D093B29-B815-524D-8FB2-52E26776263D}"/>
+              </a:ext>
+            </a:extLst>
+          </p:cNvPr>
+          <p:cNvSpPr/>
+          <p:nvPr/>
+        </p:nvSpPr>
+        <p:spPr>
+          <a:xfrm>
+            <a:off x="4821728" y="1916545"/>
+            <a:ext cx="1443037" cy="772083"/>
+          </a:xfrm>
+          <a:prstGeom prst="roundRect">
+            <a:avLst/>
+          </a:prstGeom>
+          <a:noFill/>
+          <a:ln w="12700">
+            <a:solidFill>
+              <a:schemeClr val="tx1"/>
+            </a:solidFill>
+          </a:ln>
+        </p:spPr>
+        <p:style>
+          <a:lnRef idx="2">
+            <a:schemeClr val="accent1">
+              <a:shade val="50000"/>
+            </a:schemeClr>
+          </a:lnRef>
+          <a:fillRef idx="1">
+            <a:schemeClr val="accent1"/>
+          </a:fillRef>
+          <a:effectRef idx="0">
+            <a:schemeClr val="accent1"/>
+          </a:effectRef>
+          <a:fontRef idx="minor">
+            <a:schemeClr val="lt1"/>
+          </a:fontRef>
+        </p:style>
+        <p:txBody>
+          <a:bodyPr rot="0" spcFirstLastPara="0" vertOverflow="overflow" horzOverflow="overflow" vert="horz" wrap="square" lIns="91440" tIns="45720" rIns="91440" bIns="45720" numCol="1" spcCol="0" rtlCol="0" fromWordArt="0" anchor="ctr" anchorCtr="0" forceAA="0" compatLnSpc="1">
+            <a:prstTxWarp prst="textNoShape">
+              <a:avLst/>
+            </a:prstTxWarp>
+            <a:noAutofit/>
+          </a:bodyPr>
+          <a:lstStyle/>
+          <a:p>
+            <a:pPr algn="ctr"/>
+            <a:r>
+              <a:rPr lang="zh-CN" altLang="en-US" dirty="0">
+                <a:solidFill>
+                  <a:schemeClr val="tx1"/>
+                </a:solidFill>
+              </a:rPr>
+              <a:t>公告分析</a:t>
+            </a:r>
+            <a:endParaRPr lang="en-US" dirty="0">
+              <a:solidFill>
+                <a:schemeClr val="tx1"/>
+              </a:solidFill>
+            </a:endParaRPr>
+          </a:p>
+        </p:txBody>
+      </p:sp>
+      <p:sp>
+        <p:nvSpPr>
+          <p:cNvPr id="7" name="Rounded Rectangle 6">
+            <a:extLst>
+              <a:ext uri="{FF2B5EF4-FFF2-40B4-BE49-F238E27FC236}">
+                <a16:creationId xmlns:a16="http://schemas.microsoft.com/office/drawing/2014/main" id="{AFCF1E98-22F9-E745-8C91-B70E2D17F0F9}"/>
+              </a:ext>
+            </a:extLst>
+          </p:cNvPr>
+          <p:cNvSpPr/>
+          <p:nvPr/>
+        </p:nvSpPr>
+        <p:spPr>
+          <a:xfrm>
+            <a:off x="4838052" y="2903509"/>
+            <a:ext cx="1443037" cy="772083"/>
+          </a:xfrm>
+          <a:prstGeom prst="roundRect">
+            <a:avLst/>
+          </a:prstGeom>
+          <a:noFill/>
+          <a:ln w="12700">
+            <a:solidFill>
+              <a:schemeClr val="tx1"/>
+            </a:solidFill>
+          </a:ln>
+        </p:spPr>
+        <p:style>
+          <a:lnRef idx="2">
+            <a:schemeClr val="accent1">
+              <a:shade val="50000"/>
+            </a:schemeClr>
+          </a:lnRef>
+          <a:fillRef idx="1">
+            <a:schemeClr val="accent1"/>
+          </a:fillRef>
+          <a:effectRef idx="0">
+            <a:schemeClr val="accent1"/>
+          </a:effectRef>
+          <a:fontRef idx="minor">
+            <a:schemeClr val="lt1"/>
+          </a:fontRef>
+        </p:style>
+        <p:txBody>
+          <a:bodyPr rot="0" spcFirstLastPara="0" vertOverflow="overflow" horzOverflow="overflow" vert="horz" wrap="square" lIns="91440" tIns="45720" rIns="91440" bIns="45720" numCol="1" spcCol="0" rtlCol="0" fromWordArt="0" anchor="ctr" anchorCtr="0" forceAA="0" compatLnSpc="1">
+            <a:prstTxWarp prst="textNoShape">
+              <a:avLst/>
+            </a:prstTxWarp>
+            <a:noAutofit/>
+          </a:bodyPr>
+          <a:lstStyle/>
+          <a:p>
+            <a:pPr algn="ctr"/>
+            <a:r>
+              <a:rPr lang="zh-CN" altLang="en-US" dirty="0">
+                <a:solidFill>
+                  <a:schemeClr val="tx1"/>
+                </a:solidFill>
+              </a:rPr>
+              <a:t>引用分析</a:t>
+            </a:r>
+            <a:endParaRPr lang="en-US" dirty="0">
+              <a:solidFill>
+                <a:schemeClr val="tx1"/>
+              </a:solidFill>
+            </a:endParaRPr>
+          </a:p>
+        </p:txBody>
+      </p:sp>
+      <p:sp>
+        <p:nvSpPr>
+          <p:cNvPr id="8" name="Rounded Rectangle 7">
+            <a:extLst>
+              <a:ext uri="{FF2B5EF4-FFF2-40B4-BE49-F238E27FC236}">
+                <a16:creationId xmlns:a16="http://schemas.microsoft.com/office/drawing/2014/main" id="{F8854CFF-C541-4143-869B-72DE9196A4C8}"/>
+              </a:ext>
+            </a:extLst>
+          </p:cNvPr>
+          <p:cNvSpPr/>
+          <p:nvPr/>
+        </p:nvSpPr>
+        <p:spPr>
+          <a:xfrm>
+            <a:off x="4838052" y="3981280"/>
+            <a:ext cx="1443037" cy="772083"/>
+          </a:xfrm>
+          <a:prstGeom prst="roundRect">
+            <a:avLst/>
+          </a:prstGeom>
+          <a:noFill/>
+          <a:ln w="12700">
+            <a:solidFill>
+              <a:schemeClr val="tx1"/>
+            </a:solidFill>
+          </a:ln>
+        </p:spPr>
+        <p:style>
+          <a:lnRef idx="2">
+            <a:schemeClr val="accent1">
+              <a:shade val="50000"/>
+            </a:schemeClr>
+          </a:lnRef>
+          <a:fillRef idx="1">
+            <a:schemeClr val="accent1"/>
+          </a:fillRef>
+          <a:effectRef idx="0">
+            <a:schemeClr val="accent1"/>
+          </a:effectRef>
+          <a:fontRef idx="minor">
+            <a:schemeClr val="lt1"/>
+          </a:fontRef>
+        </p:style>
+        <p:txBody>
+          <a:bodyPr rot="0" spcFirstLastPara="0" vertOverflow="overflow" horzOverflow="overflow" vert="horz" wrap="square" lIns="91440" tIns="45720" rIns="91440" bIns="45720" numCol="1" spcCol="0" rtlCol="0" fromWordArt="0" anchor="ctr" anchorCtr="0" forceAA="0" compatLnSpc="1">
+            <a:prstTxWarp prst="textNoShape">
+              <a:avLst/>
+            </a:prstTxWarp>
+            <a:noAutofit/>
+          </a:bodyPr>
+          <a:lstStyle/>
+          <a:p>
+            <a:pPr algn="ctr"/>
+            <a:r>
+              <a:rPr lang="zh-CN" altLang="en-US" dirty="0">
+                <a:solidFill>
+                  <a:schemeClr val="tx1"/>
+                </a:solidFill>
+              </a:rPr>
+              <a:t>知识源扩增</a:t>
+            </a:r>
+            <a:endParaRPr lang="en-US" dirty="0">
+              <a:solidFill>
+                <a:schemeClr val="tx1"/>
+              </a:solidFill>
+            </a:endParaRPr>
+          </a:p>
+        </p:txBody>
+      </p:sp>
+      <p:sp>
+        <p:nvSpPr>
+          <p:cNvPr id="9" name="Rounded Rectangle 8">
+            <a:extLst>
+              <a:ext uri="{FF2B5EF4-FFF2-40B4-BE49-F238E27FC236}">
+                <a16:creationId xmlns:a16="http://schemas.microsoft.com/office/drawing/2014/main" id="{5941C809-CC94-8F48-B041-F56A69655256}"/>
+              </a:ext>
+            </a:extLst>
+          </p:cNvPr>
+          <p:cNvSpPr/>
+          <p:nvPr/>
+        </p:nvSpPr>
+        <p:spPr>
+          <a:xfrm>
+            <a:off x="7333886" y="2370272"/>
+            <a:ext cx="1443037" cy="772083"/>
+          </a:xfrm>
+          <a:prstGeom prst="roundRect">
+            <a:avLst/>
+          </a:prstGeom>
+          <a:noFill/>
+          <a:ln w="12700">
+            <a:solidFill>
+              <a:schemeClr val="tx1"/>
+            </a:solidFill>
+          </a:ln>
+        </p:spPr>
+        <p:style>
+          <a:lnRef idx="2">
+            <a:schemeClr val="accent1">
+              <a:shade val="50000"/>
+            </a:schemeClr>
+          </a:lnRef>
+          <a:fillRef idx="1">
+            <a:schemeClr val="accent1"/>
+          </a:fillRef>
+          <a:effectRef idx="0">
+            <a:schemeClr val="accent1"/>
+          </a:effectRef>
+          <a:fontRef idx="minor">
+            <a:schemeClr val="lt1"/>
+          </a:fontRef>
+        </p:style>
+        <p:txBody>
+          <a:bodyPr rot="0" spcFirstLastPara="0" vertOverflow="overflow" horzOverflow="overflow" vert="horz" wrap="square" lIns="91440" tIns="45720" rIns="91440" bIns="45720" numCol="1" spcCol="0" rtlCol="0" fromWordArt="0" anchor="ctr" anchorCtr="0" forceAA="0" compatLnSpc="1">
+            <a:prstTxWarp prst="textNoShape">
+              <a:avLst/>
+            </a:prstTxWarp>
+            <a:noAutofit/>
+          </a:bodyPr>
+          <a:lstStyle/>
+          <a:p>
+            <a:pPr algn="ctr"/>
+            <a:r>
+              <a:rPr lang="zh-CN" altLang="en-US" dirty="0">
+                <a:solidFill>
+                  <a:schemeClr val="tx1"/>
+                </a:solidFill>
+              </a:rPr>
+              <a:t>置信度选择</a:t>
+            </a:r>
+            <a:endParaRPr lang="en-US" dirty="0">
+              <a:solidFill>
+                <a:schemeClr val="tx1"/>
+              </a:solidFill>
+            </a:endParaRPr>
+          </a:p>
+        </p:txBody>
+      </p:sp>
+      <p:sp>
+        <p:nvSpPr>
+          <p:cNvPr id="10" name="Rounded Rectangle 9">
+            <a:extLst>
+              <a:ext uri="{FF2B5EF4-FFF2-40B4-BE49-F238E27FC236}">
+                <a16:creationId xmlns:a16="http://schemas.microsoft.com/office/drawing/2014/main" id="{7DF11496-0148-7747-A154-0F2FF924F202}"/>
+              </a:ext>
+            </a:extLst>
+          </p:cNvPr>
+          <p:cNvSpPr/>
+          <p:nvPr/>
+        </p:nvSpPr>
+        <p:spPr>
+          <a:xfrm>
+            <a:off x="9530709" y="2922425"/>
+            <a:ext cx="1443037" cy="772083"/>
+          </a:xfrm>
+          <a:prstGeom prst="roundRect">
+            <a:avLst/>
+          </a:prstGeom>
+          <a:noFill/>
+          <a:ln w="12700">
+            <a:solidFill>
+              <a:schemeClr val="tx1"/>
+            </a:solidFill>
+          </a:ln>
+        </p:spPr>
+        <p:style>
+          <a:lnRef idx="2">
+            <a:schemeClr val="accent1">
+              <a:shade val="50000"/>
+            </a:schemeClr>
+          </a:lnRef>
+          <a:fillRef idx="1">
+            <a:schemeClr val="accent1"/>
+          </a:fillRef>
+          <a:effectRef idx="0">
+            <a:schemeClr val="accent1"/>
+          </a:effectRef>
+          <a:fontRef idx="minor">
+            <a:schemeClr val="lt1"/>
+          </a:fontRef>
+        </p:style>
+        <p:txBody>
+          <a:bodyPr rot="0" spcFirstLastPara="0" vertOverflow="overflow" horzOverflow="overflow" vert="horz" wrap="square" lIns="91440" tIns="45720" rIns="91440" bIns="45720" numCol="1" spcCol="0" rtlCol="0" fromWordArt="0" anchor="ctr" anchorCtr="0" forceAA="0" compatLnSpc="1">
+            <a:prstTxWarp prst="textNoShape">
+              <a:avLst/>
+            </a:prstTxWarp>
+            <a:noAutofit/>
+          </a:bodyPr>
+          <a:lstStyle/>
+          <a:p>
+            <a:pPr algn="ctr"/>
+            <a:r>
+              <a:rPr lang="zh-CN" altLang="en-US" dirty="0">
+                <a:solidFill>
+                  <a:schemeClr val="tx1"/>
+                </a:solidFill>
+              </a:rPr>
+              <a:t>补丁扩增</a:t>
+            </a:r>
+            <a:endParaRPr lang="en-US" dirty="0">
+              <a:solidFill>
+                <a:schemeClr val="tx1"/>
+              </a:solidFill>
+            </a:endParaRPr>
+          </a:p>
+        </p:txBody>
+      </p:sp>
+      <p:cxnSp>
+        <p:nvCxnSpPr>
+          <p:cNvPr id="17" name="Straight Arrow Connector 16">
+            <a:extLst>
+              <a:ext uri="{FF2B5EF4-FFF2-40B4-BE49-F238E27FC236}">
+                <a16:creationId xmlns:a16="http://schemas.microsoft.com/office/drawing/2014/main" id="{AB205991-A20F-B043-9C33-F59E76B45C43}"/>
+              </a:ext>
+            </a:extLst>
+          </p:cNvPr>
+          <p:cNvCxnSpPr>
+            <a:cxnSpLocks/>
+          </p:cNvCxnSpPr>
+          <p:nvPr/>
+        </p:nvCxnSpPr>
+        <p:spPr>
+          <a:xfrm>
+            <a:off x="6567475" y="3308467"/>
+            <a:ext cx="386485" cy="0"/>
+          </a:xfrm>
+          <a:prstGeom prst="straightConnector1">
+            <a:avLst/>
+          </a:prstGeom>
+          <a:ln w="12700">
+            <a:solidFill>
+              <a:schemeClr val="tx1"/>
+            </a:solidFill>
+            <a:headEnd type="none"/>
+            <a:tailEnd type="arrow"/>
+          </a:ln>
+        </p:spPr>
+        <p:style>
+          <a:lnRef idx="1">
+            <a:schemeClr val="accent1"/>
+          </a:lnRef>
+          <a:fillRef idx="0">
+            <a:schemeClr val="accent1"/>
+          </a:fillRef>
+          <a:effectRef idx="0">
+            <a:schemeClr val="accent1"/>
+          </a:effectRef>
+          <a:fontRef idx="minor">
+            <a:schemeClr val="tx1"/>
+          </a:fontRef>
+        </p:style>
+      </p:cxnSp>
+      <p:cxnSp>
+        <p:nvCxnSpPr>
+          <p:cNvPr id="18" name="Straight Arrow Connector 17">
+            <a:extLst>
+              <a:ext uri="{FF2B5EF4-FFF2-40B4-BE49-F238E27FC236}">
+                <a16:creationId xmlns:a16="http://schemas.microsoft.com/office/drawing/2014/main" id="{ACCEAD85-B426-E445-B3BD-C01C05869C95}"/>
+              </a:ext>
+            </a:extLst>
+          </p:cNvPr>
+          <p:cNvCxnSpPr>
+            <a:cxnSpLocks/>
+          </p:cNvCxnSpPr>
+          <p:nvPr/>
+        </p:nvCxnSpPr>
+        <p:spPr>
+          <a:xfrm>
+            <a:off x="9095400" y="3317144"/>
+            <a:ext cx="386485" cy="0"/>
+          </a:xfrm>
+          <a:prstGeom prst="straightConnector1">
+            <a:avLst/>
+          </a:prstGeom>
+          <a:ln w="12700">
+            <a:solidFill>
+              <a:schemeClr val="tx1"/>
+            </a:solidFill>
+            <a:headEnd type="none"/>
+            <a:tailEnd type="arrow"/>
+          </a:ln>
+        </p:spPr>
+        <p:style>
+          <a:lnRef idx="1">
+            <a:schemeClr val="accent1"/>
+          </a:lnRef>
+          <a:fillRef idx="0">
+            <a:schemeClr val="accent1"/>
+          </a:fillRef>
+          <a:effectRef idx="0">
+            <a:schemeClr val="accent1"/>
+          </a:effectRef>
+          <a:fontRef idx="minor">
+            <a:schemeClr val="tx1"/>
+          </a:fontRef>
+        </p:style>
+      </p:cxnSp>
+      <p:cxnSp>
+        <p:nvCxnSpPr>
+          <p:cNvPr id="19" name="Straight Arrow Connector 18">
+            <a:extLst>
+              <a:ext uri="{FF2B5EF4-FFF2-40B4-BE49-F238E27FC236}">
+                <a16:creationId xmlns:a16="http://schemas.microsoft.com/office/drawing/2014/main" id="{344286AB-BE91-0F47-BE59-A3DB94C27F41}"/>
+              </a:ext>
+            </a:extLst>
+          </p:cNvPr>
+          <p:cNvCxnSpPr>
+            <a:cxnSpLocks/>
+          </p:cNvCxnSpPr>
+          <p:nvPr/>
+        </p:nvCxnSpPr>
+        <p:spPr>
+          <a:xfrm>
+            <a:off x="11043934" y="3325166"/>
+            <a:ext cx="386485" cy="0"/>
+          </a:xfrm>
+          <a:prstGeom prst="straightConnector1">
+            <a:avLst/>
+          </a:prstGeom>
+          <a:ln w="12700">
+            <a:solidFill>
+              <a:schemeClr val="tx1"/>
+            </a:solidFill>
+            <a:headEnd type="none"/>
+            <a:tailEnd type="arrow"/>
+          </a:ln>
+        </p:spPr>
+        <p:style>
+          <a:lnRef idx="1">
+            <a:schemeClr val="accent1"/>
+          </a:lnRef>
+          <a:fillRef idx="0">
+            <a:schemeClr val="accent1"/>
+          </a:fillRef>
+          <a:effectRef idx="0">
+            <a:schemeClr val="accent1"/>
+          </a:effectRef>
+          <a:fontRef idx="minor">
+            <a:schemeClr val="tx1"/>
+          </a:fontRef>
+        </p:style>
+      </p:cxnSp>
+      <p:pic>
+        <p:nvPicPr>
+          <p:cNvPr id="27" name="Picture 26">
+            <a:extLst>
+              <a:ext uri="{FF2B5EF4-FFF2-40B4-BE49-F238E27FC236}">
+                <a16:creationId xmlns:a16="http://schemas.microsoft.com/office/drawing/2014/main" id="{7ACB9588-60AF-5242-9FF5-19BA74A399C1}"/>
+              </a:ext>
+            </a:extLst>
+          </p:cNvPr>
+          <p:cNvPicPr>
+            <a:picLocks noChangeAspect="1"/>
+          </p:cNvPicPr>
+          <p:nvPr/>
+        </p:nvPicPr>
+        <p:blipFill>
+          <a:blip r:embed="rId2"/>
+          <a:stretch>
+            <a:fillRect/>
+          </a:stretch>
+        </p:blipFill>
+        <p:spPr>
+          <a:xfrm>
+            <a:off x="3807984" y="4129357"/>
+            <a:ext cx="751415" cy="652327"/>
+          </a:xfrm>
+          <a:prstGeom prst="rect">
+            <a:avLst/>
+          </a:prstGeom>
+        </p:spPr>
+      </p:pic>
+      <p:pic>
+        <p:nvPicPr>
+          <p:cNvPr id="28" name="Picture 27">
+            <a:extLst>
+              <a:ext uri="{FF2B5EF4-FFF2-40B4-BE49-F238E27FC236}">
+                <a16:creationId xmlns:a16="http://schemas.microsoft.com/office/drawing/2014/main" id="{7E03FE1C-6DAF-D84E-912F-A2B4A9E83C60}"/>
+              </a:ext>
+            </a:extLst>
+          </p:cNvPr>
+          <p:cNvPicPr>
+            <a:picLocks noChangeAspect="1"/>
+          </p:cNvPicPr>
+          <p:nvPr/>
+        </p:nvPicPr>
+        <p:blipFill>
+          <a:blip r:embed="rId2"/>
+          <a:stretch>
+            <a:fillRect/>
+          </a:stretch>
+        </p:blipFill>
+        <p:spPr>
+          <a:xfrm>
+            <a:off x="9876519" y="1952487"/>
+            <a:ext cx="751415" cy="652327"/>
+          </a:xfrm>
+          <a:prstGeom prst="rect">
+            <a:avLst/>
+          </a:prstGeom>
+        </p:spPr>
+      </p:pic>
+      <p:sp>
+        <p:nvSpPr>
+          <p:cNvPr id="41" name="Down Arrow 40">
+            <a:extLst>
+              <a:ext uri="{FF2B5EF4-FFF2-40B4-BE49-F238E27FC236}">
+                <a16:creationId xmlns:a16="http://schemas.microsoft.com/office/drawing/2014/main" id="{B9D1C2AB-490D-EF47-9803-31A15028E9CC}"/>
+              </a:ext>
+            </a:extLst>
+          </p:cNvPr>
+          <p:cNvSpPr/>
+          <p:nvPr/>
+        </p:nvSpPr>
+        <p:spPr>
+          <a:xfrm rot="16200000">
+            <a:off x="4478085" y="4255025"/>
+            <a:ext cx="257410" cy="224590"/>
+          </a:xfrm>
+          <a:prstGeom prst="downArrow">
+            <a:avLst/>
+          </a:prstGeom>
+          <a:noFill/>
+          <a:ln w="12700">
+            <a:solidFill>
+              <a:schemeClr val="tx1"/>
+            </a:solidFill>
+          </a:ln>
+        </p:spPr>
+        <p:style>
+          <a:lnRef idx="2">
+            <a:schemeClr val="accent1">
+              <a:shade val="50000"/>
+            </a:schemeClr>
+          </a:lnRef>
+          <a:fillRef idx="1">
+            <a:schemeClr val="accent1"/>
+          </a:fillRef>
+          <a:effectRef idx="0">
+            <a:schemeClr val="accent1"/>
+          </a:effectRef>
+          <a:fontRef idx="minor">
+            <a:schemeClr val="lt1"/>
+          </a:fontRef>
+        </p:style>
+        <p:txBody>
+          <a:bodyPr rtlCol="0" anchor="ctr"/>
+          <a:lstStyle/>
+          <a:p>
+            <a:pPr algn="ctr"/>
+            <a:endParaRPr lang="en-US"/>
+          </a:p>
+        </p:txBody>
+      </p:sp>
+      <p:sp>
+        <p:nvSpPr>
+          <p:cNvPr id="42" name="Down Arrow 41">
+            <a:extLst>
+              <a:ext uri="{FF2B5EF4-FFF2-40B4-BE49-F238E27FC236}">
+                <a16:creationId xmlns:a16="http://schemas.microsoft.com/office/drawing/2014/main" id="{1E8FEFBB-8B78-A449-8BE5-359EB349C4C7}"/>
+              </a:ext>
+            </a:extLst>
+          </p:cNvPr>
+          <p:cNvSpPr/>
+          <p:nvPr/>
+        </p:nvSpPr>
+        <p:spPr>
+          <a:xfrm>
+            <a:off x="10129538" y="2633669"/>
+            <a:ext cx="257410" cy="224590"/>
+          </a:xfrm>
+          <a:prstGeom prst="downArrow">
+            <a:avLst/>
+          </a:prstGeom>
+          <a:noFill/>
+          <a:ln w="12700">
+            <a:solidFill>
+              <a:schemeClr val="tx1"/>
+            </a:solidFill>
+          </a:ln>
+        </p:spPr>
+        <p:style>
+          <a:lnRef idx="2">
+            <a:schemeClr val="accent1">
+              <a:shade val="50000"/>
+            </a:schemeClr>
+          </a:lnRef>
+          <a:fillRef idx="1">
+            <a:schemeClr val="accent1"/>
+          </a:fillRef>
+          <a:effectRef idx="0">
+            <a:schemeClr val="accent1"/>
+          </a:effectRef>
+          <a:fontRef idx="minor">
+            <a:schemeClr val="lt1"/>
+          </a:fontRef>
+        </p:style>
+        <p:txBody>
+          <a:bodyPr rtlCol="0" anchor="ctr"/>
+          <a:lstStyle/>
+          <a:p>
+            <a:pPr algn="ctr"/>
+            <a:endParaRPr lang="en-US"/>
+          </a:p>
+        </p:txBody>
+      </p:sp>
+      <p:sp>
+        <p:nvSpPr>
+          <p:cNvPr id="45" name="Rectangle 44">
+            <a:extLst>
+              <a:ext uri="{FF2B5EF4-FFF2-40B4-BE49-F238E27FC236}">
+                <a16:creationId xmlns:a16="http://schemas.microsoft.com/office/drawing/2014/main" id="{9D525EDA-9974-8C42-B90C-48E0F95BD84A}"/>
+              </a:ext>
+            </a:extLst>
+          </p:cNvPr>
+          <p:cNvSpPr/>
+          <p:nvPr/>
+        </p:nvSpPr>
+        <p:spPr>
+          <a:xfrm>
+            <a:off x="4520089" y="4844764"/>
+            <a:ext cx="2031325" cy="369332"/>
+          </a:xfrm>
+          <a:prstGeom prst="rect">
+            <a:avLst/>
+          </a:prstGeom>
+        </p:spPr>
+        <p:txBody>
+          <a:bodyPr wrap="none">
+            <a:spAutoFit/>
+          </a:bodyPr>
+          <a:lstStyle/>
+          <a:p>
+            <a:pPr algn="ctr"/>
+            <a:r>
+              <a:rPr lang="zh-CN" altLang="en-US" dirty="0"/>
+              <a:t>多源信息网络构建</a:t>
+            </a:r>
+            <a:endParaRPr lang="en-US" dirty="0"/>
+          </a:p>
+        </p:txBody>
+      </p:sp>
+      <p:sp>
+        <p:nvSpPr>
+          <p:cNvPr id="33" name="Rounded Rectangle 42">
+            <a:extLst>
+              <a:ext uri="{FF2B5EF4-FFF2-40B4-BE49-F238E27FC236}">
+                <a16:creationId xmlns:a16="http://schemas.microsoft.com/office/drawing/2014/main" id="{92F9E82E-09E9-3F4A-9A36-EA5F300C9863}"/>
+              </a:ext>
+            </a:extLst>
+          </p:cNvPr>
+          <p:cNvSpPr/>
+          <p:nvPr/>
+        </p:nvSpPr>
+        <p:spPr>
+          <a:xfrm>
+            <a:off x="7074232" y="1716011"/>
+            <a:ext cx="1962349" cy="3548774"/>
+          </a:xfrm>
+          <a:prstGeom prst="roundRect">
+            <a:avLst>
+              <a:gd name="adj" fmla="val 7028"/>
+            </a:avLst>
+          </a:prstGeom>
+          <a:noFill/>
+          <a:ln w="12700">
+            <a:solidFill>
+              <a:schemeClr val="tx1"/>
+            </a:solidFill>
+            <a:prstDash val="dash"/>
+          </a:ln>
+        </p:spPr>
+        <p:style>
+          <a:lnRef idx="2">
+            <a:schemeClr val="accent1">
+              <a:shade val="50000"/>
+            </a:schemeClr>
+          </a:lnRef>
+          <a:fillRef idx="1">
+            <a:schemeClr val="accent1"/>
+          </a:fillRef>
+          <a:effectRef idx="0">
+            <a:schemeClr val="accent1"/>
+          </a:effectRef>
+          <a:fontRef idx="minor">
+            <a:schemeClr val="lt1"/>
+          </a:fontRef>
+        </p:style>
+        <p:txBody>
+          <a:bodyPr rtlCol="0" anchor="ctr"/>
+          <a:lstStyle/>
+          <a:p>
+            <a:pPr algn="ctr"/>
+            <a:endParaRPr lang="en-US"/>
+          </a:p>
+        </p:txBody>
+      </p:sp>
+      <p:sp>
+        <p:nvSpPr>
+          <p:cNvPr id="37" name="Rounded Rectangle 7">
+            <a:extLst>
+              <a:ext uri="{FF2B5EF4-FFF2-40B4-BE49-F238E27FC236}">
+                <a16:creationId xmlns:a16="http://schemas.microsoft.com/office/drawing/2014/main" id="{55975C21-E97F-D245-A2DD-A39DAFDFCCD6}"/>
+              </a:ext>
+            </a:extLst>
+          </p:cNvPr>
+          <p:cNvSpPr/>
+          <p:nvPr/>
+        </p:nvSpPr>
+        <p:spPr>
+          <a:xfrm>
+            <a:off x="7333886" y="3478309"/>
+            <a:ext cx="1443037" cy="772083"/>
+          </a:xfrm>
+          <a:prstGeom prst="roundRect">
+            <a:avLst/>
+          </a:prstGeom>
+          <a:noFill/>
+          <a:ln w="12700">
+            <a:solidFill>
+              <a:schemeClr val="tx1"/>
+            </a:solidFill>
+          </a:ln>
+        </p:spPr>
+        <p:style>
+          <a:lnRef idx="2">
+            <a:schemeClr val="accent1">
+              <a:shade val="50000"/>
+            </a:schemeClr>
+          </a:lnRef>
+          <a:fillRef idx="1">
+            <a:schemeClr val="accent1"/>
+          </a:fillRef>
+          <a:effectRef idx="0">
+            <a:schemeClr val="accent1"/>
+          </a:effectRef>
+          <a:fontRef idx="minor">
+            <a:schemeClr val="lt1"/>
+          </a:fontRef>
+        </p:style>
+        <p:txBody>
+          <a:bodyPr rot="0" spcFirstLastPara="0" vertOverflow="overflow" horzOverflow="overflow" vert="horz" wrap="square" lIns="91440" tIns="45720" rIns="91440" bIns="45720" numCol="1" spcCol="0" rtlCol="0" fromWordArt="0" anchor="ctr" anchorCtr="0" forceAA="0" compatLnSpc="1">
+            <a:prstTxWarp prst="textNoShape">
+              <a:avLst/>
+            </a:prstTxWarp>
+            <a:noAutofit/>
+          </a:bodyPr>
+          <a:lstStyle/>
+          <a:p>
+            <a:pPr algn="ctr"/>
+            <a:r>
+              <a:rPr lang="zh-CN" altLang="en-US" dirty="0">
+                <a:solidFill>
+                  <a:schemeClr val="tx1"/>
+                </a:solidFill>
+              </a:rPr>
+              <a:t>连通度选择</a:t>
+            </a:r>
+            <a:endParaRPr lang="en-US" dirty="0">
+              <a:solidFill>
+                <a:schemeClr val="tx1"/>
+              </a:solidFill>
+            </a:endParaRPr>
+          </a:p>
+        </p:txBody>
+      </p:sp>
+      <p:sp>
+        <p:nvSpPr>
+          <p:cNvPr id="38" name="Rectangle 44">
+            <a:extLst>
+              <a:ext uri="{FF2B5EF4-FFF2-40B4-BE49-F238E27FC236}">
+                <a16:creationId xmlns:a16="http://schemas.microsoft.com/office/drawing/2014/main" id="{8C85AA31-A07A-A549-8EB5-9FB13EBCE02F}"/>
+              </a:ext>
+            </a:extLst>
+          </p:cNvPr>
+          <p:cNvSpPr/>
+          <p:nvPr/>
+        </p:nvSpPr>
+        <p:spPr>
+          <a:xfrm>
+            <a:off x="7270577" y="4844764"/>
+            <a:ext cx="1569660" cy="369332"/>
+          </a:xfrm>
+          <a:prstGeom prst="rect">
+            <a:avLst/>
+          </a:prstGeom>
+        </p:spPr>
+        <p:txBody>
+          <a:bodyPr wrap="none">
+            <a:spAutoFit/>
+          </a:bodyPr>
+          <a:lstStyle/>
+          <a:p>
+            <a:pPr algn="ctr"/>
+            <a:r>
+              <a:rPr lang="zh-CN" altLang="en-US" dirty="0"/>
+              <a:t>补丁节点精选</a:t>
+            </a:r>
+            <a:endParaRPr lang="en-US" altLang="zh-CN" dirty="0"/>
+          </a:p>
+        </p:txBody>
+      </p:sp>
+      <p:pic>
+        <p:nvPicPr>
+          <p:cNvPr id="46" name="Picture 22">
+            <a:extLst>
+              <a:ext uri="{FF2B5EF4-FFF2-40B4-BE49-F238E27FC236}">
+                <a16:creationId xmlns:a16="http://schemas.microsoft.com/office/drawing/2014/main" id="{FAF5A15D-766C-0D41-83C0-1BC10D2BF7EB}"/>
+              </a:ext>
+            </a:extLst>
+          </p:cNvPr>
+          <p:cNvPicPr>
+            <a:picLocks noChangeAspect="1"/>
+          </p:cNvPicPr>
+          <p:nvPr/>
+        </p:nvPicPr>
+        <p:blipFill>
+          <a:blip r:embed="rId3"/>
+          <a:stretch>
+            <a:fillRect/>
+          </a:stretch>
+        </p:blipFill>
+        <p:spPr>
+          <a:xfrm>
+            <a:off x="4372570" y="1107129"/>
+            <a:ext cx="678389" cy="321259"/>
+          </a:xfrm>
+          <a:prstGeom prst="rect">
+            <a:avLst/>
+          </a:prstGeom>
+        </p:spPr>
+      </p:pic>
+      <p:pic>
+        <p:nvPicPr>
+          <p:cNvPr id="47" name="Picture 31">
+            <a:extLst>
+              <a:ext uri="{FF2B5EF4-FFF2-40B4-BE49-F238E27FC236}">
+                <a16:creationId xmlns:a16="http://schemas.microsoft.com/office/drawing/2014/main" id="{38A28C28-078F-F04E-BB32-4BC013C87DE5}"/>
+              </a:ext>
+            </a:extLst>
+          </p:cNvPr>
+          <p:cNvPicPr>
+            <a:picLocks noChangeAspect="1"/>
+          </p:cNvPicPr>
+          <p:nvPr/>
+        </p:nvPicPr>
+        <p:blipFill>
+          <a:blip r:embed="rId4"/>
+          <a:stretch>
+            <a:fillRect/>
+          </a:stretch>
+        </p:blipFill>
+        <p:spPr>
+          <a:xfrm>
+            <a:off x="5223642" y="868776"/>
+            <a:ext cx="542991" cy="701711"/>
+          </a:xfrm>
+          <a:prstGeom prst="rect">
+            <a:avLst/>
+          </a:prstGeom>
+        </p:spPr>
+      </p:pic>
+      <p:pic>
+        <p:nvPicPr>
+          <p:cNvPr id="48" name="Picture 33">
+            <a:extLst>
+              <a:ext uri="{FF2B5EF4-FFF2-40B4-BE49-F238E27FC236}">
+                <a16:creationId xmlns:a16="http://schemas.microsoft.com/office/drawing/2014/main" id="{E5ECB1DC-40E8-7E4B-A624-C142B97C3A47}"/>
+              </a:ext>
+            </a:extLst>
+          </p:cNvPr>
+          <p:cNvPicPr>
+            <a:picLocks noChangeAspect="1"/>
+          </p:cNvPicPr>
+          <p:nvPr/>
+        </p:nvPicPr>
+        <p:blipFill>
+          <a:blip r:embed="rId5"/>
+          <a:stretch>
+            <a:fillRect/>
+          </a:stretch>
+        </p:blipFill>
+        <p:spPr>
+          <a:xfrm>
+            <a:off x="5939316" y="874783"/>
+            <a:ext cx="678389" cy="689695"/>
+          </a:xfrm>
+          <a:prstGeom prst="rect">
+            <a:avLst/>
+          </a:prstGeom>
+        </p:spPr>
+      </p:pic>
+      <p:sp>
+        <p:nvSpPr>
+          <p:cNvPr id="49" name="Down Arrow 39">
+            <a:extLst>
+              <a:ext uri="{FF2B5EF4-FFF2-40B4-BE49-F238E27FC236}">
+                <a16:creationId xmlns:a16="http://schemas.microsoft.com/office/drawing/2014/main" id="{9399E320-AAF6-DA4B-BF70-263CB0B35B96}"/>
+              </a:ext>
+            </a:extLst>
+          </p:cNvPr>
+          <p:cNvSpPr/>
+          <p:nvPr/>
+        </p:nvSpPr>
+        <p:spPr>
+          <a:xfrm>
+            <a:off x="5366432" y="1589524"/>
+            <a:ext cx="257410" cy="224590"/>
+          </a:xfrm>
+          <a:prstGeom prst="downArrow">
+            <a:avLst/>
+          </a:prstGeom>
+          <a:noFill/>
+          <a:ln w="12700">
+            <a:solidFill>
+              <a:schemeClr val="tx1"/>
+            </a:solidFill>
+          </a:ln>
+        </p:spPr>
+        <p:style>
+          <a:lnRef idx="2">
+            <a:schemeClr val="accent1">
+              <a:shade val="50000"/>
+            </a:schemeClr>
+          </a:lnRef>
+          <a:fillRef idx="1">
+            <a:schemeClr val="accent1"/>
+          </a:fillRef>
+          <a:effectRef idx="0">
+            <a:schemeClr val="accent1"/>
+          </a:effectRef>
+          <a:fontRef idx="minor">
+            <a:schemeClr val="lt1"/>
+          </a:fontRef>
+        </p:style>
+        <p:txBody>
+          <a:bodyPr rtlCol="0" anchor="ctr"/>
+          <a:lstStyle/>
+          <a:p>
+            <a:pPr algn="ctr"/>
+            <a:endParaRPr lang="en-US"/>
+          </a:p>
+        </p:txBody>
+      </p:sp>
+      <p:cxnSp>
+        <p:nvCxnSpPr>
+          <p:cNvPr id="50" name="Straight Arrow Connector 16">
+            <a:extLst>
+              <a:ext uri="{FF2B5EF4-FFF2-40B4-BE49-F238E27FC236}">
+                <a16:creationId xmlns:a16="http://schemas.microsoft.com/office/drawing/2014/main" id="{119CBFA5-DAAD-B041-AD3E-18905253A2B1}"/>
+              </a:ext>
+            </a:extLst>
+          </p:cNvPr>
+          <p:cNvCxnSpPr>
+            <a:cxnSpLocks/>
+          </p:cNvCxnSpPr>
+          <p:nvPr/>
+        </p:nvCxnSpPr>
+        <p:spPr>
+          <a:xfrm>
+            <a:off x="4084968" y="3308467"/>
+            <a:ext cx="386485" cy="0"/>
+          </a:xfrm>
+          <a:prstGeom prst="straightConnector1">
+            <a:avLst/>
+          </a:prstGeom>
+          <a:ln w="12700">
+            <a:solidFill>
+              <a:schemeClr val="tx1"/>
+            </a:solidFill>
+            <a:headEnd type="none"/>
+            <a:tailEnd type="arrow"/>
+          </a:ln>
+        </p:spPr>
+        <p:style>
+          <a:lnRef idx="1">
+            <a:schemeClr val="accent1"/>
+          </a:lnRef>
+          <a:fillRef idx="0">
+            <a:schemeClr val="accent1"/>
+          </a:fillRef>
+          <a:effectRef idx="0">
+            <a:schemeClr val="accent1"/>
+          </a:effectRef>
+          <a:fontRef idx="minor">
+            <a:schemeClr val="tx1"/>
+          </a:fontRef>
+        </p:style>
+      </p:cxnSp>
+    </p:spTree>
+    <p:extLst>
+      <p:ext uri="{BB962C8B-B14F-4D97-AF65-F5344CB8AC3E}">
+        <p14:creationId xmlns:p14="http://schemas.microsoft.com/office/powerpoint/2010/main" val="252639368"/>
+      </p:ext>
+    </p:extLst>
+  </p:cSld>
+  <p:clrMapOvr>
+    <a:masterClrMapping/>
+  </p:clrMapOvr>
+</p:sld>
+</file>
+
 <file path=ppt/theme/theme1.xml><?xml version="1.0" encoding="utf-8"?>
 <a:theme xmlns:a="http://schemas.openxmlformats.org/drawingml/2006/main" name="Office Theme">
   <a:themeElements>

--- a/fig/overview.pptx
+++ b/fig/overview.pptx
@@ -8,6 +8,7 @@
     <p:sldId id="256" r:id="rId2"/>
     <p:sldId id="257" r:id="rId3"/>
     <p:sldId id="258" r:id="rId4"/>
+    <p:sldId id="259" r:id="rId5"/>
   </p:sldIdLst>
   <p:sldSz cx="16513175" cy="6858000"/>
   <p:notesSz cx="6858000" cy="9144000"/>
@@ -245,7 +246,7 @@
           <a:p>
             <a:fld id="{AE461D9D-3ED4-1345-AA6A-FA522C09250F}" type="datetimeFigureOut">
               <a:rPr lang="en-US" smtClean="0"/>
-              <a:t>1/3/22</a:t>
+              <a:t>1/7/22</a:t>
             </a:fld>
             <a:endParaRPr lang="en-US"/>
           </a:p>
@@ -415,7 +416,7 @@
           <a:p>
             <a:fld id="{AE461D9D-3ED4-1345-AA6A-FA522C09250F}" type="datetimeFigureOut">
               <a:rPr lang="en-US" smtClean="0"/>
-              <a:t>1/3/22</a:t>
+              <a:t>1/7/22</a:t>
             </a:fld>
             <a:endParaRPr lang="en-US"/>
           </a:p>
@@ -595,7 +596,7 @@
           <a:p>
             <a:fld id="{AE461D9D-3ED4-1345-AA6A-FA522C09250F}" type="datetimeFigureOut">
               <a:rPr lang="en-US" smtClean="0"/>
-              <a:t>1/3/22</a:t>
+              <a:t>1/7/22</a:t>
             </a:fld>
             <a:endParaRPr lang="en-US"/>
           </a:p>
@@ -765,7 +766,7 @@
           <a:p>
             <a:fld id="{AE461D9D-3ED4-1345-AA6A-FA522C09250F}" type="datetimeFigureOut">
               <a:rPr lang="en-US" smtClean="0"/>
-              <a:t>1/3/22</a:t>
+              <a:t>1/7/22</a:t>
             </a:fld>
             <a:endParaRPr lang="en-US"/>
           </a:p>
@@ -1011,7 +1012,7 @@
           <a:p>
             <a:fld id="{AE461D9D-3ED4-1345-AA6A-FA522C09250F}" type="datetimeFigureOut">
               <a:rPr lang="en-US" smtClean="0"/>
-              <a:t>1/3/22</a:t>
+              <a:t>1/7/22</a:t>
             </a:fld>
             <a:endParaRPr lang="en-US"/>
           </a:p>
@@ -1243,7 +1244,7 @@
           <a:p>
             <a:fld id="{AE461D9D-3ED4-1345-AA6A-FA522C09250F}" type="datetimeFigureOut">
               <a:rPr lang="en-US" smtClean="0"/>
-              <a:t>1/3/22</a:t>
+              <a:t>1/7/22</a:t>
             </a:fld>
             <a:endParaRPr lang="en-US"/>
           </a:p>
@@ -1610,7 +1611,7 @@
           <a:p>
             <a:fld id="{AE461D9D-3ED4-1345-AA6A-FA522C09250F}" type="datetimeFigureOut">
               <a:rPr lang="en-US" smtClean="0"/>
-              <a:t>1/3/22</a:t>
+              <a:t>1/7/22</a:t>
             </a:fld>
             <a:endParaRPr lang="en-US"/>
           </a:p>
@@ -1728,7 +1729,7 @@
           <a:p>
             <a:fld id="{AE461D9D-3ED4-1345-AA6A-FA522C09250F}" type="datetimeFigureOut">
               <a:rPr lang="en-US" smtClean="0"/>
-              <a:t>1/3/22</a:t>
+              <a:t>1/7/22</a:t>
             </a:fld>
             <a:endParaRPr lang="en-US"/>
           </a:p>
@@ -1823,7 +1824,7 @@
           <a:p>
             <a:fld id="{AE461D9D-3ED4-1345-AA6A-FA522C09250F}" type="datetimeFigureOut">
               <a:rPr lang="en-US" smtClean="0"/>
-              <a:t>1/3/22</a:t>
+              <a:t>1/7/22</a:t>
             </a:fld>
             <a:endParaRPr lang="en-US"/>
           </a:p>
@@ -2100,7 +2101,7 @@
           <a:p>
             <a:fld id="{AE461D9D-3ED4-1345-AA6A-FA522C09250F}" type="datetimeFigureOut">
               <a:rPr lang="en-US" smtClean="0"/>
-              <a:t>1/3/22</a:t>
+              <a:t>1/7/22</a:t>
             </a:fld>
             <a:endParaRPr lang="en-US"/>
           </a:p>
@@ -2357,7 +2358,7 @@
           <a:p>
             <a:fld id="{AE461D9D-3ED4-1345-AA6A-FA522C09250F}" type="datetimeFigureOut">
               <a:rPr lang="en-US" smtClean="0"/>
-              <a:t>1/3/22</a:t>
+              <a:t>1/7/22</a:t>
             </a:fld>
             <a:endParaRPr lang="en-US"/>
           </a:p>
@@ -2570,7 +2571,7 @@
           <a:p>
             <a:fld id="{AE461D9D-3ED4-1345-AA6A-FA522C09250F}" type="datetimeFigureOut">
               <a:rPr lang="en-US" smtClean="0"/>
-              <a:t>1/3/22</a:t>
+              <a:t>1/7/22</a:t>
             </a:fld>
             <a:endParaRPr lang="en-US"/>
           </a:p>
@@ -6568,6 +6569,670 @@
 </p:sld>
 </file>
 
+<file path=ppt/slides/slide4.xml><?xml version="1.0" encoding="utf-8"?>
+<p:sld xmlns:a="http://schemas.openxmlformats.org/drawingml/2006/main" xmlns:r="http://schemas.openxmlformats.org/officeDocument/2006/relationships" xmlns:p="http://schemas.openxmlformats.org/presentationml/2006/main">
+  <p:cSld>
+    <p:spTree>
+      <p:nvGrpSpPr>
+        <p:cNvPr id="1" name=""/>
+        <p:cNvGrpSpPr/>
+        <p:nvPr/>
+      </p:nvGrpSpPr>
+      <p:grpSpPr>
+        <a:xfrm>
+          <a:off x="0" y="0"/>
+          <a:ext cx="0" cy="0"/>
+          <a:chOff x="0" y="0"/>
+          <a:chExt cx="0" cy="0"/>
+        </a:xfrm>
+      </p:grpSpPr>
+      <p:sp>
+        <p:nvSpPr>
+          <p:cNvPr id="4" name="Round Diagonal Corner Rectangle 3">
+            <a:extLst>
+              <a:ext uri="{FF2B5EF4-FFF2-40B4-BE49-F238E27FC236}">
+                <a16:creationId xmlns:a16="http://schemas.microsoft.com/office/drawing/2014/main" id="{209C59D9-01A5-5E48-8DA4-D4D352B7B490}"/>
+              </a:ext>
+            </a:extLst>
+          </p:cNvPr>
+          <p:cNvSpPr/>
+          <p:nvPr/>
+        </p:nvSpPr>
+        <p:spPr>
+          <a:xfrm>
+            <a:off x="1090749" y="2717081"/>
+            <a:ext cx="1062516" cy="543481"/>
+          </a:xfrm>
+          <a:prstGeom prst="round2DiagRect">
+            <a:avLst/>
+          </a:prstGeom>
+          <a:noFill/>
+          <a:ln w="12700">
+            <a:solidFill>
+              <a:schemeClr val="tx1"/>
+            </a:solidFill>
+          </a:ln>
+        </p:spPr>
+        <p:style>
+          <a:lnRef idx="2">
+            <a:schemeClr val="accent1">
+              <a:shade val="50000"/>
+            </a:schemeClr>
+          </a:lnRef>
+          <a:fillRef idx="1">
+            <a:schemeClr val="accent1"/>
+          </a:fillRef>
+          <a:effectRef idx="0">
+            <a:schemeClr val="accent1"/>
+          </a:effectRef>
+          <a:fontRef idx="minor">
+            <a:schemeClr val="lt1"/>
+          </a:fontRef>
+        </p:style>
+        <p:txBody>
+          <a:bodyPr rot="0" spcFirstLastPara="0" vertOverflow="overflow" horzOverflow="overflow" vert="horz" wrap="square" lIns="91440" tIns="45720" rIns="91440" bIns="45720" numCol="1" spcCol="0" rtlCol="0" fromWordArt="0" anchor="ctr" anchorCtr="0" forceAA="0" compatLnSpc="1">
+            <a:prstTxWarp prst="textNoShape">
+              <a:avLst/>
+            </a:prstTxWarp>
+            <a:noAutofit/>
+          </a:bodyPr>
+          <a:lstStyle/>
+          <a:p>
+            <a:pPr algn="ctr"/>
+            <a:r>
+              <a:rPr lang="en-US" dirty="0">
+                <a:solidFill>
+                  <a:schemeClr val="tx1"/>
+                </a:solidFill>
+              </a:rPr>
+              <a:t>CVE ID</a:t>
+            </a:r>
+          </a:p>
+        </p:txBody>
+      </p:sp>
+      <p:sp>
+        <p:nvSpPr>
+          <p:cNvPr id="5" name="Round Diagonal Corner Rectangle 4">
+            <a:extLst>
+              <a:ext uri="{FF2B5EF4-FFF2-40B4-BE49-F238E27FC236}">
+                <a16:creationId xmlns:a16="http://schemas.microsoft.com/office/drawing/2014/main" id="{2DC2A51B-B557-2F43-B9CC-223406FB27CE}"/>
+              </a:ext>
+            </a:extLst>
+          </p:cNvPr>
+          <p:cNvSpPr/>
+          <p:nvPr/>
+        </p:nvSpPr>
+        <p:spPr>
+          <a:xfrm>
+            <a:off x="6681901" y="4084999"/>
+            <a:ext cx="1393531" cy="543481"/>
+          </a:xfrm>
+          <a:prstGeom prst="round2DiagRect">
+            <a:avLst/>
+          </a:prstGeom>
+          <a:noFill/>
+          <a:ln w="12700">
+            <a:solidFill>
+              <a:schemeClr val="tx1"/>
+            </a:solidFill>
+          </a:ln>
+        </p:spPr>
+        <p:style>
+          <a:lnRef idx="2">
+            <a:schemeClr val="accent1">
+              <a:shade val="50000"/>
+            </a:schemeClr>
+          </a:lnRef>
+          <a:fillRef idx="1">
+            <a:schemeClr val="accent1"/>
+          </a:fillRef>
+          <a:effectRef idx="0">
+            <a:schemeClr val="accent1"/>
+          </a:effectRef>
+          <a:fontRef idx="minor">
+            <a:schemeClr val="lt1"/>
+          </a:fontRef>
+        </p:style>
+        <p:txBody>
+          <a:bodyPr rot="0" spcFirstLastPara="0" vertOverflow="overflow" horzOverflow="overflow" vert="horz" wrap="square" lIns="91440" tIns="45720" rIns="91440" bIns="45720" numCol="1" spcCol="0" rtlCol="0" fromWordArt="0" anchor="ctr" anchorCtr="0" forceAA="0" compatLnSpc="1">
+            <a:prstTxWarp prst="textNoShape">
+              <a:avLst/>
+            </a:prstTxWarp>
+            <a:noAutofit/>
+          </a:bodyPr>
+          <a:lstStyle/>
+          <a:p>
+            <a:pPr algn="ctr"/>
+            <a:r>
+              <a:rPr lang="zh-CN" altLang="en-US" dirty="0">
+                <a:solidFill>
+                  <a:schemeClr val="tx1"/>
+                </a:solidFill>
+              </a:rPr>
+              <a:t>补丁元数据</a:t>
+            </a:r>
+            <a:endParaRPr lang="en-US" dirty="0">
+              <a:solidFill>
+                <a:schemeClr val="tx1"/>
+              </a:solidFill>
+            </a:endParaRPr>
+          </a:p>
+        </p:txBody>
+      </p:sp>
+      <p:sp>
+        <p:nvSpPr>
+          <p:cNvPr id="6" name="Rounded Rectangle 5">
+            <a:extLst>
+              <a:ext uri="{FF2B5EF4-FFF2-40B4-BE49-F238E27FC236}">
+                <a16:creationId xmlns:a16="http://schemas.microsoft.com/office/drawing/2014/main" id="{6D093B29-B815-524D-8FB2-52E26776263D}"/>
+              </a:ext>
+            </a:extLst>
+          </p:cNvPr>
+          <p:cNvSpPr/>
+          <p:nvPr/>
+        </p:nvSpPr>
+        <p:spPr>
+          <a:xfrm>
+            <a:off x="2646751" y="2586087"/>
+            <a:ext cx="1746075" cy="772083"/>
+          </a:xfrm>
+          <a:prstGeom prst="roundRect">
+            <a:avLst/>
+          </a:prstGeom>
+          <a:noFill/>
+          <a:ln w="12700">
+            <a:solidFill>
+              <a:schemeClr val="tx1"/>
+            </a:solidFill>
+          </a:ln>
+        </p:spPr>
+        <p:style>
+          <a:lnRef idx="2">
+            <a:schemeClr val="accent1">
+              <a:shade val="50000"/>
+            </a:schemeClr>
+          </a:lnRef>
+          <a:fillRef idx="1">
+            <a:schemeClr val="accent1"/>
+          </a:fillRef>
+          <a:effectRef idx="0">
+            <a:schemeClr val="accent1"/>
+          </a:effectRef>
+          <a:fontRef idx="minor">
+            <a:schemeClr val="lt1"/>
+          </a:fontRef>
+        </p:style>
+        <p:txBody>
+          <a:bodyPr rot="0" spcFirstLastPara="0" vertOverflow="overflow" horzOverflow="overflow" vert="horz" wrap="square" lIns="91440" tIns="45720" rIns="91440" bIns="45720" numCol="1" spcCol="0" rtlCol="0" fromWordArt="0" anchor="ctr" anchorCtr="0" forceAA="0" compatLnSpc="1">
+            <a:prstTxWarp prst="textNoShape">
+              <a:avLst/>
+            </a:prstTxWarp>
+            <a:noAutofit/>
+          </a:bodyPr>
+          <a:lstStyle/>
+          <a:p>
+            <a:pPr algn="ctr"/>
+            <a:r>
+              <a:rPr lang="zh-CN" altLang="en-US" dirty="0">
+                <a:solidFill>
+                  <a:schemeClr val="tx1"/>
+                </a:solidFill>
+              </a:rPr>
+              <a:t>代码提交识别</a:t>
+            </a:r>
+            <a:endParaRPr lang="en-US" dirty="0">
+              <a:solidFill>
+                <a:schemeClr val="tx1"/>
+              </a:solidFill>
+            </a:endParaRPr>
+          </a:p>
+        </p:txBody>
+      </p:sp>
+      <p:sp>
+        <p:nvSpPr>
+          <p:cNvPr id="7" name="Rounded Rectangle 6">
+            <a:extLst>
+              <a:ext uri="{FF2B5EF4-FFF2-40B4-BE49-F238E27FC236}">
+                <a16:creationId xmlns:a16="http://schemas.microsoft.com/office/drawing/2014/main" id="{AFCF1E98-22F9-E745-8C91-B70E2D17F0F9}"/>
+              </a:ext>
+            </a:extLst>
+          </p:cNvPr>
+          <p:cNvSpPr/>
+          <p:nvPr/>
+        </p:nvSpPr>
+        <p:spPr>
+          <a:xfrm>
+            <a:off x="4844989" y="2602779"/>
+            <a:ext cx="1443037" cy="772083"/>
+          </a:xfrm>
+          <a:prstGeom prst="roundRect">
+            <a:avLst/>
+          </a:prstGeom>
+          <a:noFill/>
+          <a:ln w="12700">
+            <a:solidFill>
+              <a:schemeClr val="tx1"/>
+            </a:solidFill>
+          </a:ln>
+        </p:spPr>
+        <p:style>
+          <a:lnRef idx="2">
+            <a:schemeClr val="accent1">
+              <a:shade val="50000"/>
+            </a:schemeClr>
+          </a:lnRef>
+          <a:fillRef idx="1">
+            <a:schemeClr val="accent1"/>
+          </a:fillRef>
+          <a:effectRef idx="0">
+            <a:schemeClr val="accent1"/>
+          </a:effectRef>
+          <a:fontRef idx="minor">
+            <a:schemeClr val="lt1"/>
+          </a:fontRef>
+        </p:style>
+        <p:txBody>
+          <a:bodyPr rot="0" spcFirstLastPara="0" vertOverflow="overflow" horzOverflow="overflow" vert="horz" wrap="square" lIns="91440" tIns="45720" rIns="91440" bIns="45720" numCol="1" spcCol="0" rtlCol="0" fromWordArt="0" anchor="ctr" anchorCtr="0" forceAA="0" compatLnSpc="1">
+            <a:prstTxWarp prst="textNoShape">
+              <a:avLst/>
+            </a:prstTxWarp>
+            <a:noAutofit/>
+          </a:bodyPr>
+          <a:lstStyle/>
+          <a:p>
+            <a:pPr algn="ctr"/>
+            <a:r>
+              <a:rPr lang="zh-CN" altLang="en-US" dirty="0">
+                <a:solidFill>
+                  <a:schemeClr val="tx1"/>
+                </a:solidFill>
+              </a:rPr>
+              <a:t>补丁筛选</a:t>
+            </a:r>
+            <a:endParaRPr lang="en-US" dirty="0">
+              <a:solidFill>
+                <a:schemeClr val="tx1"/>
+              </a:solidFill>
+            </a:endParaRPr>
+          </a:p>
+        </p:txBody>
+      </p:sp>
+      <p:cxnSp>
+        <p:nvCxnSpPr>
+          <p:cNvPr id="13" name="Straight Arrow Connector 12">
+            <a:extLst>
+              <a:ext uri="{FF2B5EF4-FFF2-40B4-BE49-F238E27FC236}">
+                <a16:creationId xmlns:a16="http://schemas.microsoft.com/office/drawing/2014/main" id="{C32871D9-2610-564D-B78C-A68F517AA2E7}"/>
+              </a:ext>
+            </a:extLst>
+          </p:cNvPr>
+          <p:cNvCxnSpPr>
+            <a:cxnSpLocks/>
+          </p:cNvCxnSpPr>
+          <p:nvPr/>
+        </p:nvCxnSpPr>
+        <p:spPr>
+          <a:xfrm>
+            <a:off x="2215200" y="2976464"/>
+            <a:ext cx="386485" cy="0"/>
+          </a:xfrm>
+          <a:prstGeom prst="straightConnector1">
+            <a:avLst/>
+          </a:prstGeom>
+          <a:ln w="12700">
+            <a:solidFill>
+              <a:schemeClr val="tx1"/>
+            </a:solidFill>
+            <a:headEnd type="none"/>
+            <a:tailEnd type="arrow"/>
+          </a:ln>
+        </p:spPr>
+        <p:style>
+          <a:lnRef idx="1">
+            <a:schemeClr val="accent1"/>
+          </a:lnRef>
+          <a:fillRef idx="0">
+            <a:schemeClr val="accent1"/>
+          </a:fillRef>
+          <a:effectRef idx="0">
+            <a:schemeClr val="accent1"/>
+          </a:effectRef>
+          <a:fontRef idx="minor">
+            <a:schemeClr val="tx1"/>
+          </a:fontRef>
+        </p:style>
+      </p:cxnSp>
+      <p:cxnSp>
+        <p:nvCxnSpPr>
+          <p:cNvPr id="15" name="Straight Arrow Connector 14">
+            <a:extLst>
+              <a:ext uri="{FF2B5EF4-FFF2-40B4-BE49-F238E27FC236}">
+                <a16:creationId xmlns:a16="http://schemas.microsoft.com/office/drawing/2014/main" id="{289F6E1F-CAEB-9F4B-80DD-B2B9F4E8B38E}"/>
+              </a:ext>
+            </a:extLst>
+          </p:cNvPr>
+          <p:cNvCxnSpPr>
+            <a:cxnSpLocks/>
+          </p:cNvCxnSpPr>
+          <p:nvPr/>
+        </p:nvCxnSpPr>
+        <p:spPr>
+          <a:xfrm>
+            <a:off x="4419038" y="2988821"/>
+            <a:ext cx="386485" cy="0"/>
+          </a:xfrm>
+          <a:prstGeom prst="straightConnector1">
+            <a:avLst/>
+          </a:prstGeom>
+          <a:ln w="12700">
+            <a:solidFill>
+              <a:schemeClr val="tx1"/>
+            </a:solidFill>
+            <a:headEnd type="none"/>
+            <a:tailEnd type="arrow"/>
+          </a:ln>
+        </p:spPr>
+        <p:style>
+          <a:lnRef idx="1">
+            <a:schemeClr val="accent1"/>
+          </a:lnRef>
+          <a:fillRef idx="0">
+            <a:schemeClr val="accent1"/>
+          </a:fillRef>
+          <a:effectRef idx="0">
+            <a:schemeClr val="accent1"/>
+          </a:effectRef>
+          <a:fontRef idx="minor">
+            <a:schemeClr val="tx1"/>
+          </a:fontRef>
+        </p:style>
+      </p:cxnSp>
+      <p:cxnSp>
+        <p:nvCxnSpPr>
+          <p:cNvPr id="16" name="Straight Arrow Connector 15">
+            <a:extLst>
+              <a:ext uri="{FF2B5EF4-FFF2-40B4-BE49-F238E27FC236}">
+                <a16:creationId xmlns:a16="http://schemas.microsoft.com/office/drawing/2014/main" id="{594E0143-8E89-6C44-BDE0-106A52FD0C97}"/>
+              </a:ext>
+            </a:extLst>
+          </p:cNvPr>
+          <p:cNvCxnSpPr>
+            <a:cxnSpLocks/>
+          </p:cNvCxnSpPr>
+          <p:nvPr/>
+        </p:nvCxnSpPr>
+        <p:spPr>
+          <a:xfrm>
+            <a:off x="6333998" y="2988820"/>
+            <a:ext cx="425134" cy="0"/>
+          </a:xfrm>
+          <a:prstGeom prst="straightConnector1">
+            <a:avLst/>
+          </a:prstGeom>
+          <a:ln w="12700">
+            <a:solidFill>
+              <a:schemeClr val="tx1"/>
+            </a:solidFill>
+            <a:headEnd type="none"/>
+            <a:tailEnd type="arrow"/>
+          </a:ln>
+        </p:spPr>
+        <p:style>
+          <a:lnRef idx="1">
+            <a:schemeClr val="accent1"/>
+          </a:lnRef>
+          <a:fillRef idx="0">
+            <a:schemeClr val="accent1"/>
+          </a:fillRef>
+          <a:effectRef idx="0">
+            <a:schemeClr val="accent1"/>
+          </a:effectRef>
+          <a:fontRef idx="minor">
+            <a:schemeClr val="tx1"/>
+          </a:fontRef>
+        </p:style>
+      </p:cxnSp>
+      <p:sp>
+        <p:nvSpPr>
+          <p:cNvPr id="25" name="Round Diagonal Corner Rectangle 4">
+            <a:extLst>
+              <a:ext uri="{FF2B5EF4-FFF2-40B4-BE49-F238E27FC236}">
+                <a16:creationId xmlns:a16="http://schemas.microsoft.com/office/drawing/2014/main" id="{E6045E8B-8D22-F441-B712-D0E4FB9F9DAF}"/>
+              </a:ext>
+            </a:extLst>
+          </p:cNvPr>
+          <p:cNvSpPr/>
+          <p:nvPr/>
+        </p:nvSpPr>
+        <p:spPr>
+          <a:xfrm>
+            <a:off x="6802830" y="2717081"/>
+            <a:ext cx="1151678" cy="543481"/>
+          </a:xfrm>
+          <a:prstGeom prst="round2DiagRect">
+            <a:avLst/>
+          </a:prstGeom>
+          <a:noFill/>
+          <a:ln w="12700">
+            <a:solidFill>
+              <a:schemeClr val="tx1"/>
+            </a:solidFill>
+          </a:ln>
+        </p:spPr>
+        <p:style>
+          <a:lnRef idx="2">
+            <a:schemeClr val="accent1">
+              <a:shade val="50000"/>
+            </a:schemeClr>
+          </a:lnRef>
+          <a:fillRef idx="1">
+            <a:schemeClr val="accent1"/>
+          </a:fillRef>
+          <a:effectRef idx="0">
+            <a:schemeClr val="accent1"/>
+          </a:effectRef>
+          <a:fontRef idx="minor">
+            <a:schemeClr val="lt1"/>
+          </a:fontRef>
+        </p:style>
+        <p:txBody>
+          <a:bodyPr rot="0" spcFirstLastPara="0" vertOverflow="overflow" horzOverflow="overflow" vert="horz" wrap="square" lIns="91440" tIns="45720" rIns="91440" bIns="45720" numCol="1" spcCol="0" rtlCol="0" fromWordArt="0" anchor="ctr" anchorCtr="0" forceAA="0" compatLnSpc="1">
+            <a:prstTxWarp prst="textNoShape">
+              <a:avLst/>
+            </a:prstTxWarp>
+            <a:noAutofit/>
+          </a:bodyPr>
+          <a:lstStyle/>
+          <a:p>
+            <a:pPr algn="ctr"/>
+            <a:r>
+              <a:rPr lang="zh-CN" altLang="en-US" dirty="0">
+                <a:solidFill>
+                  <a:schemeClr val="tx1"/>
+                </a:solidFill>
+              </a:rPr>
+              <a:t>补丁列表</a:t>
+            </a:r>
+            <a:endParaRPr lang="en-US" dirty="0">
+              <a:solidFill>
+                <a:schemeClr val="tx1"/>
+              </a:solidFill>
+            </a:endParaRPr>
+          </a:p>
+        </p:txBody>
+      </p:sp>
+      <p:sp>
+        <p:nvSpPr>
+          <p:cNvPr id="26" name="Rounded Rectangle 5">
+            <a:extLst>
+              <a:ext uri="{FF2B5EF4-FFF2-40B4-BE49-F238E27FC236}">
+                <a16:creationId xmlns:a16="http://schemas.microsoft.com/office/drawing/2014/main" id="{3FBB576C-111A-6F40-A955-0ADBB2DF95A9}"/>
+              </a:ext>
+            </a:extLst>
+          </p:cNvPr>
+          <p:cNvSpPr/>
+          <p:nvPr/>
+        </p:nvSpPr>
+        <p:spPr>
+          <a:xfrm>
+            <a:off x="4419038" y="4012964"/>
+            <a:ext cx="1746075" cy="772083"/>
+          </a:xfrm>
+          <a:prstGeom prst="roundRect">
+            <a:avLst/>
+          </a:prstGeom>
+          <a:noFill/>
+          <a:ln w="12700">
+            <a:solidFill>
+              <a:schemeClr val="tx1"/>
+            </a:solidFill>
+          </a:ln>
+        </p:spPr>
+        <p:style>
+          <a:lnRef idx="2">
+            <a:schemeClr val="accent1">
+              <a:shade val="50000"/>
+            </a:schemeClr>
+          </a:lnRef>
+          <a:fillRef idx="1">
+            <a:schemeClr val="accent1"/>
+          </a:fillRef>
+          <a:effectRef idx="0">
+            <a:schemeClr val="accent1"/>
+          </a:effectRef>
+          <a:fontRef idx="minor">
+            <a:schemeClr val="lt1"/>
+          </a:fontRef>
+        </p:style>
+        <p:txBody>
+          <a:bodyPr rot="0" spcFirstLastPara="0" vertOverflow="overflow" horzOverflow="overflow" vert="horz" wrap="square" lIns="91440" tIns="45720" rIns="91440" bIns="45720" numCol="1" spcCol="0" rtlCol="0" fromWordArt="0" anchor="ctr" anchorCtr="0" forceAA="0" compatLnSpc="1">
+            <a:prstTxWarp prst="textNoShape">
+              <a:avLst/>
+            </a:prstTxWarp>
+            <a:noAutofit/>
+          </a:bodyPr>
+          <a:lstStyle/>
+          <a:p>
+            <a:pPr algn="ctr"/>
+            <a:r>
+              <a:rPr lang="zh-CN" altLang="en-US" dirty="0">
+                <a:solidFill>
+                  <a:schemeClr val="tx1"/>
+                </a:solidFill>
+              </a:rPr>
+              <a:t>补丁信息解析</a:t>
+            </a:r>
+            <a:endParaRPr lang="en-US" altLang="zh-CN" dirty="0">
+              <a:solidFill>
+                <a:schemeClr val="tx1"/>
+              </a:solidFill>
+            </a:endParaRPr>
+          </a:p>
+        </p:txBody>
+      </p:sp>
+      <p:cxnSp>
+        <p:nvCxnSpPr>
+          <p:cNvPr id="3" name="肘形连接符 2">
+            <a:extLst>
+              <a:ext uri="{FF2B5EF4-FFF2-40B4-BE49-F238E27FC236}">
+                <a16:creationId xmlns:a16="http://schemas.microsoft.com/office/drawing/2014/main" id="{226AF6F4-87D9-6D44-B050-35B2529068DA}"/>
+              </a:ext>
+            </a:extLst>
+          </p:cNvPr>
+          <p:cNvCxnSpPr>
+            <a:cxnSpLocks/>
+          </p:cNvCxnSpPr>
+          <p:nvPr/>
+        </p:nvCxnSpPr>
+        <p:spPr>
+          <a:xfrm rot="5400000">
+            <a:off x="6000233" y="2658633"/>
+            <a:ext cx="679916" cy="1963680"/>
+          </a:xfrm>
+          <a:prstGeom prst="bentConnector3">
+            <a:avLst/>
+          </a:prstGeom>
+          <a:ln w="12700">
+            <a:solidFill>
+              <a:schemeClr val="tx1"/>
+            </a:solidFill>
+            <a:headEnd type="none"/>
+            <a:tailEnd type="arrow"/>
+          </a:ln>
+        </p:spPr>
+        <p:style>
+          <a:lnRef idx="1">
+            <a:schemeClr val="accent1"/>
+          </a:lnRef>
+          <a:fillRef idx="0">
+            <a:schemeClr val="accent1"/>
+          </a:fillRef>
+          <a:effectRef idx="0">
+            <a:schemeClr val="accent1"/>
+          </a:effectRef>
+          <a:fontRef idx="minor">
+            <a:schemeClr val="tx1"/>
+          </a:fontRef>
+        </p:style>
+      </p:cxnSp>
+      <p:cxnSp>
+        <p:nvCxnSpPr>
+          <p:cNvPr id="30" name="Straight Arrow Connector 14">
+            <a:extLst>
+              <a:ext uri="{FF2B5EF4-FFF2-40B4-BE49-F238E27FC236}">
+                <a16:creationId xmlns:a16="http://schemas.microsoft.com/office/drawing/2014/main" id="{55BEE88B-5BE5-A942-9853-678E82F92280}"/>
+              </a:ext>
+            </a:extLst>
+          </p:cNvPr>
+          <p:cNvCxnSpPr>
+            <a:cxnSpLocks/>
+          </p:cNvCxnSpPr>
+          <p:nvPr/>
+        </p:nvCxnSpPr>
+        <p:spPr>
+          <a:xfrm>
+            <a:off x="6210732" y="4354029"/>
+            <a:ext cx="386485" cy="0"/>
+          </a:xfrm>
+          <a:prstGeom prst="straightConnector1">
+            <a:avLst/>
+          </a:prstGeom>
+          <a:ln w="12700">
+            <a:solidFill>
+              <a:schemeClr val="tx1"/>
+            </a:solidFill>
+            <a:headEnd type="none"/>
+            <a:tailEnd type="arrow"/>
+          </a:ln>
+        </p:spPr>
+        <p:style>
+          <a:lnRef idx="1">
+            <a:schemeClr val="accent1"/>
+          </a:lnRef>
+          <a:fillRef idx="0">
+            <a:schemeClr val="accent1"/>
+          </a:fillRef>
+          <a:effectRef idx="0">
+            <a:schemeClr val="accent1"/>
+          </a:effectRef>
+          <a:fontRef idx="minor">
+            <a:schemeClr val="tx1"/>
+          </a:fontRef>
+        </p:style>
+      </p:cxnSp>
+    </p:spTree>
+    <p:extLst>
+      <p:ext uri="{BB962C8B-B14F-4D97-AF65-F5344CB8AC3E}">
+        <p14:creationId xmlns:p14="http://schemas.microsoft.com/office/powerpoint/2010/main" val="1767702927"/>
+      </p:ext>
+    </p:extLst>
+  </p:cSld>
+  <p:clrMapOvr>
+    <a:masterClrMapping/>
+  </p:clrMapOvr>
+</p:sld>
+</file>
+
 <file path=ppt/theme/theme1.xml><?xml version="1.0" encoding="utf-8"?>
 <a:theme xmlns:a="http://schemas.openxmlformats.org/drawingml/2006/main" name="Office Theme">
   <a:themeElements>

--- a/fig/overview.pptx
+++ b/fig/overview.pptx
@@ -7,8 +7,9 @@
   <p:sldIdLst>
     <p:sldId id="256" r:id="rId2"/>
     <p:sldId id="257" r:id="rId3"/>
-    <p:sldId id="258" r:id="rId4"/>
-    <p:sldId id="259" r:id="rId5"/>
+    <p:sldId id="260" r:id="rId4"/>
+    <p:sldId id="258" r:id="rId5"/>
+    <p:sldId id="259" r:id="rId6"/>
   </p:sldIdLst>
   <p:sldSz cx="16513175" cy="6858000"/>
   <p:notesSz cx="6858000" cy="9144000"/>
@@ -246,7 +247,7 @@
           <a:p>
             <a:fld id="{AE461D9D-3ED4-1345-AA6A-FA522C09250F}" type="datetimeFigureOut">
               <a:rPr lang="en-US" smtClean="0"/>
-              <a:t>1/7/22</a:t>
+              <a:t>1/25/2022</a:t>
             </a:fld>
             <a:endParaRPr lang="en-US"/>
           </a:p>
@@ -416,7 +417,7 @@
           <a:p>
             <a:fld id="{AE461D9D-3ED4-1345-AA6A-FA522C09250F}" type="datetimeFigureOut">
               <a:rPr lang="en-US" smtClean="0"/>
-              <a:t>1/7/22</a:t>
+              <a:t>1/25/2022</a:t>
             </a:fld>
             <a:endParaRPr lang="en-US"/>
           </a:p>
@@ -596,7 +597,7 @@
           <a:p>
             <a:fld id="{AE461D9D-3ED4-1345-AA6A-FA522C09250F}" type="datetimeFigureOut">
               <a:rPr lang="en-US" smtClean="0"/>
-              <a:t>1/7/22</a:t>
+              <a:t>1/25/2022</a:t>
             </a:fld>
             <a:endParaRPr lang="en-US"/>
           </a:p>
@@ -766,7 +767,7 @@
           <a:p>
             <a:fld id="{AE461D9D-3ED4-1345-AA6A-FA522C09250F}" type="datetimeFigureOut">
               <a:rPr lang="en-US" smtClean="0"/>
-              <a:t>1/7/22</a:t>
+              <a:t>1/25/2022</a:t>
             </a:fld>
             <a:endParaRPr lang="en-US"/>
           </a:p>
@@ -1012,7 +1013,7 @@
           <a:p>
             <a:fld id="{AE461D9D-3ED4-1345-AA6A-FA522C09250F}" type="datetimeFigureOut">
               <a:rPr lang="en-US" smtClean="0"/>
-              <a:t>1/7/22</a:t>
+              <a:t>1/25/2022</a:t>
             </a:fld>
             <a:endParaRPr lang="en-US"/>
           </a:p>
@@ -1244,7 +1245,7 @@
           <a:p>
             <a:fld id="{AE461D9D-3ED4-1345-AA6A-FA522C09250F}" type="datetimeFigureOut">
               <a:rPr lang="en-US" smtClean="0"/>
-              <a:t>1/7/22</a:t>
+              <a:t>1/25/2022</a:t>
             </a:fld>
             <a:endParaRPr lang="en-US"/>
           </a:p>
@@ -1611,7 +1612,7 @@
           <a:p>
             <a:fld id="{AE461D9D-3ED4-1345-AA6A-FA522C09250F}" type="datetimeFigureOut">
               <a:rPr lang="en-US" smtClean="0"/>
-              <a:t>1/7/22</a:t>
+              <a:t>1/25/2022</a:t>
             </a:fld>
             <a:endParaRPr lang="en-US"/>
           </a:p>
@@ -1729,7 +1730,7 @@
           <a:p>
             <a:fld id="{AE461D9D-3ED4-1345-AA6A-FA522C09250F}" type="datetimeFigureOut">
               <a:rPr lang="en-US" smtClean="0"/>
-              <a:t>1/7/22</a:t>
+              <a:t>1/25/2022</a:t>
             </a:fld>
             <a:endParaRPr lang="en-US"/>
           </a:p>
@@ -1824,7 +1825,7 @@
           <a:p>
             <a:fld id="{AE461D9D-3ED4-1345-AA6A-FA522C09250F}" type="datetimeFigureOut">
               <a:rPr lang="en-US" smtClean="0"/>
-              <a:t>1/7/22</a:t>
+              <a:t>1/25/2022</a:t>
             </a:fld>
             <a:endParaRPr lang="en-US"/>
           </a:p>
@@ -2101,7 +2102,7 @@
           <a:p>
             <a:fld id="{AE461D9D-3ED4-1345-AA6A-FA522C09250F}" type="datetimeFigureOut">
               <a:rPr lang="en-US" smtClean="0"/>
-              <a:t>1/7/22</a:t>
+              <a:t>1/25/2022</a:t>
             </a:fld>
             <a:endParaRPr lang="en-US"/>
           </a:p>
@@ -2358,7 +2359,7 @@
           <a:p>
             <a:fld id="{AE461D9D-3ED4-1345-AA6A-FA522C09250F}" type="datetimeFigureOut">
               <a:rPr lang="en-US" smtClean="0"/>
-              <a:t>1/7/22</a:t>
+              <a:t>1/25/2022</a:t>
             </a:fld>
             <a:endParaRPr lang="en-US"/>
           </a:p>
@@ -2571,7 +2572,7 @@
           <a:p>
             <a:fld id="{AE461D9D-3ED4-1345-AA6A-FA522C09250F}" type="datetimeFigureOut">
               <a:rPr lang="en-US" smtClean="0"/>
-              <a:t>1/7/22</a:t>
+              <a:t>1/25/2022</a:t>
             </a:fld>
             <a:endParaRPr lang="en-US"/>
           </a:p>
@@ -5355,8 +5356,8 @@
         </p:nvSpPr>
         <p:spPr>
           <a:xfrm>
-            <a:off x="4554578" y="1716011"/>
-            <a:ext cx="1962349" cy="3548774"/>
+            <a:off x="2342885" y="2402259"/>
+            <a:ext cx="5934841" cy="1364041"/>
           </a:xfrm>
           <a:prstGeom prst="roundRect">
             <a:avLst>
@@ -5410,7 +5411,7 @@
         </p:nvSpPr>
         <p:spPr>
           <a:xfrm>
-            <a:off x="2971904" y="3036725"/>
+            <a:off x="1041227" y="2700390"/>
             <a:ext cx="1062516" cy="543481"/>
           </a:xfrm>
           <a:prstGeom prst="round2DiagRect">
@@ -5474,7 +5475,7 @@
         </p:nvSpPr>
         <p:spPr>
           <a:xfrm>
-            <a:off x="11502383" y="3036729"/>
+            <a:off x="8721388" y="4882041"/>
             <a:ext cx="1151678" cy="543481"/>
           </a:xfrm>
           <a:prstGeom prst="round2DiagRect">
@@ -5543,7 +5544,7 @@
         </p:nvSpPr>
         <p:spPr>
           <a:xfrm>
-            <a:off x="4821728" y="1916545"/>
+            <a:off x="2632380" y="2586087"/>
             <a:ext cx="1443037" cy="772083"/>
           </a:xfrm>
           <a:prstGeom prst="roundRect">
@@ -5612,8 +5613,8 @@
         </p:nvSpPr>
         <p:spPr>
           <a:xfrm>
-            <a:off x="4838052" y="2903509"/>
-            <a:ext cx="1443037" cy="772083"/>
+            <a:off x="4542475" y="2586087"/>
+            <a:ext cx="1746075" cy="772083"/>
           </a:xfrm>
           <a:prstGeom prst="roundRect">
             <a:avLst/>
@@ -5657,7 +5658,7 @@
                   <a:schemeClr val="tx1"/>
                 </a:solidFill>
               </a:rPr>
-              <a:t>引用分析</a:t>
+              <a:t>参考链接分析</a:t>
             </a:r>
             <a:endParaRPr lang="en-US" dirty="0">
               <a:solidFill>
@@ -5681,7 +5682,7 @@
         </p:nvSpPr>
         <p:spPr>
           <a:xfrm>
-            <a:off x="4838052" y="3981280"/>
+            <a:off x="6755608" y="2586087"/>
             <a:ext cx="1443037" cy="772083"/>
           </a:xfrm>
           <a:prstGeom prst="roundRect">
@@ -5750,7 +5751,7 @@
         </p:nvSpPr>
         <p:spPr>
           <a:xfrm>
-            <a:off x="7333886" y="2370272"/>
+            <a:off x="4778040" y="4767737"/>
             <a:ext cx="1443037" cy="772083"/>
           </a:xfrm>
           <a:prstGeom prst="roundRect">
@@ -5795,7 +5796,7 @@
                   <a:schemeClr val="tx1"/>
                 </a:solidFill>
               </a:rPr>
-              <a:t>置信度选择</a:t>
+              <a:t>补丁选择</a:t>
             </a:r>
             <a:endParaRPr lang="en-US" dirty="0">
               <a:solidFill>
@@ -5819,7 +5820,7 @@
         </p:nvSpPr>
         <p:spPr>
           <a:xfrm>
-            <a:off x="9530709" y="2922425"/>
+            <a:off x="6749714" y="4767737"/>
             <a:ext cx="1443037" cy="772083"/>
           </a:xfrm>
           <a:prstGeom prst="roundRect">
@@ -5876,10 +5877,10 @@
       </p:sp>
       <p:cxnSp>
         <p:nvCxnSpPr>
-          <p:cNvPr id="17" name="Straight Arrow Connector 16">
-            <a:extLst>
-              <a:ext uri="{FF2B5EF4-FFF2-40B4-BE49-F238E27FC236}">
-                <a16:creationId xmlns:a16="http://schemas.microsoft.com/office/drawing/2014/main" id="{AB205991-A20F-B043-9C33-F59E76B45C43}"/>
+          <p:cNvPr id="13" name="Straight Arrow Connector 12">
+            <a:extLst>
+              <a:ext uri="{FF2B5EF4-FFF2-40B4-BE49-F238E27FC236}">
+                <a16:creationId xmlns:a16="http://schemas.microsoft.com/office/drawing/2014/main" id="{C32871D9-2610-564D-B78C-A68F517AA2E7}"/>
               </a:ext>
             </a:extLst>
           </p:cNvPr>
@@ -5890,8 +5891,145 @@
         </p:nvCxnSpPr>
         <p:spPr>
           <a:xfrm>
-            <a:off x="6567475" y="3308467"/>
+            <a:off x="2165685" y="2976464"/>
             <a:ext cx="386485" cy="0"/>
+          </a:xfrm>
+          <a:prstGeom prst="straightConnector1">
+            <a:avLst/>
+          </a:prstGeom>
+          <a:ln w="12700">
+            <a:solidFill>
+              <a:schemeClr val="tx1"/>
+            </a:solidFill>
+            <a:headEnd type="none"/>
+            <a:tailEnd type="arrow"/>
+          </a:ln>
+        </p:spPr>
+        <p:style>
+          <a:lnRef idx="1">
+            <a:schemeClr val="accent1"/>
+          </a:lnRef>
+          <a:fillRef idx="0">
+            <a:schemeClr val="accent1"/>
+          </a:fillRef>
+          <a:effectRef idx="0">
+            <a:schemeClr val="accent1"/>
+          </a:effectRef>
+          <a:fontRef idx="minor">
+            <a:schemeClr val="tx1"/>
+          </a:fontRef>
+        </p:style>
+      </p:cxnSp>
+      <p:cxnSp>
+        <p:nvCxnSpPr>
+          <p:cNvPr id="15" name="Straight Arrow Connector 14">
+            <a:extLst>
+              <a:ext uri="{FF2B5EF4-FFF2-40B4-BE49-F238E27FC236}">
+                <a16:creationId xmlns:a16="http://schemas.microsoft.com/office/drawing/2014/main" id="{289F6E1F-CAEB-9F4B-80DD-B2B9F4E8B38E}"/>
+              </a:ext>
+            </a:extLst>
+          </p:cNvPr>
+          <p:cNvCxnSpPr>
+            <a:cxnSpLocks/>
+          </p:cNvCxnSpPr>
+          <p:nvPr/>
+        </p:nvCxnSpPr>
+        <p:spPr>
+          <a:xfrm>
+            <a:off x="4139585" y="2988823"/>
+            <a:ext cx="386485" cy="0"/>
+          </a:xfrm>
+          <a:prstGeom prst="straightConnector1">
+            <a:avLst/>
+          </a:prstGeom>
+          <a:ln w="12700">
+            <a:solidFill>
+              <a:schemeClr val="tx1"/>
+            </a:solidFill>
+            <a:headEnd type="none"/>
+            <a:tailEnd type="arrow"/>
+          </a:ln>
+        </p:spPr>
+        <p:style>
+          <a:lnRef idx="1">
+            <a:schemeClr val="accent1"/>
+          </a:lnRef>
+          <a:fillRef idx="0">
+            <a:schemeClr val="accent1"/>
+          </a:fillRef>
+          <a:effectRef idx="0">
+            <a:schemeClr val="accent1"/>
+          </a:effectRef>
+          <a:fontRef idx="minor">
+            <a:schemeClr val="tx1"/>
+          </a:fontRef>
+        </p:style>
+      </p:cxnSp>
+      <p:cxnSp>
+        <p:nvCxnSpPr>
+          <p:cNvPr id="16" name="Straight Arrow Connector 15">
+            <a:extLst>
+              <a:ext uri="{FF2B5EF4-FFF2-40B4-BE49-F238E27FC236}">
+                <a16:creationId xmlns:a16="http://schemas.microsoft.com/office/drawing/2014/main" id="{594E0143-8E89-6C44-BDE0-106A52FD0C97}"/>
+              </a:ext>
+            </a:extLst>
+          </p:cNvPr>
+          <p:cNvCxnSpPr>
+            <a:cxnSpLocks/>
+          </p:cNvCxnSpPr>
+          <p:nvPr/>
+        </p:nvCxnSpPr>
+        <p:spPr>
+          <a:xfrm>
+            <a:off x="6329592" y="2980803"/>
+            <a:ext cx="386485" cy="0"/>
+          </a:xfrm>
+          <a:prstGeom prst="straightConnector1">
+            <a:avLst/>
+          </a:prstGeom>
+          <a:ln w="12700">
+            <a:solidFill>
+              <a:schemeClr val="tx1"/>
+            </a:solidFill>
+            <a:headEnd type="none"/>
+            <a:tailEnd type="arrow"/>
+          </a:ln>
+        </p:spPr>
+        <p:style>
+          <a:lnRef idx="1">
+            <a:schemeClr val="accent1"/>
+          </a:lnRef>
+          <a:fillRef idx="0">
+            <a:schemeClr val="accent1"/>
+          </a:fillRef>
+          <a:effectRef idx="0">
+            <a:schemeClr val="accent1"/>
+          </a:effectRef>
+          <a:fontRef idx="minor">
+            <a:schemeClr val="tx1"/>
+          </a:fontRef>
+        </p:style>
+      </p:cxnSp>
+      <p:cxnSp>
+        <p:nvCxnSpPr>
+          <p:cNvPr id="17" name="Straight Arrow Connector 16">
+            <a:extLst>
+              <a:ext uri="{FF2B5EF4-FFF2-40B4-BE49-F238E27FC236}">
+                <a16:creationId xmlns:a16="http://schemas.microsoft.com/office/drawing/2014/main" id="{AB205991-A20F-B043-9C33-F59E76B45C43}"/>
+              </a:ext>
+            </a:extLst>
+          </p:cNvPr>
+          <p:cNvCxnSpPr>
+            <a:cxnSpLocks/>
+            <a:stCxn id="8" idx="2"/>
+            <a:endCxn id="9" idx="0"/>
+          </p:cNvCxnSpPr>
+          <p:nvPr/>
+        </p:nvCxnSpPr>
+        <p:spPr>
+          <a:xfrm flipH="1">
+            <a:off x="5499559" y="3358170"/>
+            <a:ext cx="1977568" cy="1409567"/>
           </a:xfrm>
           <a:prstGeom prst="straightConnector1">
             <a:avLst/>
@@ -5935,7 +6073,7 @@
         </p:nvCxnSpPr>
         <p:spPr>
           <a:xfrm>
-            <a:off x="9095400" y="3317144"/>
+            <a:off x="6297780" y="5162456"/>
             <a:ext cx="386485" cy="0"/>
           </a:xfrm>
           <a:prstGeom prst="straightConnector1">
@@ -5980,7 +6118,7 @@
         </p:nvCxnSpPr>
         <p:spPr>
           <a:xfrm>
-            <a:off x="11043934" y="3325166"/>
+            <a:off x="8262939" y="5170478"/>
             <a:ext cx="386485" cy="0"/>
           </a:xfrm>
           <a:prstGeom prst="straightConnector1">
@@ -6011,10 +6149,10 @@
       </p:cxnSp>
       <p:pic>
         <p:nvPicPr>
-          <p:cNvPr id="27" name="Picture 26">
-            <a:extLst>
-              <a:ext uri="{FF2B5EF4-FFF2-40B4-BE49-F238E27FC236}">
-                <a16:creationId xmlns:a16="http://schemas.microsoft.com/office/drawing/2014/main" id="{7ACB9588-60AF-5242-9FF5-19BA74A399C1}"/>
+          <p:cNvPr id="23" name="Picture 22">
+            <a:extLst>
+              <a:ext uri="{FF2B5EF4-FFF2-40B4-BE49-F238E27FC236}">
+                <a16:creationId xmlns:a16="http://schemas.microsoft.com/office/drawing/2014/main" id="{634A0940-8BB5-7D49-AD70-1224DC4DC693}"/>
               </a:ext>
             </a:extLst>
           </p:cNvPr>
@@ -6031,7 +6169,37 @@
         </p:blipFill>
         <p:spPr>
           <a:xfrm>
-            <a:off x="3807984" y="4129357"/>
+            <a:off x="2231329" y="1781683"/>
+            <a:ext cx="678389" cy="321259"/>
+          </a:xfrm>
+          <a:prstGeom prst="rect">
+            <a:avLst/>
+          </a:prstGeom>
+        </p:spPr>
+      </p:pic>
+      <p:pic>
+        <p:nvPicPr>
+          <p:cNvPr id="27" name="Picture 26">
+            <a:extLst>
+              <a:ext uri="{FF2B5EF4-FFF2-40B4-BE49-F238E27FC236}">
+                <a16:creationId xmlns:a16="http://schemas.microsoft.com/office/drawing/2014/main" id="{7ACB9588-60AF-5242-9FF5-19BA74A399C1}"/>
+              </a:ext>
+            </a:extLst>
+          </p:cNvPr>
+          <p:cNvPicPr>
+            <a:picLocks noChangeAspect="1"/>
+          </p:cNvPicPr>
+          <p:nvPr/>
+        </p:nvPicPr>
+        <p:blipFill>
+          <a:blip r:embed="rId3"/>
+          <a:stretch>
+            <a:fillRect/>
+          </a:stretch>
+        </p:blipFill>
+        <p:spPr>
+          <a:xfrm>
+            <a:off x="7095524" y="1586705"/>
             <a:ext cx="751415" cy="652327"/>
           </a:xfrm>
           <a:prstGeom prst="rect">
@@ -6045,6 +6213,318 @@
             <a:extLst>
               <a:ext uri="{FF2B5EF4-FFF2-40B4-BE49-F238E27FC236}">
                 <a16:creationId xmlns:a16="http://schemas.microsoft.com/office/drawing/2014/main" id="{7E03FE1C-6DAF-D84E-912F-A2B4A9E83C60}"/>
+              </a:ext>
+            </a:extLst>
+          </p:cNvPr>
+          <p:cNvPicPr>
+            <a:picLocks noChangeAspect="1"/>
+          </p:cNvPicPr>
+          <p:nvPr/>
+        </p:nvPicPr>
+        <p:blipFill>
+          <a:blip r:embed="rId3"/>
+          <a:stretch>
+            <a:fillRect/>
+          </a:stretch>
+        </p:blipFill>
+        <p:spPr>
+          <a:xfrm>
+            <a:off x="7095524" y="3797799"/>
+            <a:ext cx="751415" cy="652327"/>
+          </a:xfrm>
+          <a:prstGeom prst="rect">
+            <a:avLst/>
+          </a:prstGeom>
+        </p:spPr>
+      </p:pic>
+      <p:pic>
+        <p:nvPicPr>
+          <p:cNvPr id="32" name="Picture 31">
+            <a:extLst>
+              <a:ext uri="{FF2B5EF4-FFF2-40B4-BE49-F238E27FC236}">
+                <a16:creationId xmlns:a16="http://schemas.microsoft.com/office/drawing/2014/main" id="{57BCEAFA-694A-7B4E-85AF-2A0BC8BFC56B}"/>
+              </a:ext>
+            </a:extLst>
+          </p:cNvPr>
+          <p:cNvPicPr>
+            <a:picLocks noChangeAspect="1"/>
+          </p:cNvPicPr>
+          <p:nvPr/>
+        </p:nvPicPr>
+        <p:blipFill>
+          <a:blip r:embed="rId4"/>
+          <a:stretch>
+            <a:fillRect/>
+          </a:stretch>
+        </p:blipFill>
+        <p:spPr>
+          <a:xfrm>
+            <a:off x="3082401" y="1543330"/>
+            <a:ext cx="542991" cy="701711"/>
+          </a:xfrm>
+          <a:prstGeom prst="rect">
+            <a:avLst/>
+          </a:prstGeom>
+        </p:spPr>
+      </p:pic>
+      <p:pic>
+        <p:nvPicPr>
+          <p:cNvPr id="34" name="Picture 33">
+            <a:extLst>
+              <a:ext uri="{FF2B5EF4-FFF2-40B4-BE49-F238E27FC236}">
+                <a16:creationId xmlns:a16="http://schemas.microsoft.com/office/drawing/2014/main" id="{9B219E1D-1F1D-1D41-BF8E-7A3EC25EB322}"/>
+              </a:ext>
+            </a:extLst>
+          </p:cNvPr>
+          <p:cNvPicPr>
+            <a:picLocks noChangeAspect="1"/>
+          </p:cNvPicPr>
+          <p:nvPr/>
+        </p:nvPicPr>
+        <p:blipFill>
+          <a:blip r:embed="rId5"/>
+          <a:stretch>
+            <a:fillRect/>
+          </a:stretch>
+        </p:blipFill>
+        <p:spPr>
+          <a:xfrm>
+            <a:off x="3798075" y="1549337"/>
+            <a:ext cx="678389" cy="689695"/>
+          </a:xfrm>
+          <a:prstGeom prst="rect">
+            <a:avLst/>
+          </a:prstGeom>
+        </p:spPr>
+      </p:pic>
+      <p:sp>
+        <p:nvSpPr>
+          <p:cNvPr id="40" name="Down Arrow 39">
+            <a:extLst>
+              <a:ext uri="{FF2B5EF4-FFF2-40B4-BE49-F238E27FC236}">
+                <a16:creationId xmlns:a16="http://schemas.microsoft.com/office/drawing/2014/main" id="{318009E1-6365-D14C-9CF8-42E0855F21C6}"/>
+              </a:ext>
+            </a:extLst>
+          </p:cNvPr>
+          <p:cNvSpPr/>
+          <p:nvPr/>
+        </p:nvSpPr>
+        <p:spPr>
+          <a:xfrm>
+            <a:off x="3225191" y="2297328"/>
+            <a:ext cx="257410" cy="224590"/>
+          </a:xfrm>
+          <a:prstGeom prst="downArrow">
+            <a:avLst/>
+          </a:prstGeom>
+          <a:noFill/>
+          <a:ln w="12700">
+            <a:solidFill>
+              <a:schemeClr val="tx1"/>
+            </a:solidFill>
+          </a:ln>
+        </p:spPr>
+        <p:style>
+          <a:lnRef idx="2">
+            <a:schemeClr val="accent1">
+              <a:shade val="50000"/>
+            </a:schemeClr>
+          </a:lnRef>
+          <a:fillRef idx="1">
+            <a:schemeClr val="accent1"/>
+          </a:fillRef>
+          <a:effectRef idx="0">
+            <a:schemeClr val="accent1"/>
+          </a:effectRef>
+          <a:fontRef idx="minor">
+            <a:schemeClr val="lt1"/>
+          </a:fontRef>
+        </p:style>
+        <p:txBody>
+          <a:bodyPr rtlCol="0" anchor="ctr"/>
+          <a:lstStyle/>
+          <a:p>
+            <a:pPr algn="ctr"/>
+            <a:endParaRPr lang="en-US"/>
+          </a:p>
+        </p:txBody>
+      </p:sp>
+      <p:sp>
+        <p:nvSpPr>
+          <p:cNvPr id="41" name="Down Arrow 40">
+            <a:extLst>
+              <a:ext uri="{FF2B5EF4-FFF2-40B4-BE49-F238E27FC236}">
+                <a16:creationId xmlns:a16="http://schemas.microsoft.com/office/drawing/2014/main" id="{B9D1C2AB-490D-EF47-9803-31A15028E9CC}"/>
+              </a:ext>
+            </a:extLst>
+          </p:cNvPr>
+          <p:cNvSpPr/>
+          <p:nvPr/>
+        </p:nvSpPr>
+        <p:spPr>
+          <a:xfrm>
+            <a:off x="7327364" y="2289308"/>
+            <a:ext cx="257410" cy="224590"/>
+          </a:xfrm>
+          <a:prstGeom prst="downArrow">
+            <a:avLst/>
+          </a:prstGeom>
+          <a:noFill/>
+          <a:ln w="12700">
+            <a:solidFill>
+              <a:schemeClr val="tx1"/>
+            </a:solidFill>
+          </a:ln>
+        </p:spPr>
+        <p:style>
+          <a:lnRef idx="2">
+            <a:schemeClr val="accent1">
+              <a:shade val="50000"/>
+            </a:schemeClr>
+          </a:lnRef>
+          <a:fillRef idx="1">
+            <a:schemeClr val="accent1"/>
+          </a:fillRef>
+          <a:effectRef idx="0">
+            <a:schemeClr val="accent1"/>
+          </a:effectRef>
+          <a:fontRef idx="minor">
+            <a:schemeClr val="lt1"/>
+          </a:fontRef>
+        </p:style>
+        <p:txBody>
+          <a:bodyPr rtlCol="0" anchor="ctr"/>
+          <a:lstStyle/>
+          <a:p>
+            <a:pPr algn="ctr"/>
+            <a:endParaRPr lang="en-US"/>
+          </a:p>
+        </p:txBody>
+      </p:sp>
+      <p:sp>
+        <p:nvSpPr>
+          <p:cNvPr id="42" name="Down Arrow 41">
+            <a:extLst>
+              <a:ext uri="{FF2B5EF4-FFF2-40B4-BE49-F238E27FC236}">
+                <a16:creationId xmlns:a16="http://schemas.microsoft.com/office/drawing/2014/main" id="{1E8FEFBB-8B78-A449-8BE5-359EB349C4C7}"/>
+              </a:ext>
+            </a:extLst>
+          </p:cNvPr>
+          <p:cNvSpPr/>
+          <p:nvPr/>
+        </p:nvSpPr>
+        <p:spPr>
+          <a:xfrm>
+            <a:off x="7348543" y="4478981"/>
+            <a:ext cx="257410" cy="224590"/>
+          </a:xfrm>
+          <a:prstGeom prst="downArrow">
+            <a:avLst/>
+          </a:prstGeom>
+          <a:noFill/>
+          <a:ln w="12700">
+            <a:solidFill>
+              <a:schemeClr val="tx1"/>
+            </a:solidFill>
+          </a:ln>
+        </p:spPr>
+        <p:style>
+          <a:lnRef idx="2">
+            <a:schemeClr val="accent1">
+              <a:shade val="50000"/>
+            </a:schemeClr>
+          </a:lnRef>
+          <a:fillRef idx="1">
+            <a:schemeClr val="accent1"/>
+          </a:fillRef>
+          <a:effectRef idx="0">
+            <a:schemeClr val="accent1"/>
+          </a:effectRef>
+          <a:fontRef idx="minor">
+            <a:schemeClr val="lt1"/>
+          </a:fontRef>
+        </p:style>
+        <p:txBody>
+          <a:bodyPr rtlCol="0" anchor="ctr"/>
+          <a:lstStyle/>
+          <a:p>
+            <a:pPr algn="ctr"/>
+            <a:endParaRPr lang="en-US"/>
+          </a:p>
+        </p:txBody>
+      </p:sp>
+      <p:sp>
+        <p:nvSpPr>
+          <p:cNvPr id="45" name="Rectangle 44">
+            <a:extLst>
+              <a:ext uri="{FF2B5EF4-FFF2-40B4-BE49-F238E27FC236}">
+                <a16:creationId xmlns:a16="http://schemas.microsoft.com/office/drawing/2014/main" id="{9D525EDA-9974-8C42-B90C-48E0F95BD84A}"/>
+              </a:ext>
+            </a:extLst>
+          </p:cNvPr>
+          <p:cNvSpPr/>
+          <p:nvPr/>
+        </p:nvSpPr>
+        <p:spPr>
+          <a:xfrm>
+            <a:off x="4399849" y="3416367"/>
+            <a:ext cx="2031325" cy="369332"/>
+          </a:xfrm>
+          <a:prstGeom prst="rect">
+            <a:avLst/>
+          </a:prstGeom>
+        </p:spPr>
+        <p:txBody>
+          <a:bodyPr wrap="none">
+            <a:spAutoFit/>
+          </a:bodyPr>
+          <a:lstStyle/>
+          <a:p>
+            <a:pPr algn="ctr"/>
+            <a:r>
+              <a:rPr lang="zh-CN" altLang="en-US" dirty="0"/>
+              <a:t>参考链接网络构建</a:t>
+            </a:r>
+            <a:endParaRPr lang="en-US" dirty="0"/>
+          </a:p>
+        </p:txBody>
+      </p:sp>
+    </p:spTree>
+    <p:extLst>
+      <p:ext uri="{BB962C8B-B14F-4D97-AF65-F5344CB8AC3E}">
+        <p14:creationId xmlns:p14="http://schemas.microsoft.com/office/powerpoint/2010/main" val="2732926413"/>
+      </p:ext>
+    </p:extLst>
+  </p:cSld>
+  <p:clrMapOvr>
+    <a:masterClrMapping/>
+  </p:clrMapOvr>
+</p:sld>
+</file>
+
+<file path=ppt/slides/slide4.xml><?xml version="1.0" encoding="utf-8"?>
+<p:sld xmlns:a="http://schemas.openxmlformats.org/drawingml/2006/main" xmlns:r="http://schemas.openxmlformats.org/officeDocument/2006/relationships" xmlns:p="http://schemas.openxmlformats.org/presentationml/2006/main">
+  <p:cSld>
+    <p:spTree>
+      <p:nvGrpSpPr>
+        <p:cNvPr id="1" name=""/>
+        <p:cNvGrpSpPr/>
+        <p:nvPr/>
+      </p:nvGrpSpPr>
+      <p:grpSpPr>
+        <a:xfrm>
+          <a:off x="0" y="0"/>
+          <a:ext cx="0" cy="0"/>
+          <a:chOff x="0" y="0"/>
+          <a:chExt cx="0" cy="0"/>
+        </a:xfrm>
+      </p:grpSpPr>
+      <p:pic>
+        <p:nvPicPr>
+          <p:cNvPr id="27" name="Picture 26">
+            <a:extLst>
+              <a:ext uri="{FF2B5EF4-FFF2-40B4-BE49-F238E27FC236}">
+                <a16:creationId xmlns:a16="http://schemas.microsoft.com/office/drawing/2014/main" id="{7ACB9588-60AF-5242-9FF5-19BA74A399C1}"/>
               </a:ext>
             </a:extLst>
           </p:cNvPr>
@@ -6061,7 +6541,7 @@
         </p:blipFill>
         <p:spPr>
           <a:xfrm>
-            <a:off x="9876519" y="1952487"/>
+            <a:off x="3778956" y="4129357"/>
             <a:ext cx="751415" cy="652327"/>
           </a:xfrm>
           <a:prstGeom prst="rect">
@@ -6071,10 +6551,10 @@
       </p:pic>
       <p:sp>
         <p:nvSpPr>
-          <p:cNvPr id="41" name="Down Arrow 40">
-            <a:extLst>
-              <a:ext uri="{FF2B5EF4-FFF2-40B4-BE49-F238E27FC236}">
-                <a16:creationId xmlns:a16="http://schemas.microsoft.com/office/drawing/2014/main" id="{B9D1C2AB-490D-EF47-9803-31A15028E9CC}"/>
+          <p:cNvPr id="43" name="Rounded Rectangle 42">
+            <a:extLst>
+              <a:ext uri="{FF2B5EF4-FFF2-40B4-BE49-F238E27FC236}">
+                <a16:creationId xmlns:a16="http://schemas.microsoft.com/office/drawing/2014/main" id="{5A488113-AECA-EF46-904A-56F78EF44FD2}"/>
               </a:ext>
             </a:extLst>
           </p:cNvPr>
@@ -6082,18 +6562,21 @@
           <p:nvPr/>
         </p:nvSpPr>
         <p:spPr>
-          <a:xfrm rot="16200000">
-            <a:off x="4478085" y="4255025"/>
-            <a:ext cx="257410" cy="224590"/>
-          </a:xfrm>
-          <a:prstGeom prst="downArrow">
-            <a:avLst/>
+          <a:xfrm>
+            <a:off x="4514516" y="1716011"/>
+            <a:ext cx="2158584" cy="3548774"/>
+          </a:xfrm>
+          <a:prstGeom prst="roundRect">
+            <a:avLst>
+              <a:gd name="adj" fmla="val 7028"/>
+            </a:avLst>
           </a:prstGeom>
           <a:noFill/>
           <a:ln w="12700">
             <a:solidFill>
               <a:schemeClr val="tx1"/>
             </a:solidFill>
+            <a:prstDash val="dash"/>
           </a:ln>
         </p:spPr>
         <p:style>
@@ -6123,10 +6606,10 @@
       </p:sp>
       <p:sp>
         <p:nvSpPr>
-          <p:cNvPr id="42" name="Down Arrow 41">
-            <a:extLst>
-              <a:ext uri="{FF2B5EF4-FFF2-40B4-BE49-F238E27FC236}">
-                <a16:creationId xmlns:a16="http://schemas.microsoft.com/office/drawing/2014/main" id="{1E8FEFBB-8B78-A449-8BE5-359EB349C4C7}"/>
+          <p:cNvPr id="4" name="Round Diagonal Corner Rectangle 3">
+            <a:extLst>
+              <a:ext uri="{FF2B5EF4-FFF2-40B4-BE49-F238E27FC236}">
+                <a16:creationId xmlns:a16="http://schemas.microsoft.com/office/drawing/2014/main" id="{209C59D9-01A5-5E48-8DA4-D4D352B7B490}"/>
               </a:ext>
             </a:extLst>
           </p:cNvPr>
@@ -6135,10 +6618,10 @@
         </p:nvSpPr>
         <p:spPr>
           <a:xfrm>
-            <a:off x="10129538" y="2633669"/>
-            <a:ext cx="257410" cy="224590"/>
-          </a:xfrm>
-          <a:prstGeom prst="downArrow">
+            <a:off x="2971904" y="3036725"/>
+            <a:ext cx="1062516" cy="543481"/>
+          </a:xfrm>
+          <a:prstGeom prst="round2DiagRect">
             <a:avLst/>
           </a:prstGeom>
           <a:noFill/>
@@ -6165,6 +6648,649 @@
           </a:fontRef>
         </p:style>
         <p:txBody>
+          <a:bodyPr rot="0" spcFirstLastPara="0" vertOverflow="overflow" horzOverflow="overflow" vert="horz" wrap="square" lIns="91440" tIns="45720" rIns="91440" bIns="45720" numCol="1" spcCol="0" rtlCol="0" fromWordArt="0" anchor="ctr" anchorCtr="0" forceAA="0" compatLnSpc="1">
+            <a:prstTxWarp prst="textNoShape">
+              <a:avLst/>
+            </a:prstTxWarp>
+            <a:noAutofit/>
+          </a:bodyPr>
+          <a:lstStyle/>
+          <a:p>
+            <a:pPr algn="ctr"/>
+            <a:r>
+              <a:rPr lang="en-US" dirty="0">
+                <a:solidFill>
+                  <a:schemeClr val="tx1"/>
+                </a:solidFill>
+              </a:rPr>
+              <a:t>CVE ID</a:t>
+            </a:r>
+          </a:p>
+        </p:txBody>
+      </p:sp>
+      <p:sp>
+        <p:nvSpPr>
+          <p:cNvPr id="5" name="Round Diagonal Corner Rectangle 4">
+            <a:extLst>
+              <a:ext uri="{FF2B5EF4-FFF2-40B4-BE49-F238E27FC236}">
+                <a16:creationId xmlns:a16="http://schemas.microsoft.com/office/drawing/2014/main" id="{2DC2A51B-B557-2F43-B9CC-223406FB27CE}"/>
+              </a:ext>
+            </a:extLst>
+          </p:cNvPr>
+          <p:cNvSpPr/>
+          <p:nvPr/>
+        </p:nvSpPr>
+        <p:spPr>
+          <a:xfrm>
+            <a:off x="11763635" y="3036729"/>
+            <a:ext cx="1151678" cy="543481"/>
+          </a:xfrm>
+          <a:prstGeom prst="round2DiagRect">
+            <a:avLst/>
+          </a:prstGeom>
+          <a:noFill/>
+          <a:ln w="12700">
+            <a:solidFill>
+              <a:schemeClr val="tx1"/>
+            </a:solidFill>
+          </a:ln>
+        </p:spPr>
+        <p:style>
+          <a:lnRef idx="2">
+            <a:schemeClr val="accent1">
+              <a:shade val="50000"/>
+            </a:schemeClr>
+          </a:lnRef>
+          <a:fillRef idx="1">
+            <a:schemeClr val="accent1"/>
+          </a:fillRef>
+          <a:effectRef idx="0">
+            <a:schemeClr val="accent1"/>
+          </a:effectRef>
+          <a:fontRef idx="minor">
+            <a:schemeClr val="lt1"/>
+          </a:fontRef>
+        </p:style>
+        <p:txBody>
+          <a:bodyPr rot="0" spcFirstLastPara="0" vertOverflow="overflow" horzOverflow="overflow" vert="horz" wrap="square" lIns="91440" tIns="45720" rIns="91440" bIns="45720" numCol="1" spcCol="0" rtlCol="0" fromWordArt="0" anchor="ctr" anchorCtr="0" forceAA="0" compatLnSpc="1">
+            <a:prstTxWarp prst="textNoShape">
+              <a:avLst/>
+            </a:prstTxWarp>
+            <a:noAutofit/>
+          </a:bodyPr>
+          <a:lstStyle/>
+          <a:p>
+            <a:pPr algn="ctr"/>
+            <a:r>
+              <a:rPr lang="zh-CN" altLang="en-US" dirty="0">
+                <a:solidFill>
+                  <a:schemeClr val="tx1"/>
+                </a:solidFill>
+              </a:rPr>
+              <a:t>补丁列表</a:t>
+            </a:r>
+            <a:endParaRPr lang="en-US" dirty="0">
+              <a:solidFill>
+                <a:schemeClr val="tx1"/>
+              </a:solidFill>
+            </a:endParaRPr>
+          </a:p>
+        </p:txBody>
+      </p:sp>
+      <p:sp>
+        <p:nvSpPr>
+          <p:cNvPr id="6" name="Rounded Rectangle 5">
+            <a:extLst>
+              <a:ext uri="{FF2B5EF4-FFF2-40B4-BE49-F238E27FC236}">
+                <a16:creationId xmlns:a16="http://schemas.microsoft.com/office/drawing/2014/main" id="{6D093B29-B815-524D-8FB2-52E26776263D}"/>
+              </a:ext>
+            </a:extLst>
+          </p:cNvPr>
+          <p:cNvSpPr/>
+          <p:nvPr/>
+        </p:nvSpPr>
+        <p:spPr>
+          <a:xfrm>
+            <a:off x="4728265" y="1916545"/>
+            <a:ext cx="1746075" cy="772083"/>
+          </a:xfrm>
+          <a:prstGeom prst="roundRect">
+            <a:avLst/>
+          </a:prstGeom>
+          <a:noFill/>
+          <a:ln w="12700">
+            <a:solidFill>
+              <a:schemeClr val="tx1"/>
+            </a:solidFill>
+          </a:ln>
+        </p:spPr>
+        <p:style>
+          <a:lnRef idx="2">
+            <a:schemeClr val="accent1">
+              <a:shade val="50000"/>
+            </a:schemeClr>
+          </a:lnRef>
+          <a:fillRef idx="1">
+            <a:schemeClr val="accent1"/>
+          </a:fillRef>
+          <a:effectRef idx="0">
+            <a:schemeClr val="accent1"/>
+          </a:effectRef>
+          <a:fontRef idx="minor">
+            <a:schemeClr val="lt1"/>
+          </a:fontRef>
+        </p:style>
+        <p:txBody>
+          <a:bodyPr rot="0" spcFirstLastPara="0" vertOverflow="overflow" horzOverflow="overflow" vert="horz" wrap="square" lIns="91440" tIns="45720" rIns="91440" bIns="45720" numCol="1" spcCol="0" rtlCol="0" fromWordArt="0" anchor="ctr" anchorCtr="0" forceAA="0" compatLnSpc="1">
+            <a:prstTxWarp prst="textNoShape">
+              <a:avLst/>
+            </a:prstTxWarp>
+            <a:noAutofit/>
+          </a:bodyPr>
+          <a:lstStyle/>
+          <a:p>
+            <a:pPr algn="ctr"/>
+            <a:r>
+              <a:rPr lang="zh-CN" altLang="en-US" dirty="0">
+                <a:solidFill>
+                  <a:schemeClr val="tx1"/>
+                </a:solidFill>
+              </a:rPr>
+              <a:t>公告分析</a:t>
+            </a:r>
+            <a:endParaRPr lang="en-US" dirty="0">
+              <a:solidFill>
+                <a:schemeClr val="tx1"/>
+              </a:solidFill>
+            </a:endParaRPr>
+          </a:p>
+        </p:txBody>
+      </p:sp>
+      <p:sp>
+        <p:nvSpPr>
+          <p:cNvPr id="7" name="Rounded Rectangle 6">
+            <a:extLst>
+              <a:ext uri="{FF2B5EF4-FFF2-40B4-BE49-F238E27FC236}">
+                <a16:creationId xmlns:a16="http://schemas.microsoft.com/office/drawing/2014/main" id="{AFCF1E98-22F9-E745-8C91-B70E2D17F0F9}"/>
+              </a:ext>
+            </a:extLst>
+          </p:cNvPr>
+          <p:cNvSpPr/>
+          <p:nvPr/>
+        </p:nvSpPr>
+        <p:spPr>
+          <a:xfrm>
+            <a:off x="4744589" y="2903509"/>
+            <a:ext cx="1746075" cy="772083"/>
+          </a:xfrm>
+          <a:prstGeom prst="roundRect">
+            <a:avLst/>
+          </a:prstGeom>
+          <a:noFill/>
+          <a:ln w="12700">
+            <a:solidFill>
+              <a:schemeClr val="tx1"/>
+            </a:solidFill>
+          </a:ln>
+        </p:spPr>
+        <p:style>
+          <a:lnRef idx="2">
+            <a:schemeClr val="accent1">
+              <a:shade val="50000"/>
+            </a:schemeClr>
+          </a:lnRef>
+          <a:fillRef idx="1">
+            <a:schemeClr val="accent1"/>
+          </a:fillRef>
+          <a:effectRef idx="0">
+            <a:schemeClr val="accent1"/>
+          </a:effectRef>
+          <a:fontRef idx="minor">
+            <a:schemeClr val="lt1"/>
+          </a:fontRef>
+        </p:style>
+        <p:txBody>
+          <a:bodyPr rot="0" spcFirstLastPara="0" vertOverflow="overflow" horzOverflow="overflow" vert="horz" wrap="square" lIns="91440" tIns="45720" rIns="91440" bIns="45720" numCol="1" spcCol="0" rtlCol="0" fromWordArt="0" anchor="ctr" anchorCtr="0" forceAA="0" compatLnSpc="1">
+            <a:prstTxWarp prst="textNoShape">
+              <a:avLst/>
+            </a:prstTxWarp>
+            <a:noAutofit/>
+          </a:bodyPr>
+          <a:lstStyle/>
+          <a:p>
+            <a:pPr algn="ctr"/>
+            <a:r>
+              <a:rPr lang="zh-CN" altLang="en-US" dirty="0">
+                <a:solidFill>
+                  <a:schemeClr val="tx1"/>
+                </a:solidFill>
+              </a:rPr>
+              <a:t>参考链接分析</a:t>
+            </a:r>
+            <a:endParaRPr lang="en-US" dirty="0">
+              <a:solidFill>
+                <a:schemeClr val="tx1"/>
+              </a:solidFill>
+            </a:endParaRPr>
+          </a:p>
+        </p:txBody>
+      </p:sp>
+      <p:sp>
+        <p:nvSpPr>
+          <p:cNvPr id="8" name="Rounded Rectangle 7">
+            <a:extLst>
+              <a:ext uri="{FF2B5EF4-FFF2-40B4-BE49-F238E27FC236}">
+                <a16:creationId xmlns:a16="http://schemas.microsoft.com/office/drawing/2014/main" id="{F8854CFF-C541-4143-869B-72DE9196A4C8}"/>
+              </a:ext>
+            </a:extLst>
+          </p:cNvPr>
+          <p:cNvSpPr/>
+          <p:nvPr/>
+        </p:nvSpPr>
+        <p:spPr>
+          <a:xfrm>
+            <a:off x="4744589" y="3981280"/>
+            <a:ext cx="1746075" cy="772083"/>
+          </a:xfrm>
+          <a:prstGeom prst="roundRect">
+            <a:avLst/>
+          </a:prstGeom>
+          <a:noFill/>
+          <a:ln w="12700">
+            <a:solidFill>
+              <a:schemeClr val="tx1"/>
+            </a:solidFill>
+          </a:ln>
+        </p:spPr>
+        <p:style>
+          <a:lnRef idx="2">
+            <a:schemeClr val="accent1">
+              <a:shade val="50000"/>
+            </a:schemeClr>
+          </a:lnRef>
+          <a:fillRef idx="1">
+            <a:schemeClr val="accent1"/>
+          </a:fillRef>
+          <a:effectRef idx="0">
+            <a:schemeClr val="accent1"/>
+          </a:effectRef>
+          <a:fontRef idx="minor">
+            <a:schemeClr val="lt1"/>
+          </a:fontRef>
+        </p:style>
+        <p:txBody>
+          <a:bodyPr rot="0" spcFirstLastPara="0" vertOverflow="overflow" horzOverflow="overflow" vert="horz" wrap="square" lIns="91440" tIns="45720" rIns="91440" bIns="45720" numCol="1" spcCol="0" rtlCol="0" fromWordArt="0" anchor="ctr" anchorCtr="0" forceAA="0" compatLnSpc="1">
+            <a:prstTxWarp prst="textNoShape">
+              <a:avLst/>
+            </a:prstTxWarp>
+            <a:noAutofit/>
+          </a:bodyPr>
+          <a:lstStyle/>
+          <a:p>
+            <a:pPr algn="ctr"/>
+            <a:r>
+              <a:rPr lang="zh-CN" altLang="en-US" dirty="0">
+                <a:solidFill>
+                  <a:schemeClr val="tx1"/>
+                </a:solidFill>
+              </a:rPr>
+              <a:t>参考链接扩增</a:t>
+            </a:r>
+            <a:endParaRPr lang="en-US" dirty="0">
+              <a:solidFill>
+                <a:schemeClr val="tx1"/>
+              </a:solidFill>
+            </a:endParaRPr>
+          </a:p>
+        </p:txBody>
+      </p:sp>
+      <p:sp>
+        <p:nvSpPr>
+          <p:cNvPr id="9" name="Rounded Rectangle 8">
+            <a:extLst>
+              <a:ext uri="{FF2B5EF4-FFF2-40B4-BE49-F238E27FC236}">
+                <a16:creationId xmlns:a16="http://schemas.microsoft.com/office/drawing/2014/main" id="{5941C809-CC94-8F48-B041-F56A69655256}"/>
+              </a:ext>
+            </a:extLst>
+          </p:cNvPr>
+          <p:cNvSpPr/>
+          <p:nvPr/>
+        </p:nvSpPr>
+        <p:spPr>
+          <a:xfrm>
+            <a:off x="7240203" y="2370272"/>
+            <a:ext cx="1920683" cy="772083"/>
+          </a:xfrm>
+          <a:prstGeom prst="roundRect">
+            <a:avLst/>
+          </a:prstGeom>
+          <a:noFill/>
+          <a:ln w="12700">
+            <a:solidFill>
+              <a:schemeClr val="tx1"/>
+            </a:solidFill>
+          </a:ln>
+        </p:spPr>
+        <p:style>
+          <a:lnRef idx="2">
+            <a:schemeClr val="accent1">
+              <a:shade val="50000"/>
+            </a:schemeClr>
+          </a:lnRef>
+          <a:fillRef idx="1">
+            <a:schemeClr val="accent1"/>
+          </a:fillRef>
+          <a:effectRef idx="0">
+            <a:schemeClr val="accent1"/>
+          </a:effectRef>
+          <a:fontRef idx="minor">
+            <a:schemeClr val="lt1"/>
+          </a:fontRef>
+        </p:style>
+        <p:txBody>
+          <a:bodyPr rot="0" spcFirstLastPara="0" vertOverflow="overflow" horzOverflow="overflow" vert="horz" wrap="square" lIns="91440" tIns="45720" rIns="91440" bIns="45720" numCol="1" spcCol="0" rtlCol="0" fromWordArt="0" anchor="ctr" anchorCtr="0" forceAA="0" compatLnSpc="1">
+            <a:prstTxWarp prst="textNoShape">
+              <a:avLst/>
+            </a:prstTxWarp>
+            <a:noAutofit/>
+          </a:bodyPr>
+          <a:lstStyle/>
+          <a:p>
+            <a:pPr algn="ctr"/>
+            <a:r>
+              <a:rPr lang="zh-CN" altLang="en-US" dirty="0">
+                <a:solidFill>
+                  <a:schemeClr val="tx1"/>
+                </a:solidFill>
+              </a:rPr>
+              <a:t>基于置信度选择</a:t>
+            </a:r>
+            <a:endParaRPr lang="en-US" dirty="0">
+              <a:solidFill>
+                <a:schemeClr val="tx1"/>
+              </a:solidFill>
+            </a:endParaRPr>
+          </a:p>
+        </p:txBody>
+      </p:sp>
+      <p:sp>
+        <p:nvSpPr>
+          <p:cNvPr id="10" name="Rounded Rectangle 9">
+            <a:extLst>
+              <a:ext uri="{FF2B5EF4-FFF2-40B4-BE49-F238E27FC236}">
+                <a16:creationId xmlns:a16="http://schemas.microsoft.com/office/drawing/2014/main" id="{7DF11496-0148-7747-A154-0F2FF924F202}"/>
+              </a:ext>
+            </a:extLst>
+          </p:cNvPr>
+          <p:cNvSpPr/>
+          <p:nvPr/>
+        </p:nvSpPr>
+        <p:spPr>
+          <a:xfrm>
+            <a:off x="9791961" y="2922425"/>
+            <a:ext cx="1443037" cy="772083"/>
+          </a:xfrm>
+          <a:prstGeom prst="roundRect">
+            <a:avLst/>
+          </a:prstGeom>
+          <a:noFill/>
+          <a:ln w="12700">
+            <a:solidFill>
+              <a:schemeClr val="tx1"/>
+            </a:solidFill>
+          </a:ln>
+        </p:spPr>
+        <p:style>
+          <a:lnRef idx="2">
+            <a:schemeClr val="accent1">
+              <a:shade val="50000"/>
+            </a:schemeClr>
+          </a:lnRef>
+          <a:fillRef idx="1">
+            <a:schemeClr val="accent1"/>
+          </a:fillRef>
+          <a:effectRef idx="0">
+            <a:schemeClr val="accent1"/>
+          </a:effectRef>
+          <a:fontRef idx="minor">
+            <a:schemeClr val="lt1"/>
+          </a:fontRef>
+        </p:style>
+        <p:txBody>
+          <a:bodyPr rot="0" spcFirstLastPara="0" vertOverflow="overflow" horzOverflow="overflow" vert="horz" wrap="square" lIns="91440" tIns="45720" rIns="91440" bIns="45720" numCol="1" spcCol="0" rtlCol="0" fromWordArt="0" anchor="ctr" anchorCtr="0" forceAA="0" compatLnSpc="1">
+            <a:prstTxWarp prst="textNoShape">
+              <a:avLst/>
+            </a:prstTxWarp>
+            <a:noAutofit/>
+          </a:bodyPr>
+          <a:lstStyle/>
+          <a:p>
+            <a:pPr algn="ctr"/>
+            <a:r>
+              <a:rPr lang="zh-CN" altLang="en-US" dirty="0">
+                <a:solidFill>
+                  <a:schemeClr val="tx1"/>
+                </a:solidFill>
+              </a:rPr>
+              <a:t>补丁扩增</a:t>
+            </a:r>
+            <a:endParaRPr lang="en-US" dirty="0">
+              <a:solidFill>
+                <a:schemeClr val="tx1"/>
+              </a:solidFill>
+            </a:endParaRPr>
+          </a:p>
+        </p:txBody>
+      </p:sp>
+      <p:cxnSp>
+        <p:nvCxnSpPr>
+          <p:cNvPr id="17" name="Straight Arrow Connector 16">
+            <a:extLst>
+              <a:ext uri="{FF2B5EF4-FFF2-40B4-BE49-F238E27FC236}">
+                <a16:creationId xmlns:a16="http://schemas.microsoft.com/office/drawing/2014/main" id="{AB205991-A20F-B043-9C33-F59E76B45C43}"/>
+              </a:ext>
+            </a:extLst>
+          </p:cNvPr>
+          <p:cNvCxnSpPr>
+            <a:cxnSpLocks/>
+          </p:cNvCxnSpPr>
+          <p:nvPr/>
+        </p:nvCxnSpPr>
+        <p:spPr>
+          <a:xfrm>
+            <a:off x="6712615" y="3308467"/>
+            <a:ext cx="386485" cy="0"/>
+          </a:xfrm>
+          <a:prstGeom prst="straightConnector1">
+            <a:avLst/>
+          </a:prstGeom>
+          <a:ln w="12700">
+            <a:solidFill>
+              <a:schemeClr val="tx1"/>
+            </a:solidFill>
+            <a:headEnd type="none"/>
+            <a:tailEnd type="arrow"/>
+          </a:ln>
+        </p:spPr>
+        <p:style>
+          <a:lnRef idx="1">
+            <a:schemeClr val="accent1"/>
+          </a:lnRef>
+          <a:fillRef idx="0">
+            <a:schemeClr val="accent1"/>
+          </a:fillRef>
+          <a:effectRef idx="0">
+            <a:schemeClr val="accent1"/>
+          </a:effectRef>
+          <a:fontRef idx="minor">
+            <a:schemeClr val="tx1"/>
+          </a:fontRef>
+        </p:style>
+      </p:cxnSp>
+      <p:cxnSp>
+        <p:nvCxnSpPr>
+          <p:cNvPr id="18" name="Straight Arrow Connector 17">
+            <a:extLst>
+              <a:ext uri="{FF2B5EF4-FFF2-40B4-BE49-F238E27FC236}">
+                <a16:creationId xmlns:a16="http://schemas.microsoft.com/office/drawing/2014/main" id="{ACCEAD85-B426-E445-B3BD-C01C05869C95}"/>
+              </a:ext>
+            </a:extLst>
+          </p:cNvPr>
+          <p:cNvCxnSpPr>
+            <a:cxnSpLocks/>
+          </p:cNvCxnSpPr>
+          <p:nvPr/>
+        </p:nvCxnSpPr>
+        <p:spPr>
+          <a:xfrm>
+            <a:off x="9356652" y="3317144"/>
+            <a:ext cx="386485" cy="0"/>
+          </a:xfrm>
+          <a:prstGeom prst="straightConnector1">
+            <a:avLst/>
+          </a:prstGeom>
+          <a:ln w="12700">
+            <a:solidFill>
+              <a:schemeClr val="tx1"/>
+            </a:solidFill>
+            <a:headEnd type="none"/>
+            <a:tailEnd type="arrow"/>
+          </a:ln>
+        </p:spPr>
+        <p:style>
+          <a:lnRef idx="1">
+            <a:schemeClr val="accent1"/>
+          </a:lnRef>
+          <a:fillRef idx="0">
+            <a:schemeClr val="accent1"/>
+          </a:fillRef>
+          <a:effectRef idx="0">
+            <a:schemeClr val="accent1"/>
+          </a:effectRef>
+          <a:fontRef idx="minor">
+            <a:schemeClr val="tx1"/>
+          </a:fontRef>
+        </p:style>
+      </p:cxnSp>
+      <p:cxnSp>
+        <p:nvCxnSpPr>
+          <p:cNvPr id="19" name="Straight Arrow Connector 18">
+            <a:extLst>
+              <a:ext uri="{FF2B5EF4-FFF2-40B4-BE49-F238E27FC236}">
+                <a16:creationId xmlns:a16="http://schemas.microsoft.com/office/drawing/2014/main" id="{344286AB-BE91-0F47-BE59-A3DB94C27F41}"/>
+              </a:ext>
+            </a:extLst>
+          </p:cNvPr>
+          <p:cNvCxnSpPr>
+            <a:cxnSpLocks/>
+          </p:cNvCxnSpPr>
+          <p:nvPr/>
+        </p:nvCxnSpPr>
+        <p:spPr>
+          <a:xfrm>
+            <a:off x="11305186" y="3325166"/>
+            <a:ext cx="386485" cy="0"/>
+          </a:xfrm>
+          <a:prstGeom prst="straightConnector1">
+            <a:avLst/>
+          </a:prstGeom>
+          <a:ln w="12700">
+            <a:solidFill>
+              <a:schemeClr val="tx1"/>
+            </a:solidFill>
+            <a:headEnd type="none"/>
+            <a:tailEnd type="arrow"/>
+          </a:ln>
+        </p:spPr>
+        <p:style>
+          <a:lnRef idx="1">
+            <a:schemeClr val="accent1"/>
+          </a:lnRef>
+          <a:fillRef idx="0">
+            <a:schemeClr val="accent1"/>
+          </a:fillRef>
+          <a:effectRef idx="0">
+            <a:schemeClr val="accent1"/>
+          </a:effectRef>
+          <a:fontRef idx="minor">
+            <a:schemeClr val="tx1"/>
+          </a:fontRef>
+        </p:style>
+      </p:cxnSp>
+      <p:pic>
+        <p:nvPicPr>
+          <p:cNvPr id="28" name="Picture 27">
+            <a:extLst>
+              <a:ext uri="{FF2B5EF4-FFF2-40B4-BE49-F238E27FC236}">
+                <a16:creationId xmlns:a16="http://schemas.microsoft.com/office/drawing/2014/main" id="{7E03FE1C-6DAF-D84E-912F-A2B4A9E83C60}"/>
+              </a:ext>
+            </a:extLst>
+          </p:cNvPr>
+          <p:cNvPicPr>
+            <a:picLocks noChangeAspect="1"/>
+          </p:cNvPicPr>
+          <p:nvPr/>
+        </p:nvPicPr>
+        <p:blipFill>
+          <a:blip r:embed="rId2"/>
+          <a:stretch>
+            <a:fillRect/>
+          </a:stretch>
+        </p:blipFill>
+        <p:spPr>
+          <a:xfrm>
+            <a:off x="10137771" y="1952487"/>
+            <a:ext cx="751415" cy="652327"/>
+          </a:xfrm>
+          <a:prstGeom prst="rect">
+            <a:avLst/>
+          </a:prstGeom>
+        </p:spPr>
+      </p:pic>
+      <p:sp>
+        <p:nvSpPr>
+          <p:cNvPr id="41" name="Down Arrow 40">
+            <a:extLst>
+              <a:ext uri="{FF2B5EF4-FFF2-40B4-BE49-F238E27FC236}">
+                <a16:creationId xmlns:a16="http://schemas.microsoft.com/office/drawing/2014/main" id="{B9D1C2AB-490D-EF47-9803-31A15028E9CC}"/>
+              </a:ext>
+            </a:extLst>
+          </p:cNvPr>
+          <p:cNvSpPr/>
+          <p:nvPr/>
+        </p:nvSpPr>
+        <p:spPr>
+          <a:xfrm rot="16200000">
+            <a:off x="4420029" y="4255025"/>
+            <a:ext cx="257410" cy="224590"/>
+          </a:xfrm>
+          <a:prstGeom prst="downArrow">
+            <a:avLst/>
+          </a:prstGeom>
+          <a:noFill/>
+          <a:ln w="12700">
+            <a:solidFill>
+              <a:schemeClr val="tx1"/>
+            </a:solidFill>
+          </a:ln>
+        </p:spPr>
+        <p:style>
+          <a:lnRef idx="2">
+            <a:schemeClr val="accent1">
+              <a:shade val="50000"/>
+            </a:schemeClr>
+          </a:lnRef>
+          <a:fillRef idx="1">
+            <a:schemeClr val="accent1"/>
+          </a:fillRef>
+          <a:effectRef idx="0">
+            <a:schemeClr val="accent1"/>
+          </a:effectRef>
+          <a:fontRef idx="minor">
+            <a:schemeClr val="lt1"/>
+          </a:fontRef>
+        </p:style>
+        <p:txBody>
           <a:bodyPr rtlCol="0" anchor="ctr"/>
           <a:lstStyle/>
           <a:p>
@@ -6175,6 +7301,58 @@
       </p:sp>
       <p:sp>
         <p:nvSpPr>
+          <p:cNvPr id="42" name="Down Arrow 41">
+            <a:extLst>
+              <a:ext uri="{FF2B5EF4-FFF2-40B4-BE49-F238E27FC236}">
+                <a16:creationId xmlns:a16="http://schemas.microsoft.com/office/drawing/2014/main" id="{1E8FEFBB-8B78-A449-8BE5-359EB349C4C7}"/>
+              </a:ext>
+            </a:extLst>
+          </p:cNvPr>
+          <p:cNvSpPr/>
+          <p:nvPr/>
+        </p:nvSpPr>
+        <p:spPr>
+          <a:xfrm>
+            <a:off x="10390790" y="2633669"/>
+            <a:ext cx="257410" cy="224590"/>
+          </a:xfrm>
+          <a:prstGeom prst="downArrow">
+            <a:avLst/>
+          </a:prstGeom>
+          <a:noFill/>
+          <a:ln w="12700">
+            <a:solidFill>
+              <a:schemeClr val="tx1"/>
+            </a:solidFill>
+          </a:ln>
+        </p:spPr>
+        <p:style>
+          <a:lnRef idx="2">
+            <a:schemeClr val="accent1">
+              <a:shade val="50000"/>
+            </a:schemeClr>
+          </a:lnRef>
+          <a:fillRef idx="1">
+            <a:schemeClr val="accent1"/>
+          </a:fillRef>
+          <a:effectRef idx="0">
+            <a:schemeClr val="accent1"/>
+          </a:effectRef>
+          <a:fontRef idx="minor">
+            <a:schemeClr val="lt1"/>
+          </a:fontRef>
+        </p:style>
+        <p:txBody>
+          <a:bodyPr rtlCol="0" anchor="ctr"/>
+          <a:lstStyle/>
+          <a:p>
+            <a:pPr algn="ctr"/>
+            <a:endParaRPr lang="en-US"/>
+          </a:p>
+        </p:txBody>
+      </p:sp>
+      <p:sp>
+        <p:nvSpPr>
           <p:cNvPr id="45" name="Rectangle 44">
             <a:extLst>
               <a:ext uri="{FF2B5EF4-FFF2-40B4-BE49-F238E27FC236}">
@@ -6187,7 +7365,7 @@
         </p:nvSpPr>
         <p:spPr>
           <a:xfrm>
-            <a:off x="4520089" y="4844764"/>
+            <a:off x="4578145" y="4844764"/>
             <a:ext cx="2031325" cy="369332"/>
           </a:xfrm>
           <a:prstGeom prst="rect">
@@ -6202,8 +7380,16 @@
           <a:p>
             <a:pPr algn="ctr"/>
             <a:r>
+              <a:rPr lang="zh-CN" altLang="en-US" dirty="0">
+                <a:solidFill>
+                  <a:schemeClr val="tx1"/>
+                </a:solidFill>
+              </a:rPr>
+              <a:t>参考链接</a:t>
+            </a:r>
+            <a:r>
               <a:rPr lang="zh-CN" altLang="en-US" dirty="0"/>
-              <a:t>多源信息网络构建</a:t>
+              <a:t>网络构建</a:t>
             </a:r>
             <a:endParaRPr lang="en-US" dirty="0"/>
           </a:p>
@@ -6223,8 +7409,8 @@
         </p:nvSpPr>
         <p:spPr>
           <a:xfrm>
-            <a:off x="7074232" y="1716011"/>
-            <a:ext cx="1962349" cy="3548774"/>
+            <a:off x="7121254" y="1716011"/>
+            <a:ext cx="2158584" cy="3548774"/>
           </a:xfrm>
           <a:prstGeom prst="roundRect">
             <a:avLst>
@@ -6278,8 +7464,8 @@
         </p:nvSpPr>
         <p:spPr>
           <a:xfrm>
-            <a:off x="7333886" y="3478309"/>
-            <a:ext cx="1443037" cy="772083"/>
+            <a:off x="7240203" y="3478309"/>
+            <a:ext cx="1920683" cy="772083"/>
           </a:xfrm>
           <a:prstGeom prst="roundRect">
             <a:avLst/>
@@ -6323,7 +7509,7 @@
                   <a:schemeClr val="tx1"/>
                 </a:solidFill>
               </a:rPr>
-              <a:t>连通度选择</a:t>
+              <a:t>基于连通度选择</a:t>
             </a:r>
             <a:endParaRPr lang="en-US" dirty="0">
               <a:solidFill>
@@ -6347,8 +7533,8 @@
         </p:nvSpPr>
         <p:spPr>
           <a:xfrm>
-            <a:off x="7270577" y="4844764"/>
-            <a:ext cx="1569660" cy="369332"/>
+            <a:off x="7646550" y="4844764"/>
+            <a:ext cx="1107996" cy="369332"/>
           </a:xfrm>
           <a:prstGeom prst="rect">
             <a:avLst/>
@@ -6363,7 +7549,7 @@
             <a:pPr algn="ctr"/>
             <a:r>
               <a:rPr lang="zh-CN" altLang="en-US" dirty="0"/>
-              <a:t>补丁节点精选</a:t>
+              <a:t>补丁选择</a:t>
             </a:r>
             <a:endParaRPr lang="en-US" altLang="zh-CN" dirty="0"/>
           </a:p>
@@ -6391,7 +7577,7 @@
         </p:blipFill>
         <p:spPr>
           <a:xfrm>
-            <a:off x="4372570" y="1107129"/>
+            <a:off x="4503196" y="1107129"/>
             <a:ext cx="678389" cy="321259"/>
           </a:xfrm>
           <a:prstGeom prst="rect">
@@ -6421,7 +7607,7 @@
         </p:blipFill>
         <p:spPr>
           <a:xfrm>
-            <a:off x="5223642" y="868776"/>
+            <a:off x="5354268" y="868776"/>
             <a:ext cx="542991" cy="701711"/>
           </a:xfrm>
           <a:prstGeom prst="rect">
@@ -6451,7 +7637,7 @@
         </p:blipFill>
         <p:spPr>
           <a:xfrm>
-            <a:off x="5939316" y="874783"/>
+            <a:off x="6069942" y="874783"/>
             <a:ext cx="678389" cy="689695"/>
           </a:xfrm>
           <a:prstGeom prst="rect">
@@ -6473,7 +7659,7 @@
         </p:nvSpPr>
         <p:spPr>
           <a:xfrm>
-            <a:off x="5366432" y="1589524"/>
+            <a:off x="5497058" y="1589524"/>
             <a:ext cx="257410" cy="224590"/>
           </a:xfrm>
           <a:prstGeom prst="downArrow">
@@ -6569,7 +7755,7 @@
 </p:sld>
 </file>
 
-<file path=ppt/slides/slide4.xml><?xml version="1.0" encoding="utf-8"?>
+<file path=ppt/slides/slide5.xml><?xml version="1.0" encoding="utf-8"?>
 <p:sld xmlns:a="http://schemas.openxmlformats.org/drawingml/2006/main" xmlns:r="http://schemas.openxmlformats.org/officeDocument/2006/relationships" xmlns:p="http://schemas.openxmlformats.org/presentationml/2006/main">
   <p:cSld>
     <p:spTree>

--- a/fig/overview.pptx
+++ b/fig/overview.pptx
@@ -247,7 +247,7 @@
           <a:p>
             <a:fld id="{AE461D9D-3ED4-1345-AA6A-FA522C09250F}" type="datetimeFigureOut">
               <a:rPr lang="en-US" smtClean="0"/>
-              <a:t>1/25/2022</a:t>
+              <a:t>1/25/22</a:t>
             </a:fld>
             <a:endParaRPr lang="en-US"/>
           </a:p>
@@ -417,7 +417,7 @@
           <a:p>
             <a:fld id="{AE461D9D-3ED4-1345-AA6A-FA522C09250F}" type="datetimeFigureOut">
               <a:rPr lang="en-US" smtClean="0"/>
-              <a:t>1/25/2022</a:t>
+              <a:t>1/25/22</a:t>
             </a:fld>
             <a:endParaRPr lang="en-US"/>
           </a:p>
@@ -597,7 +597,7 @@
           <a:p>
             <a:fld id="{AE461D9D-3ED4-1345-AA6A-FA522C09250F}" type="datetimeFigureOut">
               <a:rPr lang="en-US" smtClean="0"/>
-              <a:t>1/25/2022</a:t>
+              <a:t>1/25/22</a:t>
             </a:fld>
             <a:endParaRPr lang="en-US"/>
           </a:p>
@@ -767,7 +767,7 @@
           <a:p>
             <a:fld id="{AE461D9D-3ED4-1345-AA6A-FA522C09250F}" type="datetimeFigureOut">
               <a:rPr lang="en-US" smtClean="0"/>
-              <a:t>1/25/2022</a:t>
+              <a:t>1/25/22</a:t>
             </a:fld>
             <a:endParaRPr lang="en-US"/>
           </a:p>
@@ -1013,7 +1013,7 @@
           <a:p>
             <a:fld id="{AE461D9D-3ED4-1345-AA6A-FA522C09250F}" type="datetimeFigureOut">
               <a:rPr lang="en-US" smtClean="0"/>
-              <a:t>1/25/2022</a:t>
+              <a:t>1/25/22</a:t>
             </a:fld>
             <a:endParaRPr lang="en-US"/>
           </a:p>
@@ -1245,7 +1245,7 @@
           <a:p>
             <a:fld id="{AE461D9D-3ED4-1345-AA6A-FA522C09250F}" type="datetimeFigureOut">
               <a:rPr lang="en-US" smtClean="0"/>
-              <a:t>1/25/2022</a:t>
+              <a:t>1/25/22</a:t>
             </a:fld>
             <a:endParaRPr lang="en-US"/>
           </a:p>
@@ -1612,7 +1612,7 @@
           <a:p>
             <a:fld id="{AE461D9D-3ED4-1345-AA6A-FA522C09250F}" type="datetimeFigureOut">
               <a:rPr lang="en-US" smtClean="0"/>
-              <a:t>1/25/2022</a:t>
+              <a:t>1/25/22</a:t>
             </a:fld>
             <a:endParaRPr lang="en-US"/>
           </a:p>
@@ -1730,7 +1730,7 @@
           <a:p>
             <a:fld id="{AE461D9D-3ED4-1345-AA6A-FA522C09250F}" type="datetimeFigureOut">
               <a:rPr lang="en-US" smtClean="0"/>
-              <a:t>1/25/2022</a:t>
+              <a:t>1/25/22</a:t>
             </a:fld>
             <a:endParaRPr lang="en-US"/>
           </a:p>
@@ -1825,7 +1825,7 @@
           <a:p>
             <a:fld id="{AE461D9D-3ED4-1345-AA6A-FA522C09250F}" type="datetimeFigureOut">
               <a:rPr lang="en-US" smtClean="0"/>
-              <a:t>1/25/2022</a:t>
+              <a:t>1/25/22</a:t>
             </a:fld>
             <a:endParaRPr lang="en-US"/>
           </a:p>
@@ -2102,7 +2102,7 @@
           <a:p>
             <a:fld id="{AE461D9D-3ED4-1345-AA6A-FA522C09250F}" type="datetimeFigureOut">
               <a:rPr lang="en-US" smtClean="0"/>
-              <a:t>1/25/2022</a:t>
+              <a:t>1/25/22</a:t>
             </a:fld>
             <a:endParaRPr lang="en-US"/>
           </a:p>
@@ -2359,7 +2359,7 @@
           <a:p>
             <a:fld id="{AE461D9D-3ED4-1345-AA6A-FA522C09250F}" type="datetimeFigureOut">
               <a:rPr lang="en-US" smtClean="0"/>
-              <a:t>1/25/2022</a:t>
+              <a:t>1/25/22</a:t>
             </a:fld>
             <a:endParaRPr lang="en-US"/>
           </a:p>
@@ -2572,7 +2572,7 @@
           <a:p>
             <a:fld id="{AE461D9D-3ED4-1345-AA6A-FA522C09250F}" type="datetimeFigureOut">
               <a:rPr lang="en-US" smtClean="0"/>
-              <a:t>1/25/2022</a:t>
+              <a:t>1/25/22</a:t>
             </a:fld>
             <a:endParaRPr lang="en-US"/>
           </a:p>
@@ -6541,7 +6541,7 @@
         </p:blipFill>
         <p:spPr>
           <a:xfrm>
-            <a:off x="3778956" y="4129357"/>
+            <a:off x="3778956" y="4050527"/>
             <a:ext cx="751415" cy="652327"/>
           </a:xfrm>
           <a:prstGeom prst="rect">
@@ -7261,7 +7261,7 @@
         </p:nvSpPr>
         <p:spPr>
           <a:xfrm rot="16200000">
-            <a:off x="4420029" y="4255025"/>
+            <a:off x="4420029" y="4255026"/>
             <a:ext cx="257410" cy="224590"/>
           </a:xfrm>
           <a:prstGeom prst="downArrow">

--- a/fig/overview.pptx
+++ b/fig/overview.pptx
@@ -9,7 +9,8 @@
     <p:sldId id="257" r:id="rId3"/>
     <p:sldId id="260" r:id="rId4"/>
     <p:sldId id="258" r:id="rId5"/>
-    <p:sldId id="259" r:id="rId6"/>
+    <p:sldId id="261" r:id="rId6"/>
+    <p:sldId id="259" r:id="rId7"/>
   </p:sldIdLst>
   <p:sldSz cx="16513175" cy="6858000"/>
   <p:notesSz cx="6858000" cy="9144000"/>
@@ -247,7 +248,7 @@
           <a:p>
             <a:fld id="{AE461D9D-3ED4-1345-AA6A-FA522C09250F}" type="datetimeFigureOut">
               <a:rPr lang="en-US" smtClean="0"/>
-              <a:t>1/25/22</a:t>
+              <a:t>4/29/2022</a:t>
             </a:fld>
             <a:endParaRPr lang="en-US"/>
           </a:p>
@@ -417,7 +418,7 @@
           <a:p>
             <a:fld id="{AE461D9D-3ED4-1345-AA6A-FA522C09250F}" type="datetimeFigureOut">
               <a:rPr lang="en-US" smtClean="0"/>
-              <a:t>1/25/22</a:t>
+              <a:t>4/29/2022</a:t>
             </a:fld>
             <a:endParaRPr lang="en-US"/>
           </a:p>
@@ -597,7 +598,7 @@
           <a:p>
             <a:fld id="{AE461D9D-3ED4-1345-AA6A-FA522C09250F}" type="datetimeFigureOut">
               <a:rPr lang="en-US" smtClean="0"/>
-              <a:t>1/25/22</a:t>
+              <a:t>4/29/2022</a:t>
             </a:fld>
             <a:endParaRPr lang="en-US"/>
           </a:p>
@@ -767,7 +768,7 @@
           <a:p>
             <a:fld id="{AE461D9D-3ED4-1345-AA6A-FA522C09250F}" type="datetimeFigureOut">
               <a:rPr lang="en-US" smtClean="0"/>
-              <a:t>1/25/22</a:t>
+              <a:t>4/29/2022</a:t>
             </a:fld>
             <a:endParaRPr lang="en-US"/>
           </a:p>
@@ -1013,7 +1014,7 @@
           <a:p>
             <a:fld id="{AE461D9D-3ED4-1345-AA6A-FA522C09250F}" type="datetimeFigureOut">
               <a:rPr lang="en-US" smtClean="0"/>
-              <a:t>1/25/22</a:t>
+              <a:t>4/29/2022</a:t>
             </a:fld>
             <a:endParaRPr lang="en-US"/>
           </a:p>
@@ -1245,7 +1246,7 @@
           <a:p>
             <a:fld id="{AE461D9D-3ED4-1345-AA6A-FA522C09250F}" type="datetimeFigureOut">
               <a:rPr lang="en-US" smtClean="0"/>
-              <a:t>1/25/22</a:t>
+              <a:t>4/29/2022</a:t>
             </a:fld>
             <a:endParaRPr lang="en-US"/>
           </a:p>
@@ -1612,7 +1613,7 @@
           <a:p>
             <a:fld id="{AE461D9D-3ED4-1345-AA6A-FA522C09250F}" type="datetimeFigureOut">
               <a:rPr lang="en-US" smtClean="0"/>
-              <a:t>1/25/22</a:t>
+              <a:t>4/29/2022</a:t>
             </a:fld>
             <a:endParaRPr lang="en-US"/>
           </a:p>
@@ -1730,7 +1731,7 @@
           <a:p>
             <a:fld id="{AE461D9D-3ED4-1345-AA6A-FA522C09250F}" type="datetimeFigureOut">
               <a:rPr lang="en-US" smtClean="0"/>
-              <a:t>1/25/22</a:t>
+              <a:t>4/29/2022</a:t>
             </a:fld>
             <a:endParaRPr lang="en-US"/>
           </a:p>
@@ -1825,7 +1826,7 @@
           <a:p>
             <a:fld id="{AE461D9D-3ED4-1345-AA6A-FA522C09250F}" type="datetimeFigureOut">
               <a:rPr lang="en-US" smtClean="0"/>
-              <a:t>1/25/22</a:t>
+              <a:t>4/29/2022</a:t>
             </a:fld>
             <a:endParaRPr lang="en-US"/>
           </a:p>
@@ -2102,7 +2103,7 @@
           <a:p>
             <a:fld id="{AE461D9D-3ED4-1345-AA6A-FA522C09250F}" type="datetimeFigureOut">
               <a:rPr lang="en-US" smtClean="0"/>
-              <a:t>1/25/22</a:t>
+              <a:t>4/29/2022</a:t>
             </a:fld>
             <a:endParaRPr lang="en-US"/>
           </a:p>
@@ -2359,7 +2360,7 @@
           <a:p>
             <a:fld id="{AE461D9D-3ED4-1345-AA6A-FA522C09250F}" type="datetimeFigureOut">
               <a:rPr lang="en-US" smtClean="0"/>
-              <a:t>1/25/22</a:t>
+              <a:t>4/29/2022</a:t>
             </a:fld>
             <a:endParaRPr lang="en-US"/>
           </a:p>
@@ -2572,7 +2573,7 @@
           <a:p>
             <a:fld id="{AE461D9D-3ED4-1345-AA6A-FA522C09250F}" type="datetimeFigureOut">
               <a:rPr lang="en-US" smtClean="0"/>
-              <a:t>1/25/22</a:t>
+              <a:t>4/29/2022</a:t>
             </a:fld>
             <a:endParaRPr lang="en-US"/>
           </a:p>
@@ -7786,6 +7787,1343 @@
         </p:nvSpPr>
         <p:spPr>
           <a:xfrm>
+            <a:off x="1380242" y="3053425"/>
+            <a:ext cx="1062516" cy="543481"/>
+          </a:xfrm>
+          <a:prstGeom prst="round2DiagRect">
+            <a:avLst/>
+          </a:prstGeom>
+          <a:noFill/>
+          <a:ln w="12700">
+            <a:solidFill>
+              <a:schemeClr val="tx1"/>
+            </a:solidFill>
+          </a:ln>
+        </p:spPr>
+        <p:style>
+          <a:lnRef idx="2">
+            <a:schemeClr val="accent1">
+              <a:shade val="50000"/>
+            </a:schemeClr>
+          </a:lnRef>
+          <a:fillRef idx="1">
+            <a:schemeClr val="accent1"/>
+          </a:fillRef>
+          <a:effectRef idx="0">
+            <a:schemeClr val="accent1"/>
+          </a:effectRef>
+          <a:fontRef idx="minor">
+            <a:schemeClr val="lt1"/>
+          </a:fontRef>
+        </p:style>
+        <p:txBody>
+          <a:bodyPr rot="0" spcFirstLastPara="0" vertOverflow="overflow" horzOverflow="overflow" vert="horz" wrap="square" lIns="91440" tIns="45720" rIns="91440" bIns="45720" numCol="1" spcCol="0" rtlCol="0" fromWordArt="0" anchor="ctr" anchorCtr="0" forceAA="0" compatLnSpc="1">
+            <a:prstTxWarp prst="textNoShape">
+              <a:avLst/>
+            </a:prstTxWarp>
+            <a:noAutofit/>
+          </a:bodyPr>
+          <a:lstStyle/>
+          <a:p>
+            <a:pPr algn="ctr"/>
+            <a:r>
+              <a:rPr lang="en-US" dirty="0">
+                <a:solidFill>
+                  <a:schemeClr val="tx1"/>
+                </a:solidFill>
+              </a:rPr>
+              <a:t>CVE ID</a:t>
+            </a:r>
+          </a:p>
+        </p:txBody>
+      </p:sp>
+      <p:sp>
+        <p:nvSpPr>
+          <p:cNvPr id="5" name="Round Diagonal Corner Rectangle 4">
+            <a:extLst>
+              <a:ext uri="{FF2B5EF4-FFF2-40B4-BE49-F238E27FC236}">
+                <a16:creationId xmlns:a16="http://schemas.microsoft.com/office/drawing/2014/main" id="{2DC2A51B-B557-2F43-B9CC-223406FB27CE}"/>
+              </a:ext>
+            </a:extLst>
+          </p:cNvPr>
+          <p:cNvSpPr/>
+          <p:nvPr/>
+        </p:nvSpPr>
+        <p:spPr>
+          <a:xfrm>
+            <a:off x="13441843" y="3017809"/>
+            <a:ext cx="1151678" cy="543481"/>
+          </a:xfrm>
+          <a:prstGeom prst="round2DiagRect">
+            <a:avLst/>
+          </a:prstGeom>
+          <a:noFill/>
+          <a:ln w="12700">
+            <a:solidFill>
+              <a:schemeClr val="tx1"/>
+            </a:solidFill>
+          </a:ln>
+        </p:spPr>
+        <p:style>
+          <a:lnRef idx="2">
+            <a:schemeClr val="accent1">
+              <a:shade val="50000"/>
+            </a:schemeClr>
+          </a:lnRef>
+          <a:fillRef idx="1">
+            <a:schemeClr val="accent1"/>
+          </a:fillRef>
+          <a:effectRef idx="0">
+            <a:schemeClr val="accent1"/>
+          </a:effectRef>
+          <a:fontRef idx="minor">
+            <a:schemeClr val="lt1"/>
+          </a:fontRef>
+        </p:style>
+        <p:txBody>
+          <a:bodyPr rot="0" spcFirstLastPara="0" vertOverflow="overflow" horzOverflow="overflow" vert="horz" wrap="square" lIns="91440" tIns="45720" rIns="91440" bIns="45720" numCol="1" spcCol="0" rtlCol="0" fromWordArt="0" anchor="ctr" anchorCtr="0" forceAA="0" compatLnSpc="1">
+            <a:prstTxWarp prst="textNoShape">
+              <a:avLst/>
+            </a:prstTxWarp>
+            <a:noAutofit/>
+          </a:bodyPr>
+          <a:lstStyle/>
+          <a:p>
+            <a:pPr algn="ctr"/>
+            <a:r>
+              <a:rPr lang="zh-CN" altLang="en-US" dirty="0">
+                <a:solidFill>
+                  <a:schemeClr val="tx1"/>
+                </a:solidFill>
+              </a:rPr>
+              <a:t>补丁列表</a:t>
+            </a:r>
+            <a:endParaRPr lang="en-US" dirty="0">
+              <a:solidFill>
+                <a:schemeClr val="tx1"/>
+              </a:solidFill>
+            </a:endParaRPr>
+          </a:p>
+        </p:txBody>
+      </p:sp>
+      <p:grpSp>
+        <p:nvGrpSpPr>
+          <p:cNvPr id="11" name="组合 10">
+            <a:extLst>
+              <a:ext uri="{FF2B5EF4-FFF2-40B4-BE49-F238E27FC236}">
+                <a16:creationId xmlns:a16="http://schemas.microsoft.com/office/drawing/2014/main" id="{A1850C4F-6E94-4BE9-938A-A4E996B881BA}"/>
+              </a:ext>
+            </a:extLst>
+          </p:cNvPr>
+          <p:cNvGrpSpPr/>
+          <p:nvPr/>
+        </p:nvGrpSpPr>
+        <p:grpSpPr>
+          <a:xfrm>
+            <a:off x="10728075" y="1952487"/>
+            <a:ext cx="1443037" cy="1742021"/>
+            <a:chOff x="9895871" y="1952487"/>
+            <a:chExt cx="1443037" cy="1742021"/>
+          </a:xfrm>
+        </p:grpSpPr>
+        <p:sp>
+          <p:nvSpPr>
+            <p:cNvPr id="10" name="Rounded Rectangle 9">
+              <a:extLst>
+                <a:ext uri="{FF2B5EF4-FFF2-40B4-BE49-F238E27FC236}">
+                  <a16:creationId xmlns:a16="http://schemas.microsoft.com/office/drawing/2014/main" id="{7DF11496-0148-7747-A154-0F2FF924F202}"/>
+                </a:ext>
+              </a:extLst>
+            </p:cNvPr>
+            <p:cNvSpPr/>
+            <p:nvPr/>
+          </p:nvSpPr>
+          <p:spPr>
+            <a:xfrm>
+              <a:off x="9895871" y="2922425"/>
+              <a:ext cx="1443037" cy="772083"/>
+            </a:xfrm>
+            <a:prstGeom prst="roundRect">
+              <a:avLst/>
+            </a:prstGeom>
+            <a:noFill/>
+            <a:ln w="12700">
+              <a:solidFill>
+                <a:schemeClr val="tx1"/>
+              </a:solidFill>
+            </a:ln>
+          </p:spPr>
+          <p:style>
+            <a:lnRef idx="2">
+              <a:schemeClr val="accent1">
+                <a:shade val="50000"/>
+              </a:schemeClr>
+            </a:lnRef>
+            <a:fillRef idx="1">
+              <a:schemeClr val="accent1"/>
+            </a:fillRef>
+            <a:effectRef idx="0">
+              <a:schemeClr val="accent1"/>
+            </a:effectRef>
+            <a:fontRef idx="minor">
+              <a:schemeClr val="lt1"/>
+            </a:fontRef>
+          </p:style>
+          <p:txBody>
+            <a:bodyPr rot="0" spcFirstLastPara="0" vertOverflow="overflow" horzOverflow="overflow" vert="horz" wrap="square" lIns="91440" tIns="45720" rIns="91440" bIns="45720" numCol="1" spcCol="0" rtlCol="0" fromWordArt="0" anchor="ctr" anchorCtr="0" forceAA="0" compatLnSpc="1">
+              <a:prstTxWarp prst="textNoShape">
+                <a:avLst/>
+              </a:prstTxWarp>
+              <a:noAutofit/>
+            </a:bodyPr>
+            <a:lstStyle/>
+            <a:p>
+              <a:pPr algn="ctr"/>
+              <a:r>
+                <a:rPr lang="zh-CN" altLang="en-US" dirty="0">
+                  <a:solidFill>
+                    <a:schemeClr val="tx1"/>
+                  </a:solidFill>
+                </a:rPr>
+                <a:t>补丁扩增</a:t>
+              </a:r>
+              <a:endParaRPr lang="en-US" dirty="0">
+                <a:solidFill>
+                  <a:schemeClr val="tx1"/>
+                </a:solidFill>
+              </a:endParaRPr>
+            </a:p>
+          </p:txBody>
+        </p:sp>
+        <p:pic>
+          <p:nvPicPr>
+            <p:cNvPr id="28" name="Picture 27">
+              <a:extLst>
+                <a:ext uri="{FF2B5EF4-FFF2-40B4-BE49-F238E27FC236}">
+                  <a16:creationId xmlns:a16="http://schemas.microsoft.com/office/drawing/2014/main" id="{7E03FE1C-6DAF-D84E-912F-A2B4A9E83C60}"/>
+                </a:ext>
+              </a:extLst>
+            </p:cNvPr>
+            <p:cNvPicPr>
+              <a:picLocks noChangeAspect="1"/>
+            </p:cNvPicPr>
+            <p:nvPr/>
+          </p:nvPicPr>
+          <p:blipFill>
+            <a:blip r:embed="rId2"/>
+            <a:stretch>
+              <a:fillRect/>
+            </a:stretch>
+          </p:blipFill>
+          <p:spPr>
+            <a:xfrm>
+              <a:off x="10241681" y="1952487"/>
+              <a:ext cx="751415" cy="652327"/>
+            </a:xfrm>
+            <a:prstGeom prst="rect">
+              <a:avLst/>
+            </a:prstGeom>
+          </p:spPr>
+        </p:pic>
+        <p:sp>
+          <p:nvSpPr>
+            <p:cNvPr id="42" name="Down Arrow 41">
+              <a:extLst>
+                <a:ext uri="{FF2B5EF4-FFF2-40B4-BE49-F238E27FC236}">
+                  <a16:creationId xmlns:a16="http://schemas.microsoft.com/office/drawing/2014/main" id="{1E8FEFBB-8B78-A449-8BE5-359EB349C4C7}"/>
+                </a:ext>
+              </a:extLst>
+            </p:cNvPr>
+            <p:cNvSpPr/>
+            <p:nvPr/>
+          </p:nvSpPr>
+          <p:spPr>
+            <a:xfrm>
+              <a:off x="10494700" y="2633669"/>
+              <a:ext cx="257410" cy="224590"/>
+            </a:xfrm>
+            <a:prstGeom prst="downArrow">
+              <a:avLst/>
+            </a:prstGeom>
+            <a:noFill/>
+            <a:ln w="12700">
+              <a:solidFill>
+                <a:schemeClr val="tx1"/>
+              </a:solidFill>
+            </a:ln>
+          </p:spPr>
+          <p:style>
+            <a:lnRef idx="2">
+              <a:schemeClr val="accent1">
+                <a:shade val="50000"/>
+              </a:schemeClr>
+            </a:lnRef>
+            <a:fillRef idx="1">
+              <a:schemeClr val="accent1"/>
+            </a:fillRef>
+            <a:effectRef idx="0">
+              <a:schemeClr val="accent1"/>
+            </a:effectRef>
+            <a:fontRef idx="minor">
+              <a:schemeClr val="lt1"/>
+            </a:fontRef>
+          </p:style>
+          <p:txBody>
+            <a:bodyPr rtlCol="0" anchor="ctr"/>
+            <a:lstStyle/>
+            <a:p>
+              <a:pPr algn="ctr"/>
+              <a:endParaRPr lang="en-US"/>
+            </a:p>
+          </p:txBody>
+        </p:sp>
+      </p:grpSp>
+      <p:grpSp>
+        <p:nvGrpSpPr>
+          <p:cNvPr id="3" name="组合 2">
+            <a:extLst>
+              <a:ext uri="{FF2B5EF4-FFF2-40B4-BE49-F238E27FC236}">
+                <a16:creationId xmlns:a16="http://schemas.microsoft.com/office/drawing/2014/main" id="{5F600B3E-7D00-4528-9675-7F93196CEC19}"/>
+              </a:ext>
+            </a:extLst>
+          </p:cNvPr>
+          <p:cNvGrpSpPr/>
+          <p:nvPr/>
+        </p:nvGrpSpPr>
+        <p:grpSpPr>
+          <a:xfrm>
+            <a:off x="7110539" y="1722844"/>
+            <a:ext cx="2158584" cy="3548774"/>
+            <a:chOff x="7121254" y="1716011"/>
+            <a:chExt cx="2158584" cy="3548774"/>
+          </a:xfrm>
+        </p:grpSpPr>
+        <p:sp>
+          <p:nvSpPr>
+            <p:cNvPr id="9" name="Rounded Rectangle 8">
+              <a:extLst>
+                <a:ext uri="{FF2B5EF4-FFF2-40B4-BE49-F238E27FC236}">
+                  <a16:creationId xmlns:a16="http://schemas.microsoft.com/office/drawing/2014/main" id="{5941C809-CC94-8F48-B041-F56A69655256}"/>
+                </a:ext>
+              </a:extLst>
+            </p:cNvPr>
+            <p:cNvSpPr/>
+            <p:nvPr/>
+          </p:nvSpPr>
+          <p:spPr>
+            <a:xfrm>
+              <a:off x="7240203" y="2370272"/>
+              <a:ext cx="1920683" cy="772083"/>
+            </a:xfrm>
+            <a:prstGeom prst="roundRect">
+              <a:avLst/>
+            </a:prstGeom>
+            <a:noFill/>
+            <a:ln w="12700">
+              <a:solidFill>
+                <a:schemeClr val="tx1"/>
+              </a:solidFill>
+            </a:ln>
+          </p:spPr>
+          <p:style>
+            <a:lnRef idx="2">
+              <a:schemeClr val="accent1">
+                <a:shade val="50000"/>
+              </a:schemeClr>
+            </a:lnRef>
+            <a:fillRef idx="1">
+              <a:schemeClr val="accent1"/>
+            </a:fillRef>
+            <a:effectRef idx="0">
+              <a:schemeClr val="accent1"/>
+            </a:effectRef>
+            <a:fontRef idx="minor">
+              <a:schemeClr val="lt1"/>
+            </a:fontRef>
+          </p:style>
+          <p:txBody>
+            <a:bodyPr rot="0" spcFirstLastPara="0" vertOverflow="overflow" horzOverflow="overflow" vert="horz" wrap="square" lIns="91440" tIns="45720" rIns="91440" bIns="45720" numCol="1" spcCol="0" rtlCol="0" fromWordArt="0" anchor="ctr" anchorCtr="0" forceAA="0" compatLnSpc="1">
+              <a:prstTxWarp prst="textNoShape">
+                <a:avLst/>
+              </a:prstTxWarp>
+              <a:noAutofit/>
+            </a:bodyPr>
+            <a:lstStyle/>
+            <a:p>
+              <a:pPr algn="ctr"/>
+              <a:r>
+                <a:rPr lang="zh-CN" altLang="en-US" dirty="0">
+                  <a:solidFill>
+                    <a:schemeClr val="tx1"/>
+                  </a:solidFill>
+                </a:rPr>
+                <a:t>基于置信度选择</a:t>
+              </a:r>
+              <a:endParaRPr lang="en-US" dirty="0">
+                <a:solidFill>
+                  <a:schemeClr val="tx1"/>
+                </a:solidFill>
+              </a:endParaRPr>
+            </a:p>
+          </p:txBody>
+        </p:sp>
+        <p:sp>
+          <p:nvSpPr>
+            <p:cNvPr id="33" name="Rounded Rectangle 42">
+              <a:extLst>
+                <a:ext uri="{FF2B5EF4-FFF2-40B4-BE49-F238E27FC236}">
+                  <a16:creationId xmlns:a16="http://schemas.microsoft.com/office/drawing/2014/main" id="{92F9E82E-09E9-3F4A-9A36-EA5F300C9863}"/>
+                </a:ext>
+              </a:extLst>
+            </p:cNvPr>
+            <p:cNvSpPr/>
+            <p:nvPr/>
+          </p:nvSpPr>
+          <p:spPr>
+            <a:xfrm>
+              <a:off x="7121254" y="1716011"/>
+              <a:ext cx="2158584" cy="3548774"/>
+            </a:xfrm>
+            <a:prstGeom prst="roundRect">
+              <a:avLst>
+                <a:gd name="adj" fmla="val 7028"/>
+              </a:avLst>
+            </a:prstGeom>
+            <a:noFill/>
+            <a:ln w="12700">
+              <a:solidFill>
+                <a:schemeClr val="tx1"/>
+              </a:solidFill>
+              <a:prstDash val="dash"/>
+            </a:ln>
+          </p:spPr>
+          <p:style>
+            <a:lnRef idx="2">
+              <a:schemeClr val="accent1">
+                <a:shade val="50000"/>
+              </a:schemeClr>
+            </a:lnRef>
+            <a:fillRef idx="1">
+              <a:schemeClr val="accent1"/>
+            </a:fillRef>
+            <a:effectRef idx="0">
+              <a:schemeClr val="accent1"/>
+            </a:effectRef>
+            <a:fontRef idx="minor">
+              <a:schemeClr val="lt1"/>
+            </a:fontRef>
+          </p:style>
+          <p:txBody>
+            <a:bodyPr rtlCol="0" anchor="ctr"/>
+            <a:lstStyle/>
+            <a:p>
+              <a:pPr algn="ctr"/>
+              <a:endParaRPr lang="en-US"/>
+            </a:p>
+          </p:txBody>
+        </p:sp>
+        <p:sp>
+          <p:nvSpPr>
+            <p:cNvPr id="37" name="Rounded Rectangle 7">
+              <a:extLst>
+                <a:ext uri="{FF2B5EF4-FFF2-40B4-BE49-F238E27FC236}">
+                  <a16:creationId xmlns:a16="http://schemas.microsoft.com/office/drawing/2014/main" id="{55975C21-E97F-D245-A2DD-A39DAFDFCCD6}"/>
+                </a:ext>
+              </a:extLst>
+            </p:cNvPr>
+            <p:cNvSpPr/>
+            <p:nvPr/>
+          </p:nvSpPr>
+          <p:spPr>
+            <a:xfrm>
+              <a:off x="7240203" y="3478309"/>
+              <a:ext cx="1920683" cy="772083"/>
+            </a:xfrm>
+            <a:prstGeom prst="roundRect">
+              <a:avLst/>
+            </a:prstGeom>
+            <a:noFill/>
+            <a:ln w="12700">
+              <a:solidFill>
+                <a:schemeClr val="tx1"/>
+              </a:solidFill>
+            </a:ln>
+          </p:spPr>
+          <p:style>
+            <a:lnRef idx="2">
+              <a:schemeClr val="accent1">
+                <a:shade val="50000"/>
+              </a:schemeClr>
+            </a:lnRef>
+            <a:fillRef idx="1">
+              <a:schemeClr val="accent1"/>
+            </a:fillRef>
+            <a:effectRef idx="0">
+              <a:schemeClr val="accent1"/>
+            </a:effectRef>
+            <a:fontRef idx="minor">
+              <a:schemeClr val="lt1"/>
+            </a:fontRef>
+          </p:style>
+          <p:txBody>
+            <a:bodyPr rot="0" spcFirstLastPara="0" vertOverflow="overflow" horzOverflow="overflow" vert="horz" wrap="square" lIns="91440" tIns="45720" rIns="91440" bIns="45720" numCol="1" spcCol="0" rtlCol="0" fromWordArt="0" anchor="ctr" anchorCtr="0" forceAA="0" compatLnSpc="1">
+              <a:prstTxWarp prst="textNoShape">
+                <a:avLst/>
+              </a:prstTxWarp>
+              <a:noAutofit/>
+            </a:bodyPr>
+            <a:lstStyle/>
+            <a:p>
+              <a:pPr algn="ctr"/>
+              <a:r>
+                <a:rPr lang="zh-CN" altLang="en-US" dirty="0">
+                  <a:solidFill>
+                    <a:schemeClr val="tx1"/>
+                  </a:solidFill>
+                </a:rPr>
+                <a:t>基于连通度选择</a:t>
+              </a:r>
+              <a:endParaRPr lang="en-US" dirty="0">
+                <a:solidFill>
+                  <a:schemeClr val="tx1"/>
+                </a:solidFill>
+              </a:endParaRPr>
+            </a:p>
+          </p:txBody>
+        </p:sp>
+        <p:sp>
+          <p:nvSpPr>
+            <p:cNvPr id="38" name="Rectangle 44">
+              <a:extLst>
+                <a:ext uri="{FF2B5EF4-FFF2-40B4-BE49-F238E27FC236}">
+                  <a16:creationId xmlns:a16="http://schemas.microsoft.com/office/drawing/2014/main" id="{8C85AA31-A07A-A549-8EB5-9FB13EBCE02F}"/>
+                </a:ext>
+              </a:extLst>
+            </p:cNvPr>
+            <p:cNvSpPr/>
+            <p:nvPr/>
+          </p:nvSpPr>
+          <p:spPr>
+            <a:xfrm>
+              <a:off x="7646550" y="4844764"/>
+              <a:ext cx="1107996" cy="369332"/>
+            </a:xfrm>
+            <a:prstGeom prst="rect">
+              <a:avLst/>
+            </a:prstGeom>
+          </p:spPr>
+          <p:txBody>
+            <a:bodyPr wrap="none">
+              <a:spAutoFit/>
+            </a:bodyPr>
+            <a:lstStyle/>
+            <a:p>
+              <a:pPr algn="ctr"/>
+              <a:r>
+                <a:rPr lang="zh-CN" altLang="en-US" dirty="0"/>
+                <a:t>补丁选择</a:t>
+              </a:r>
+              <a:endParaRPr lang="en-US" altLang="zh-CN" dirty="0"/>
+            </a:p>
+          </p:txBody>
+        </p:sp>
+      </p:grpSp>
+      <p:grpSp>
+        <p:nvGrpSpPr>
+          <p:cNvPr id="12" name="组合 11">
+            <a:extLst>
+              <a:ext uri="{FF2B5EF4-FFF2-40B4-BE49-F238E27FC236}">
+                <a16:creationId xmlns:a16="http://schemas.microsoft.com/office/drawing/2014/main" id="{E7F7DF3D-8960-4822-8F71-5B6A9122A4A6}"/>
+              </a:ext>
+            </a:extLst>
+          </p:cNvPr>
+          <p:cNvGrpSpPr/>
+          <p:nvPr/>
+        </p:nvGrpSpPr>
+        <p:grpSpPr>
+          <a:xfrm>
+            <a:off x="2817315" y="978378"/>
+            <a:ext cx="2969375" cy="4396009"/>
+            <a:chOff x="3778956" y="868776"/>
+            <a:chExt cx="2969375" cy="4396009"/>
+          </a:xfrm>
+        </p:grpSpPr>
+        <p:pic>
+          <p:nvPicPr>
+            <p:cNvPr id="27" name="Picture 26">
+              <a:extLst>
+                <a:ext uri="{FF2B5EF4-FFF2-40B4-BE49-F238E27FC236}">
+                  <a16:creationId xmlns:a16="http://schemas.microsoft.com/office/drawing/2014/main" id="{7ACB9588-60AF-5242-9FF5-19BA74A399C1}"/>
+                </a:ext>
+              </a:extLst>
+            </p:cNvPr>
+            <p:cNvPicPr>
+              <a:picLocks noChangeAspect="1"/>
+            </p:cNvPicPr>
+            <p:nvPr/>
+          </p:nvPicPr>
+          <p:blipFill>
+            <a:blip r:embed="rId2"/>
+            <a:stretch>
+              <a:fillRect/>
+            </a:stretch>
+          </p:blipFill>
+          <p:spPr>
+            <a:xfrm>
+              <a:off x="3778956" y="4050527"/>
+              <a:ext cx="751415" cy="652327"/>
+            </a:xfrm>
+            <a:prstGeom prst="rect">
+              <a:avLst/>
+            </a:prstGeom>
+          </p:spPr>
+        </p:pic>
+        <p:grpSp>
+          <p:nvGrpSpPr>
+            <p:cNvPr id="2" name="组合 1">
+              <a:extLst>
+                <a:ext uri="{FF2B5EF4-FFF2-40B4-BE49-F238E27FC236}">
+                  <a16:creationId xmlns:a16="http://schemas.microsoft.com/office/drawing/2014/main" id="{2C98B55D-4BD2-453F-91C4-E3EB2E78AB7C}"/>
+                </a:ext>
+              </a:extLst>
+            </p:cNvPr>
+            <p:cNvGrpSpPr/>
+            <p:nvPr/>
+          </p:nvGrpSpPr>
+          <p:grpSpPr>
+            <a:xfrm>
+              <a:off x="4436439" y="868776"/>
+              <a:ext cx="2311892" cy="4396009"/>
+              <a:chOff x="4436439" y="868776"/>
+              <a:chExt cx="2311892" cy="4396009"/>
+            </a:xfrm>
+          </p:grpSpPr>
+          <p:sp>
+            <p:nvSpPr>
+              <p:cNvPr id="43" name="Rounded Rectangle 42">
+                <a:extLst>
+                  <a:ext uri="{FF2B5EF4-FFF2-40B4-BE49-F238E27FC236}">
+                    <a16:creationId xmlns:a16="http://schemas.microsoft.com/office/drawing/2014/main" id="{5A488113-AECA-EF46-904A-56F78EF44FD2}"/>
+                  </a:ext>
+                </a:extLst>
+              </p:cNvPr>
+              <p:cNvSpPr/>
+              <p:nvPr/>
+            </p:nvSpPr>
+            <p:spPr>
+              <a:xfrm>
+                <a:off x="4514516" y="1716011"/>
+                <a:ext cx="2158584" cy="3548774"/>
+              </a:xfrm>
+              <a:prstGeom prst="roundRect">
+                <a:avLst>
+                  <a:gd name="adj" fmla="val 7028"/>
+                </a:avLst>
+              </a:prstGeom>
+              <a:noFill/>
+              <a:ln w="12700">
+                <a:solidFill>
+                  <a:schemeClr val="tx1"/>
+                </a:solidFill>
+                <a:prstDash val="dash"/>
+              </a:ln>
+            </p:spPr>
+            <p:style>
+              <a:lnRef idx="2">
+                <a:schemeClr val="accent1">
+                  <a:shade val="50000"/>
+                </a:schemeClr>
+              </a:lnRef>
+              <a:fillRef idx="1">
+                <a:schemeClr val="accent1"/>
+              </a:fillRef>
+              <a:effectRef idx="0">
+                <a:schemeClr val="accent1"/>
+              </a:effectRef>
+              <a:fontRef idx="minor">
+                <a:schemeClr val="lt1"/>
+              </a:fontRef>
+            </p:style>
+            <p:txBody>
+              <a:bodyPr rtlCol="0" anchor="ctr"/>
+              <a:lstStyle/>
+              <a:p>
+                <a:pPr algn="ctr"/>
+                <a:endParaRPr lang="en-US"/>
+              </a:p>
+            </p:txBody>
+          </p:sp>
+          <p:sp>
+            <p:nvSpPr>
+              <p:cNvPr id="6" name="Rounded Rectangle 5">
+                <a:extLst>
+                  <a:ext uri="{FF2B5EF4-FFF2-40B4-BE49-F238E27FC236}">
+                    <a16:creationId xmlns:a16="http://schemas.microsoft.com/office/drawing/2014/main" id="{6D093B29-B815-524D-8FB2-52E26776263D}"/>
+                  </a:ext>
+                </a:extLst>
+              </p:cNvPr>
+              <p:cNvSpPr/>
+              <p:nvPr/>
+            </p:nvSpPr>
+            <p:spPr>
+              <a:xfrm>
+                <a:off x="4728265" y="1916545"/>
+                <a:ext cx="1746075" cy="772083"/>
+              </a:xfrm>
+              <a:prstGeom prst="roundRect">
+                <a:avLst/>
+              </a:prstGeom>
+              <a:noFill/>
+              <a:ln w="12700">
+                <a:solidFill>
+                  <a:schemeClr val="tx1"/>
+                </a:solidFill>
+              </a:ln>
+            </p:spPr>
+            <p:style>
+              <a:lnRef idx="2">
+                <a:schemeClr val="accent1">
+                  <a:shade val="50000"/>
+                </a:schemeClr>
+              </a:lnRef>
+              <a:fillRef idx="1">
+                <a:schemeClr val="accent1"/>
+              </a:fillRef>
+              <a:effectRef idx="0">
+                <a:schemeClr val="accent1"/>
+              </a:effectRef>
+              <a:fontRef idx="minor">
+                <a:schemeClr val="lt1"/>
+              </a:fontRef>
+            </p:style>
+            <p:txBody>
+              <a:bodyPr rot="0" spcFirstLastPara="0" vertOverflow="overflow" horzOverflow="overflow" vert="horz" wrap="square" lIns="91440" tIns="45720" rIns="91440" bIns="45720" numCol="1" spcCol="0" rtlCol="0" fromWordArt="0" anchor="ctr" anchorCtr="0" forceAA="0" compatLnSpc="1">
+                <a:prstTxWarp prst="textNoShape">
+                  <a:avLst/>
+                </a:prstTxWarp>
+                <a:noAutofit/>
+              </a:bodyPr>
+              <a:lstStyle/>
+              <a:p>
+                <a:pPr algn="ctr"/>
+                <a:r>
+                  <a:rPr lang="zh-CN" altLang="en-US" dirty="0">
+                    <a:solidFill>
+                      <a:schemeClr val="tx1"/>
+                    </a:solidFill>
+                  </a:rPr>
+                  <a:t>公告分析</a:t>
+                </a:r>
+                <a:endParaRPr lang="en-US" dirty="0">
+                  <a:solidFill>
+                    <a:schemeClr val="tx1"/>
+                  </a:solidFill>
+                </a:endParaRPr>
+              </a:p>
+            </p:txBody>
+          </p:sp>
+          <p:sp>
+            <p:nvSpPr>
+              <p:cNvPr id="7" name="Rounded Rectangle 6">
+                <a:extLst>
+                  <a:ext uri="{FF2B5EF4-FFF2-40B4-BE49-F238E27FC236}">
+                    <a16:creationId xmlns:a16="http://schemas.microsoft.com/office/drawing/2014/main" id="{AFCF1E98-22F9-E745-8C91-B70E2D17F0F9}"/>
+                  </a:ext>
+                </a:extLst>
+              </p:cNvPr>
+              <p:cNvSpPr/>
+              <p:nvPr/>
+            </p:nvSpPr>
+            <p:spPr>
+              <a:xfrm>
+                <a:off x="4744589" y="2903509"/>
+                <a:ext cx="1746075" cy="772083"/>
+              </a:xfrm>
+              <a:prstGeom prst="roundRect">
+                <a:avLst/>
+              </a:prstGeom>
+              <a:noFill/>
+              <a:ln w="12700">
+                <a:solidFill>
+                  <a:schemeClr val="tx1"/>
+                </a:solidFill>
+              </a:ln>
+            </p:spPr>
+            <p:style>
+              <a:lnRef idx="2">
+                <a:schemeClr val="accent1">
+                  <a:shade val="50000"/>
+                </a:schemeClr>
+              </a:lnRef>
+              <a:fillRef idx="1">
+                <a:schemeClr val="accent1"/>
+              </a:fillRef>
+              <a:effectRef idx="0">
+                <a:schemeClr val="accent1"/>
+              </a:effectRef>
+              <a:fontRef idx="minor">
+                <a:schemeClr val="lt1"/>
+              </a:fontRef>
+            </p:style>
+            <p:txBody>
+              <a:bodyPr rot="0" spcFirstLastPara="0" vertOverflow="overflow" horzOverflow="overflow" vert="horz" wrap="square" lIns="91440" tIns="45720" rIns="91440" bIns="45720" numCol="1" spcCol="0" rtlCol="0" fromWordArt="0" anchor="ctr" anchorCtr="0" forceAA="0" compatLnSpc="1">
+                <a:prstTxWarp prst="textNoShape">
+                  <a:avLst/>
+                </a:prstTxWarp>
+                <a:noAutofit/>
+              </a:bodyPr>
+              <a:lstStyle/>
+              <a:p>
+                <a:pPr algn="ctr"/>
+                <a:r>
+                  <a:rPr lang="zh-CN" altLang="en-US" dirty="0">
+                    <a:solidFill>
+                      <a:schemeClr val="tx1"/>
+                    </a:solidFill>
+                  </a:rPr>
+                  <a:t>参考链接分析</a:t>
+                </a:r>
+                <a:endParaRPr lang="en-US" dirty="0">
+                  <a:solidFill>
+                    <a:schemeClr val="tx1"/>
+                  </a:solidFill>
+                </a:endParaRPr>
+              </a:p>
+            </p:txBody>
+          </p:sp>
+          <p:sp>
+            <p:nvSpPr>
+              <p:cNvPr id="8" name="Rounded Rectangle 7">
+                <a:extLst>
+                  <a:ext uri="{FF2B5EF4-FFF2-40B4-BE49-F238E27FC236}">
+                    <a16:creationId xmlns:a16="http://schemas.microsoft.com/office/drawing/2014/main" id="{F8854CFF-C541-4143-869B-72DE9196A4C8}"/>
+                  </a:ext>
+                </a:extLst>
+              </p:cNvPr>
+              <p:cNvSpPr/>
+              <p:nvPr/>
+            </p:nvSpPr>
+            <p:spPr>
+              <a:xfrm>
+                <a:off x="4744589" y="3981280"/>
+                <a:ext cx="1746075" cy="772083"/>
+              </a:xfrm>
+              <a:prstGeom prst="roundRect">
+                <a:avLst/>
+              </a:prstGeom>
+              <a:noFill/>
+              <a:ln w="12700">
+                <a:solidFill>
+                  <a:schemeClr val="tx1"/>
+                </a:solidFill>
+              </a:ln>
+            </p:spPr>
+            <p:style>
+              <a:lnRef idx="2">
+                <a:schemeClr val="accent1">
+                  <a:shade val="50000"/>
+                </a:schemeClr>
+              </a:lnRef>
+              <a:fillRef idx="1">
+                <a:schemeClr val="accent1"/>
+              </a:fillRef>
+              <a:effectRef idx="0">
+                <a:schemeClr val="accent1"/>
+              </a:effectRef>
+              <a:fontRef idx="minor">
+                <a:schemeClr val="lt1"/>
+              </a:fontRef>
+            </p:style>
+            <p:txBody>
+              <a:bodyPr rot="0" spcFirstLastPara="0" vertOverflow="overflow" horzOverflow="overflow" vert="horz" wrap="square" lIns="91440" tIns="45720" rIns="91440" bIns="45720" numCol="1" spcCol="0" rtlCol="0" fromWordArt="0" anchor="ctr" anchorCtr="0" forceAA="0" compatLnSpc="1">
+                <a:prstTxWarp prst="textNoShape">
+                  <a:avLst/>
+                </a:prstTxWarp>
+                <a:noAutofit/>
+              </a:bodyPr>
+              <a:lstStyle/>
+              <a:p>
+                <a:pPr algn="ctr"/>
+                <a:r>
+                  <a:rPr lang="zh-CN" altLang="en-US" dirty="0">
+                    <a:solidFill>
+                      <a:schemeClr val="tx1"/>
+                    </a:solidFill>
+                  </a:rPr>
+                  <a:t>参考链接扩增</a:t>
+                </a:r>
+                <a:endParaRPr lang="en-US" dirty="0">
+                  <a:solidFill>
+                    <a:schemeClr val="tx1"/>
+                  </a:solidFill>
+                </a:endParaRPr>
+              </a:p>
+            </p:txBody>
+          </p:sp>
+          <p:sp>
+            <p:nvSpPr>
+              <p:cNvPr id="41" name="Down Arrow 40">
+                <a:extLst>
+                  <a:ext uri="{FF2B5EF4-FFF2-40B4-BE49-F238E27FC236}">
+                    <a16:creationId xmlns:a16="http://schemas.microsoft.com/office/drawing/2014/main" id="{B9D1C2AB-490D-EF47-9803-31A15028E9CC}"/>
+                  </a:ext>
+                </a:extLst>
+              </p:cNvPr>
+              <p:cNvSpPr/>
+              <p:nvPr/>
+            </p:nvSpPr>
+            <p:spPr>
+              <a:xfrm rot="16200000">
+                <a:off x="4420029" y="4255026"/>
+                <a:ext cx="257410" cy="224590"/>
+              </a:xfrm>
+              <a:prstGeom prst="downArrow">
+                <a:avLst/>
+              </a:prstGeom>
+              <a:noFill/>
+              <a:ln w="12700">
+                <a:solidFill>
+                  <a:schemeClr val="tx1"/>
+                </a:solidFill>
+              </a:ln>
+            </p:spPr>
+            <p:style>
+              <a:lnRef idx="2">
+                <a:schemeClr val="accent1">
+                  <a:shade val="50000"/>
+                </a:schemeClr>
+              </a:lnRef>
+              <a:fillRef idx="1">
+                <a:schemeClr val="accent1"/>
+              </a:fillRef>
+              <a:effectRef idx="0">
+                <a:schemeClr val="accent1"/>
+              </a:effectRef>
+              <a:fontRef idx="minor">
+                <a:schemeClr val="lt1"/>
+              </a:fontRef>
+            </p:style>
+            <p:txBody>
+              <a:bodyPr rtlCol="0" anchor="ctr"/>
+              <a:lstStyle/>
+              <a:p>
+                <a:pPr algn="ctr"/>
+                <a:endParaRPr lang="en-US"/>
+              </a:p>
+            </p:txBody>
+          </p:sp>
+          <p:sp>
+            <p:nvSpPr>
+              <p:cNvPr id="45" name="Rectangle 44">
+                <a:extLst>
+                  <a:ext uri="{FF2B5EF4-FFF2-40B4-BE49-F238E27FC236}">
+                    <a16:creationId xmlns:a16="http://schemas.microsoft.com/office/drawing/2014/main" id="{9D525EDA-9974-8C42-B90C-48E0F95BD84A}"/>
+                  </a:ext>
+                </a:extLst>
+              </p:cNvPr>
+              <p:cNvSpPr/>
+              <p:nvPr/>
+            </p:nvSpPr>
+            <p:spPr>
+              <a:xfrm>
+                <a:off x="4578145" y="4844764"/>
+                <a:ext cx="2031325" cy="369332"/>
+              </a:xfrm>
+              <a:prstGeom prst="rect">
+                <a:avLst/>
+              </a:prstGeom>
+            </p:spPr>
+            <p:txBody>
+              <a:bodyPr wrap="none">
+                <a:spAutoFit/>
+              </a:bodyPr>
+              <a:lstStyle/>
+              <a:p>
+                <a:pPr algn="ctr"/>
+                <a:r>
+                  <a:rPr lang="zh-CN" altLang="en-US" dirty="0">
+                    <a:solidFill>
+                      <a:schemeClr val="tx1"/>
+                    </a:solidFill>
+                  </a:rPr>
+                  <a:t>参考链接</a:t>
+                </a:r>
+                <a:r>
+                  <a:rPr lang="zh-CN" altLang="en-US" dirty="0"/>
+                  <a:t>网络构建</a:t>
+                </a:r>
+                <a:endParaRPr lang="en-US" dirty="0"/>
+              </a:p>
+            </p:txBody>
+          </p:sp>
+          <p:pic>
+            <p:nvPicPr>
+              <p:cNvPr id="46" name="Picture 22">
+                <a:extLst>
+                  <a:ext uri="{FF2B5EF4-FFF2-40B4-BE49-F238E27FC236}">
+                    <a16:creationId xmlns:a16="http://schemas.microsoft.com/office/drawing/2014/main" id="{FAF5A15D-766C-0D41-83C0-1BC10D2BF7EB}"/>
+                  </a:ext>
+                </a:extLst>
+              </p:cNvPr>
+              <p:cNvPicPr>
+                <a:picLocks noChangeAspect="1"/>
+              </p:cNvPicPr>
+              <p:nvPr/>
+            </p:nvPicPr>
+            <p:blipFill>
+              <a:blip r:embed="rId3"/>
+              <a:stretch>
+                <a:fillRect/>
+              </a:stretch>
+            </p:blipFill>
+            <p:spPr>
+              <a:xfrm>
+                <a:off x="4503196" y="1107129"/>
+                <a:ext cx="678389" cy="321259"/>
+              </a:xfrm>
+              <a:prstGeom prst="rect">
+                <a:avLst/>
+              </a:prstGeom>
+            </p:spPr>
+          </p:pic>
+          <p:pic>
+            <p:nvPicPr>
+              <p:cNvPr id="47" name="Picture 31">
+                <a:extLst>
+                  <a:ext uri="{FF2B5EF4-FFF2-40B4-BE49-F238E27FC236}">
+                    <a16:creationId xmlns:a16="http://schemas.microsoft.com/office/drawing/2014/main" id="{38A28C28-078F-F04E-BB32-4BC013C87DE5}"/>
+                  </a:ext>
+                </a:extLst>
+              </p:cNvPr>
+              <p:cNvPicPr>
+                <a:picLocks noChangeAspect="1"/>
+              </p:cNvPicPr>
+              <p:nvPr/>
+            </p:nvPicPr>
+            <p:blipFill>
+              <a:blip r:embed="rId4"/>
+              <a:stretch>
+                <a:fillRect/>
+              </a:stretch>
+            </p:blipFill>
+            <p:spPr>
+              <a:xfrm>
+                <a:off x="5354268" y="868776"/>
+                <a:ext cx="542991" cy="701711"/>
+              </a:xfrm>
+              <a:prstGeom prst="rect">
+                <a:avLst/>
+              </a:prstGeom>
+            </p:spPr>
+          </p:pic>
+          <p:pic>
+            <p:nvPicPr>
+              <p:cNvPr id="48" name="Picture 33">
+                <a:extLst>
+                  <a:ext uri="{FF2B5EF4-FFF2-40B4-BE49-F238E27FC236}">
+                    <a16:creationId xmlns:a16="http://schemas.microsoft.com/office/drawing/2014/main" id="{E5ECB1DC-40E8-7E4B-A624-C142B97C3A47}"/>
+                  </a:ext>
+                </a:extLst>
+              </p:cNvPr>
+              <p:cNvPicPr>
+                <a:picLocks noChangeAspect="1"/>
+              </p:cNvPicPr>
+              <p:nvPr/>
+            </p:nvPicPr>
+            <p:blipFill>
+              <a:blip r:embed="rId5"/>
+              <a:stretch>
+                <a:fillRect/>
+              </a:stretch>
+            </p:blipFill>
+            <p:spPr>
+              <a:xfrm>
+                <a:off x="6069942" y="874783"/>
+                <a:ext cx="678389" cy="689695"/>
+              </a:xfrm>
+              <a:prstGeom prst="rect">
+                <a:avLst/>
+              </a:prstGeom>
+            </p:spPr>
+          </p:pic>
+          <p:sp>
+            <p:nvSpPr>
+              <p:cNvPr id="49" name="Down Arrow 39">
+                <a:extLst>
+                  <a:ext uri="{FF2B5EF4-FFF2-40B4-BE49-F238E27FC236}">
+                    <a16:creationId xmlns:a16="http://schemas.microsoft.com/office/drawing/2014/main" id="{9399E320-AAF6-DA4B-BF70-263CB0B35B96}"/>
+                  </a:ext>
+                </a:extLst>
+              </p:cNvPr>
+              <p:cNvSpPr/>
+              <p:nvPr/>
+            </p:nvSpPr>
+            <p:spPr>
+              <a:xfrm>
+                <a:off x="5497058" y="1589524"/>
+                <a:ext cx="257410" cy="224590"/>
+              </a:xfrm>
+              <a:prstGeom prst="downArrow">
+                <a:avLst/>
+              </a:prstGeom>
+              <a:noFill/>
+              <a:ln w="12700">
+                <a:solidFill>
+                  <a:schemeClr val="tx1"/>
+                </a:solidFill>
+              </a:ln>
+            </p:spPr>
+            <p:style>
+              <a:lnRef idx="2">
+                <a:schemeClr val="accent1">
+                  <a:shade val="50000"/>
+                </a:schemeClr>
+              </a:lnRef>
+              <a:fillRef idx="1">
+                <a:schemeClr val="accent1"/>
+              </a:fillRef>
+              <a:effectRef idx="0">
+                <a:schemeClr val="accent1"/>
+              </a:effectRef>
+              <a:fontRef idx="minor">
+                <a:schemeClr val="lt1"/>
+              </a:fontRef>
+            </p:style>
+            <p:txBody>
+              <a:bodyPr rtlCol="0" anchor="ctr"/>
+              <a:lstStyle/>
+              <a:p>
+                <a:pPr algn="ctr"/>
+                <a:endParaRPr lang="en-US"/>
+              </a:p>
+            </p:txBody>
+          </p:sp>
+        </p:grpSp>
+      </p:grpSp>
+      <p:cxnSp>
+        <p:nvCxnSpPr>
+          <p:cNvPr id="50" name="Straight Arrow Connector 16">
+            <a:extLst>
+              <a:ext uri="{FF2B5EF4-FFF2-40B4-BE49-F238E27FC236}">
+                <a16:creationId xmlns:a16="http://schemas.microsoft.com/office/drawing/2014/main" id="{119CBFA5-DAAD-B041-AD3E-18905253A2B1}"/>
+              </a:ext>
+            </a:extLst>
+          </p:cNvPr>
+          <p:cNvCxnSpPr>
+            <a:cxnSpLocks/>
+          </p:cNvCxnSpPr>
+          <p:nvPr/>
+        </p:nvCxnSpPr>
+        <p:spPr>
+          <a:xfrm>
+            <a:off x="2593982" y="3300012"/>
+            <a:ext cx="753150" cy="0"/>
+          </a:xfrm>
+          <a:prstGeom prst="straightConnector1">
+            <a:avLst/>
+          </a:prstGeom>
+          <a:ln w="12700">
+            <a:solidFill>
+              <a:schemeClr val="tx1"/>
+            </a:solidFill>
+            <a:headEnd type="none"/>
+            <a:tailEnd type="arrow"/>
+          </a:ln>
+        </p:spPr>
+        <p:style>
+          <a:lnRef idx="1">
+            <a:schemeClr val="accent1"/>
+          </a:lnRef>
+          <a:fillRef idx="0">
+            <a:schemeClr val="accent1"/>
+          </a:fillRef>
+          <a:effectRef idx="0">
+            <a:schemeClr val="accent1"/>
+          </a:effectRef>
+          <a:fontRef idx="minor">
+            <a:schemeClr val="tx1"/>
+          </a:fontRef>
+        </p:style>
+      </p:cxnSp>
+      <p:cxnSp>
+        <p:nvCxnSpPr>
+          <p:cNvPr id="30" name="Straight Arrow Connector 16">
+            <a:extLst>
+              <a:ext uri="{FF2B5EF4-FFF2-40B4-BE49-F238E27FC236}">
+                <a16:creationId xmlns:a16="http://schemas.microsoft.com/office/drawing/2014/main" id="{F287355F-B66B-4498-8292-2C7845D06394}"/>
+              </a:ext>
+            </a:extLst>
+          </p:cNvPr>
+          <p:cNvCxnSpPr>
+            <a:cxnSpLocks/>
+          </p:cNvCxnSpPr>
+          <p:nvPr/>
+        </p:nvCxnSpPr>
+        <p:spPr>
+          <a:xfrm>
+            <a:off x="6022991" y="3300012"/>
+            <a:ext cx="753150" cy="0"/>
+          </a:xfrm>
+          <a:prstGeom prst="straightConnector1">
+            <a:avLst/>
+          </a:prstGeom>
+          <a:ln w="12700">
+            <a:solidFill>
+              <a:schemeClr val="tx1"/>
+            </a:solidFill>
+            <a:headEnd type="none"/>
+            <a:tailEnd type="arrow"/>
+          </a:ln>
+        </p:spPr>
+        <p:style>
+          <a:lnRef idx="1">
+            <a:schemeClr val="accent1"/>
+          </a:lnRef>
+          <a:fillRef idx="0">
+            <a:schemeClr val="accent1"/>
+          </a:fillRef>
+          <a:effectRef idx="0">
+            <a:schemeClr val="accent1"/>
+          </a:effectRef>
+          <a:fontRef idx="minor">
+            <a:schemeClr val="tx1"/>
+          </a:fontRef>
+        </p:style>
+      </p:cxnSp>
+      <p:cxnSp>
+        <p:nvCxnSpPr>
+          <p:cNvPr id="31" name="Straight Arrow Connector 16">
+            <a:extLst>
+              <a:ext uri="{FF2B5EF4-FFF2-40B4-BE49-F238E27FC236}">
+                <a16:creationId xmlns:a16="http://schemas.microsoft.com/office/drawing/2014/main" id="{0EEBBEA8-4716-4A57-9F42-6328537AE624}"/>
+              </a:ext>
+            </a:extLst>
+          </p:cNvPr>
+          <p:cNvCxnSpPr>
+            <a:cxnSpLocks/>
+          </p:cNvCxnSpPr>
+          <p:nvPr/>
+        </p:nvCxnSpPr>
+        <p:spPr>
+          <a:xfrm>
+            <a:off x="9586411" y="3289549"/>
+            <a:ext cx="753150" cy="0"/>
+          </a:xfrm>
+          <a:prstGeom prst="straightConnector1">
+            <a:avLst/>
+          </a:prstGeom>
+          <a:ln w="12700">
+            <a:solidFill>
+              <a:schemeClr val="tx1"/>
+            </a:solidFill>
+            <a:headEnd type="none"/>
+            <a:tailEnd type="arrow"/>
+          </a:ln>
+        </p:spPr>
+        <p:style>
+          <a:lnRef idx="1">
+            <a:schemeClr val="accent1"/>
+          </a:lnRef>
+          <a:fillRef idx="0">
+            <a:schemeClr val="accent1"/>
+          </a:fillRef>
+          <a:effectRef idx="0">
+            <a:schemeClr val="accent1"/>
+          </a:effectRef>
+          <a:fontRef idx="minor">
+            <a:schemeClr val="tx1"/>
+          </a:fontRef>
+        </p:style>
+      </p:cxnSp>
+      <p:cxnSp>
+        <p:nvCxnSpPr>
+          <p:cNvPr id="32" name="Straight Arrow Connector 16">
+            <a:extLst>
+              <a:ext uri="{FF2B5EF4-FFF2-40B4-BE49-F238E27FC236}">
+                <a16:creationId xmlns:a16="http://schemas.microsoft.com/office/drawing/2014/main" id="{A7465137-B944-4EA2-B0E9-746DD97F7657}"/>
+              </a:ext>
+            </a:extLst>
+          </p:cNvPr>
+          <p:cNvCxnSpPr>
+            <a:cxnSpLocks/>
+          </p:cNvCxnSpPr>
+          <p:nvPr/>
+        </p:nvCxnSpPr>
+        <p:spPr>
+          <a:xfrm>
+            <a:off x="12440914" y="3279381"/>
+            <a:ext cx="753150" cy="0"/>
+          </a:xfrm>
+          <a:prstGeom prst="straightConnector1">
+            <a:avLst/>
+          </a:prstGeom>
+          <a:ln w="12700">
+            <a:solidFill>
+              <a:schemeClr val="tx1"/>
+            </a:solidFill>
+            <a:headEnd type="none"/>
+            <a:tailEnd type="arrow"/>
+          </a:ln>
+        </p:spPr>
+        <p:style>
+          <a:lnRef idx="1">
+            <a:schemeClr val="accent1"/>
+          </a:lnRef>
+          <a:fillRef idx="0">
+            <a:schemeClr val="accent1"/>
+          </a:fillRef>
+          <a:effectRef idx="0">
+            <a:schemeClr val="accent1"/>
+          </a:effectRef>
+          <a:fontRef idx="minor">
+            <a:schemeClr val="tx1"/>
+          </a:fontRef>
+        </p:style>
+      </p:cxnSp>
+    </p:spTree>
+    <p:extLst>
+      <p:ext uri="{BB962C8B-B14F-4D97-AF65-F5344CB8AC3E}">
+        <p14:creationId xmlns:p14="http://schemas.microsoft.com/office/powerpoint/2010/main" val="1931315602"/>
+      </p:ext>
+    </p:extLst>
+  </p:cSld>
+  <p:clrMapOvr>
+    <a:masterClrMapping/>
+  </p:clrMapOvr>
+</p:sld>
+</file>
+
+<file path=ppt/slides/slide6.xml><?xml version="1.0" encoding="utf-8"?>
+<p:sld xmlns:a="http://schemas.openxmlformats.org/drawingml/2006/main" xmlns:r="http://schemas.openxmlformats.org/officeDocument/2006/relationships" xmlns:p="http://schemas.openxmlformats.org/presentationml/2006/main">
+  <p:cSld>
+    <p:spTree>
+      <p:nvGrpSpPr>
+        <p:cNvPr id="1" name=""/>
+        <p:cNvGrpSpPr/>
+        <p:nvPr/>
+      </p:nvGrpSpPr>
+      <p:grpSpPr>
+        <a:xfrm>
+          <a:off x="0" y="0"/>
+          <a:ext cx="0" cy="0"/>
+          <a:chOff x="0" y="0"/>
+          <a:chExt cx="0" cy="0"/>
+        </a:xfrm>
+      </p:grpSpPr>
+      <p:sp>
+        <p:nvSpPr>
+          <p:cNvPr id="4" name="Round Diagonal Corner Rectangle 3">
+            <a:extLst>
+              <a:ext uri="{FF2B5EF4-FFF2-40B4-BE49-F238E27FC236}">
+                <a16:creationId xmlns:a16="http://schemas.microsoft.com/office/drawing/2014/main" id="{209C59D9-01A5-5E48-8DA4-D4D352B7B490}"/>
+              </a:ext>
+            </a:extLst>
+          </p:cNvPr>
+          <p:cNvSpPr/>
+          <p:nvPr/>
+        </p:nvSpPr>
+        <p:spPr>
+          <a:xfrm>
             <a:off x="1090749" y="2717081"/>
             <a:ext cx="1062516" cy="543481"/>
           </a:xfrm>

--- a/fig/overview.pptx
+++ b/fig/overview.pptx
@@ -248,7 +248,7 @@
           <a:p>
             <a:fld id="{AE461D9D-3ED4-1345-AA6A-FA522C09250F}" type="datetimeFigureOut">
               <a:rPr lang="en-US" smtClean="0"/>
-              <a:t>4/29/2022</a:t>
+              <a:t>5/22/2022</a:t>
             </a:fld>
             <a:endParaRPr lang="en-US"/>
           </a:p>
@@ -418,7 +418,7 @@
           <a:p>
             <a:fld id="{AE461D9D-3ED4-1345-AA6A-FA522C09250F}" type="datetimeFigureOut">
               <a:rPr lang="en-US" smtClean="0"/>
-              <a:t>4/29/2022</a:t>
+              <a:t>5/22/2022</a:t>
             </a:fld>
             <a:endParaRPr lang="en-US"/>
           </a:p>
@@ -598,7 +598,7 @@
           <a:p>
             <a:fld id="{AE461D9D-3ED4-1345-AA6A-FA522C09250F}" type="datetimeFigureOut">
               <a:rPr lang="en-US" smtClean="0"/>
-              <a:t>4/29/2022</a:t>
+              <a:t>5/22/2022</a:t>
             </a:fld>
             <a:endParaRPr lang="en-US"/>
           </a:p>
@@ -768,7 +768,7 @@
           <a:p>
             <a:fld id="{AE461D9D-3ED4-1345-AA6A-FA522C09250F}" type="datetimeFigureOut">
               <a:rPr lang="en-US" smtClean="0"/>
-              <a:t>4/29/2022</a:t>
+              <a:t>5/22/2022</a:t>
             </a:fld>
             <a:endParaRPr lang="en-US"/>
           </a:p>
@@ -1014,7 +1014,7 @@
           <a:p>
             <a:fld id="{AE461D9D-3ED4-1345-AA6A-FA522C09250F}" type="datetimeFigureOut">
               <a:rPr lang="en-US" smtClean="0"/>
-              <a:t>4/29/2022</a:t>
+              <a:t>5/22/2022</a:t>
             </a:fld>
             <a:endParaRPr lang="en-US"/>
           </a:p>
@@ -1246,7 +1246,7 @@
           <a:p>
             <a:fld id="{AE461D9D-3ED4-1345-AA6A-FA522C09250F}" type="datetimeFigureOut">
               <a:rPr lang="en-US" smtClean="0"/>
-              <a:t>4/29/2022</a:t>
+              <a:t>5/22/2022</a:t>
             </a:fld>
             <a:endParaRPr lang="en-US"/>
           </a:p>
@@ -1613,7 +1613,7 @@
           <a:p>
             <a:fld id="{AE461D9D-3ED4-1345-AA6A-FA522C09250F}" type="datetimeFigureOut">
               <a:rPr lang="en-US" smtClean="0"/>
-              <a:t>4/29/2022</a:t>
+              <a:t>5/22/2022</a:t>
             </a:fld>
             <a:endParaRPr lang="en-US"/>
           </a:p>
@@ -1731,7 +1731,7 @@
           <a:p>
             <a:fld id="{AE461D9D-3ED4-1345-AA6A-FA522C09250F}" type="datetimeFigureOut">
               <a:rPr lang="en-US" smtClean="0"/>
-              <a:t>4/29/2022</a:t>
+              <a:t>5/22/2022</a:t>
             </a:fld>
             <a:endParaRPr lang="en-US"/>
           </a:p>
@@ -1826,7 +1826,7 @@
           <a:p>
             <a:fld id="{AE461D9D-3ED4-1345-AA6A-FA522C09250F}" type="datetimeFigureOut">
               <a:rPr lang="en-US" smtClean="0"/>
-              <a:t>4/29/2022</a:t>
+              <a:t>5/22/2022</a:t>
             </a:fld>
             <a:endParaRPr lang="en-US"/>
           </a:p>
@@ -2103,7 +2103,7 @@
           <a:p>
             <a:fld id="{AE461D9D-3ED4-1345-AA6A-FA522C09250F}" type="datetimeFigureOut">
               <a:rPr lang="en-US" smtClean="0"/>
-              <a:t>4/29/2022</a:t>
+              <a:t>5/22/2022</a:t>
             </a:fld>
             <a:endParaRPr lang="en-US"/>
           </a:p>
@@ -2360,7 +2360,7 @@
           <a:p>
             <a:fld id="{AE461D9D-3ED4-1345-AA6A-FA522C09250F}" type="datetimeFigureOut">
               <a:rPr lang="en-US" smtClean="0"/>
-              <a:t>4/29/2022</a:t>
+              <a:t>5/22/2022</a:t>
             </a:fld>
             <a:endParaRPr lang="en-US"/>
           </a:p>
@@ -2573,7 +2573,7 @@
           <a:p>
             <a:fld id="{AE461D9D-3ED4-1345-AA6A-FA522C09250F}" type="datetimeFigureOut">
               <a:rPr lang="en-US" smtClean="0"/>
-              <a:t>4/29/2022</a:t>
+              <a:t>5/22/2022</a:t>
             </a:fld>
             <a:endParaRPr lang="en-US"/>
           </a:p>
@@ -8157,7 +8157,7 @@
                     <a:schemeClr val="tx1"/>
                   </a:solidFill>
                 </a:rPr>
-                <a:t>基于置信度选择</a:t>
+                <a:t>基于信息源选择</a:t>
               </a:r>
               <a:endParaRPr lang="en-US" dirty="0">
                 <a:solidFill>
